--- a/Myproject/Documentation/Investigate and Implement KNN Classifier_Global Variable-Project_presentation.pptx
+++ b/Myproject/Documentation/Investigate and Implement KNN Classifier_Global Variable-Project_presentation.pptx
@@ -5,7 +5,7 @@
     <p:sldMasterId id="2147483670" r:id="rId1"/>
   </p:sldMasterIdLst>
   <p:notesMasterIdLst>
-    <p:notesMasterId r:id="rId27"/>
+    <p:notesMasterId r:id="rId32"/>
   </p:notesMasterIdLst>
   <p:sldIdLst>
     <p:sldId id="256" r:id="rId2"/>
@@ -23,54 +23,66 @@
     <p:sldId id="268" r:id="rId14"/>
     <p:sldId id="304" r:id="rId15"/>
     <p:sldId id="305" r:id="rId16"/>
-    <p:sldId id="263" r:id="rId17"/>
-    <p:sldId id="306" r:id="rId18"/>
-    <p:sldId id="308" r:id="rId19"/>
-    <p:sldId id="309" r:id="rId20"/>
-    <p:sldId id="310" r:id="rId21"/>
-    <p:sldId id="311" r:id="rId22"/>
-    <p:sldId id="274" r:id="rId23"/>
-    <p:sldId id="312" r:id="rId24"/>
-    <p:sldId id="278" r:id="rId25"/>
-    <p:sldId id="307" r:id="rId26"/>
+    <p:sldId id="314" r:id="rId17"/>
+    <p:sldId id="316" r:id="rId18"/>
+    <p:sldId id="306" r:id="rId19"/>
+    <p:sldId id="317" r:id="rId20"/>
+    <p:sldId id="263" r:id="rId21"/>
+    <p:sldId id="308" r:id="rId22"/>
+    <p:sldId id="313" r:id="rId23"/>
+    <p:sldId id="309" r:id="rId24"/>
+    <p:sldId id="310" r:id="rId25"/>
+    <p:sldId id="311" r:id="rId26"/>
+    <p:sldId id="274" r:id="rId27"/>
+    <p:sldId id="312" r:id="rId28"/>
+    <p:sldId id="278" r:id="rId29"/>
+    <p:sldId id="318" r:id="rId30"/>
+    <p:sldId id="307" r:id="rId31"/>
   </p:sldIdLst>
   <p:sldSz cx="9144000" cy="5143500" type="screen16x9"/>
   <p:notesSz cx="6858000" cy="9144000"/>
   <p:embeddedFontLst>
     <p:embeddedFont>
       <p:font typeface="Alumni Sans" panose="020B0604020202020204" charset="0"/>
-      <p:regular r:id="rId28"/>
-      <p:bold r:id="rId29"/>
-      <p:italic r:id="rId30"/>
-      <p:boldItalic r:id="rId31"/>
+      <p:regular r:id="rId33"/>
+      <p:bold r:id="rId34"/>
+      <p:italic r:id="rId35"/>
+      <p:boldItalic r:id="rId36"/>
     </p:embeddedFont>
     <p:embeddedFont>
       <p:font typeface="Anaheim" panose="020B0604020202020204" charset="0"/>
-      <p:regular r:id="rId32"/>
+      <p:regular r:id="rId37"/>
     </p:embeddedFont>
     <p:embeddedFont>
       <p:font typeface="Assistant" pitchFamily="2" charset="-79"/>
-      <p:regular r:id="rId33"/>
-      <p:bold r:id="rId34"/>
+      <p:regular r:id="rId38"/>
+      <p:bold r:id="rId39"/>
+    </p:embeddedFont>
+    <p:embeddedFont>
+      <p:font typeface="Cascadia Mono" panose="020B0609020000020004" pitchFamily="49" charset="0"/>
+      <p:regular r:id="rId40"/>
+      <p:bold r:id="rId41"/>
+      <p:italic r:id="rId42"/>
+      <p:boldItalic r:id="rId43"/>
     </p:embeddedFont>
     <p:embeddedFont>
       <p:font typeface="DM Sans" pitchFamily="2" charset="0"/>
-      <p:regular r:id="rId35"/>
-      <p:bold r:id="rId36"/>
-      <p:italic r:id="rId37"/>
-      <p:boldItalic r:id="rId38"/>
+      <p:regular r:id="rId44"/>
+      <p:bold r:id="rId45"/>
+      <p:italic r:id="rId46"/>
+      <p:boldItalic r:id="rId47"/>
     </p:embeddedFont>
     <p:embeddedFont>
       <p:font typeface="Lato" panose="020F0502020204030203" pitchFamily="34" charset="0"/>
-      <p:regular r:id="rId39"/>
-      <p:bold r:id="rId40"/>
-      <p:italic r:id="rId41"/>
-      <p:boldItalic r:id="rId42"/>
+      <p:regular r:id="rId48"/>
+      <p:bold r:id="rId49"/>
+      <p:italic r:id="rId50"/>
+      <p:boldItalic r:id="rId51"/>
     </p:embeddedFont>
     <p:embeddedFont>
       <p:font typeface="Nunito Light" pitchFamily="2" charset="0"/>
-      <p:regular r:id="rId43"/>
-      <p:italic r:id="rId44"/>
+      <p:regular r:id="rId52"/>
+      <p:italic r:id="rId53"/>
     </p:embeddedFont>
   </p:embeddedFontLst>
   <p:defaultTextStyle>
@@ -1073,6 +1085,333 @@
   <p:cSld>
     <p:spTree>
       <p:nvGrpSpPr>
+        <p:cNvPr id="1" name="Shape 167"/>
+        <p:cNvGrpSpPr/>
+        <p:nvPr/>
+      </p:nvGrpSpPr>
+      <p:grpSpPr>
+        <a:xfrm>
+          <a:off x="0" y="0"/>
+          <a:ext cx="0" cy="0"/>
+          <a:chOff x="0" y="0"/>
+          <a:chExt cx="0" cy="0"/>
+        </a:xfrm>
+      </p:grpSpPr>
+      <p:sp>
+        <p:nvSpPr>
+          <p:cNvPr id="168" name="Google Shape;168;g54dda1946d_6_322:notes"/>
+          <p:cNvSpPr>
+            <a:spLocks noGrp="1" noRot="1" noChangeAspect="1"/>
+          </p:cNvSpPr>
+          <p:nvPr>
+            <p:ph type="sldImg" idx="2"/>
+          </p:nvPr>
+        </p:nvSpPr>
+        <p:spPr>
+          <a:xfrm>
+            <a:off x="381000" y="685800"/>
+            <a:ext cx="6096000" cy="3429000"/>
+          </a:xfrm>
+          <a:custGeom>
+            <a:avLst/>
+            <a:gdLst/>
+            <a:ahLst/>
+            <a:cxnLst/>
+            <a:rect l="l" t="t" r="r" b="b"/>
+            <a:pathLst>
+              <a:path w="120000" h="120000" extrusionOk="0">
+                <a:moveTo>
+                  <a:pt x="0" y="0"/>
+                </a:moveTo>
+                <a:lnTo>
+                  <a:pt x="120000" y="0"/>
+                </a:lnTo>
+                <a:lnTo>
+                  <a:pt x="120000" y="120000"/>
+                </a:lnTo>
+                <a:lnTo>
+                  <a:pt x="0" y="120000"/>
+                </a:lnTo>
+                <a:close/>
+              </a:path>
+            </a:pathLst>
+          </a:custGeom>
+        </p:spPr>
+      </p:sp>
+      <p:sp>
+        <p:nvSpPr>
+          <p:cNvPr id="169" name="Google Shape;169;g54dda1946d_6_322:notes"/>
+          <p:cNvSpPr txBox="1">
+            <a:spLocks noGrp="1"/>
+          </p:cNvSpPr>
+          <p:nvPr>
+            <p:ph type="body" idx="1"/>
+          </p:nvPr>
+        </p:nvSpPr>
+        <p:spPr>
+          <a:xfrm>
+            <a:off x="685800" y="4343400"/>
+            <a:ext cx="5486400" cy="4114800"/>
+          </a:xfrm>
+          <a:prstGeom prst="rect">
+            <a:avLst/>
+          </a:prstGeom>
+        </p:spPr>
+        <p:txBody>
+          <a:bodyPr spcFirstLastPara="1" wrap="square" lIns="91425" tIns="91425" rIns="91425" bIns="91425" anchor="t" anchorCtr="0">
+            <a:noAutofit/>
+          </a:bodyPr>
+          <a:lstStyle/>
+          <a:p>
+            <a:pPr marL="0" lvl="0" indent="0" algn="l" rtl="0">
+              <a:spcBef>
+                <a:spcPts val="0"/>
+              </a:spcBef>
+              <a:spcAft>
+                <a:spcPts val="0"/>
+              </a:spcAft>
+              <a:buNone/>
+            </a:pPr>
+            <a:endParaRPr/>
+          </a:p>
+        </p:txBody>
+      </p:sp>
+    </p:spTree>
+    <p:extLst>
+      <p:ext uri="{BB962C8B-B14F-4D97-AF65-F5344CB8AC3E}">
+        <p14:creationId xmlns:p14="http://schemas.microsoft.com/office/powerpoint/2010/main" val="4173597003"/>
+      </p:ext>
+    </p:extLst>
+  </p:cSld>
+  <p:clrMapOvr>
+    <a:masterClrMapping/>
+  </p:clrMapOvr>
+</p:notes>
+</file>
+
+<file path=ppt/notesSlides/notesSlide13.xml><?xml version="1.0" encoding="utf-8"?>
+<p:notes xmlns:a="http://schemas.openxmlformats.org/drawingml/2006/main" xmlns:r="http://schemas.openxmlformats.org/officeDocument/2006/relationships" xmlns:p="http://schemas.openxmlformats.org/presentationml/2006/main" showMasterSp="0" showMasterPhAnim="0">
+  <p:cSld>
+    <p:spTree>
+      <p:nvGrpSpPr>
+        <p:cNvPr id="1" name="Shape 167"/>
+        <p:cNvGrpSpPr/>
+        <p:nvPr/>
+      </p:nvGrpSpPr>
+      <p:grpSpPr>
+        <a:xfrm>
+          <a:off x="0" y="0"/>
+          <a:ext cx="0" cy="0"/>
+          <a:chOff x="0" y="0"/>
+          <a:chExt cx="0" cy="0"/>
+        </a:xfrm>
+      </p:grpSpPr>
+      <p:sp>
+        <p:nvSpPr>
+          <p:cNvPr id="168" name="Google Shape;168;g54dda1946d_6_322:notes"/>
+          <p:cNvSpPr>
+            <a:spLocks noGrp="1" noRot="1" noChangeAspect="1"/>
+          </p:cNvSpPr>
+          <p:nvPr>
+            <p:ph type="sldImg" idx="2"/>
+          </p:nvPr>
+        </p:nvSpPr>
+        <p:spPr>
+          <a:xfrm>
+            <a:off x="381000" y="685800"/>
+            <a:ext cx="6096000" cy="3429000"/>
+          </a:xfrm>
+          <a:custGeom>
+            <a:avLst/>
+            <a:gdLst/>
+            <a:ahLst/>
+            <a:cxnLst/>
+            <a:rect l="l" t="t" r="r" b="b"/>
+            <a:pathLst>
+              <a:path w="120000" h="120000" extrusionOk="0">
+                <a:moveTo>
+                  <a:pt x="0" y="0"/>
+                </a:moveTo>
+                <a:lnTo>
+                  <a:pt x="120000" y="0"/>
+                </a:lnTo>
+                <a:lnTo>
+                  <a:pt x="120000" y="120000"/>
+                </a:lnTo>
+                <a:lnTo>
+                  <a:pt x="0" y="120000"/>
+                </a:lnTo>
+                <a:close/>
+              </a:path>
+            </a:pathLst>
+          </a:custGeom>
+        </p:spPr>
+      </p:sp>
+      <p:sp>
+        <p:nvSpPr>
+          <p:cNvPr id="169" name="Google Shape;169;g54dda1946d_6_322:notes"/>
+          <p:cNvSpPr txBox="1">
+            <a:spLocks noGrp="1"/>
+          </p:cNvSpPr>
+          <p:nvPr>
+            <p:ph type="body" idx="1"/>
+          </p:nvPr>
+        </p:nvSpPr>
+        <p:spPr>
+          <a:xfrm>
+            <a:off x="685800" y="4343400"/>
+            <a:ext cx="5486400" cy="4114800"/>
+          </a:xfrm>
+          <a:prstGeom prst="rect">
+            <a:avLst/>
+          </a:prstGeom>
+        </p:spPr>
+        <p:txBody>
+          <a:bodyPr spcFirstLastPara="1" wrap="square" lIns="91425" tIns="91425" rIns="91425" bIns="91425" anchor="t" anchorCtr="0">
+            <a:noAutofit/>
+          </a:bodyPr>
+          <a:lstStyle/>
+          <a:p>
+            <a:pPr marL="0" lvl="0" indent="0" algn="l" rtl="0">
+              <a:spcBef>
+                <a:spcPts val="0"/>
+              </a:spcBef>
+              <a:spcAft>
+                <a:spcPts val="0"/>
+              </a:spcAft>
+              <a:buNone/>
+            </a:pPr>
+            <a:endParaRPr/>
+          </a:p>
+        </p:txBody>
+      </p:sp>
+    </p:spTree>
+    <p:extLst>
+      <p:ext uri="{BB962C8B-B14F-4D97-AF65-F5344CB8AC3E}">
+        <p14:creationId xmlns:p14="http://schemas.microsoft.com/office/powerpoint/2010/main" val="4284732817"/>
+      </p:ext>
+    </p:extLst>
+  </p:cSld>
+  <p:clrMapOvr>
+    <a:masterClrMapping/>
+  </p:clrMapOvr>
+</p:notes>
+</file>
+
+<file path=ppt/notesSlides/notesSlide14.xml><?xml version="1.0" encoding="utf-8"?>
+<p:notes xmlns:a="http://schemas.openxmlformats.org/drawingml/2006/main" xmlns:r="http://schemas.openxmlformats.org/officeDocument/2006/relationships" xmlns:p="http://schemas.openxmlformats.org/presentationml/2006/main" showMasterSp="0" showMasterPhAnim="0">
+  <p:cSld>
+    <p:spTree>
+      <p:nvGrpSpPr>
+        <p:cNvPr id="1" name="Shape 167"/>
+        <p:cNvGrpSpPr/>
+        <p:nvPr/>
+      </p:nvGrpSpPr>
+      <p:grpSpPr>
+        <a:xfrm>
+          <a:off x="0" y="0"/>
+          <a:ext cx="0" cy="0"/>
+          <a:chOff x="0" y="0"/>
+          <a:chExt cx="0" cy="0"/>
+        </a:xfrm>
+      </p:grpSpPr>
+      <p:sp>
+        <p:nvSpPr>
+          <p:cNvPr id="168" name="Google Shape;168;g54dda1946d_6_322:notes"/>
+          <p:cNvSpPr>
+            <a:spLocks noGrp="1" noRot="1" noChangeAspect="1"/>
+          </p:cNvSpPr>
+          <p:nvPr>
+            <p:ph type="sldImg" idx="2"/>
+          </p:nvPr>
+        </p:nvSpPr>
+        <p:spPr>
+          <a:xfrm>
+            <a:off x="381000" y="685800"/>
+            <a:ext cx="6096000" cy="3429000"/>
+          </a:xfrm>
+          <a:custGeom>
+            <a:avLst/>
+            <a:gdLst/>
+            <a:ahLst/>
+            <a:cxnLst/>
+            <a:rect l="l" t="t" r="r" b="b"/>
+            <a:pathLst>
+              <a:path w="120000" h="120000" extrusionOk="0">
+                <a:moveTo>
+                  <a:pt x="0" y="0"/>
+                </a:moveTo>
+                <a:lnTo>
+                  <a:pt x="120000" y="0"/>
+                </a:lnTo>
+                <a:lnTo>
+                  <a:pt x="120000" y="120000"/>
+                </a:lnTo>
+                <a:lnTo>
+                  <a:pt x="0" y="120000"/>
+                </a:lnTo>
+                <a:close/>
+              </a:path>
+            </a:pathLst>
+          </a:custGeom>
+        </p:spPr>
+      </p:sp>
+      <p:sp>
+        <p:nvSpPr>
+          <p:cNvPr id="169" name="Google Shape;169;g54dda1946d_6_322:notes"/>
+          <p:cNvSpPr txBox="1">
+            <a:spLocks noGrp="1"/>
+          </p:cNvSpPr>
+          <p:nvPr>
+            <p:ph type="body" idx="1"/>
+          </p:nvPr>
+        </p:nvSpPr>
+        <p:spPr>
+          <a:xfrm>
+            <a:off x="685800" y="4343400"/>
+            <a:ext cx="5486400" cy="4114800"/>
+          </a:xfrm>
+          <a:prstGeom prst="rect">
+            <a:avLst/>
+          </a:prstGeom>
+        </p:spPr>
+        <p:txBody>
+          <a:bodyPr spcFirstLastPara="1" wrap="square" lIns="91425" tIns="91425" rIns="91425" bIns="91425" anchor="t" anchorCtr="0">
+            <a:noAutofit/>
+          </a:bodyPr>
+          <a:lstStyle/>
+          <a:p>
+            <a:pPr marL="0" lvl="0" indent="0" algn="l" rtl="0">
+              <a:spcBef>
+                <a:spcPts val="0"/>
+              </a:spcBef>
+              <a:spcAft>
+                <a:spcPts val="0"/>
+              </a:spcAft>
+              <a:buNone/>
+            </a:pPr>
+            <a:endParaRPr/>
+          </a:p>
+        </p:txBody>
+      </p:sp>
+    </p:spTree>
+    <p:extLst>
+      <p:ext uri="{BB962C8B-B14F-4D97-AF65-F5344CB8AC3E}">
+        <p14:creationId xmlns:p14="http://schemas.microsoft.com/office/powerpoint/2010/main" val="1994123149"/>
+      </p:ext>
+    </p:extLst>
+  </p:cSld>
+  <p:clrMapOvr>
+    <a:masterClrMapping/>
+  </p:clrMapOvr>
+</p:notes>
+</file>
+
+<file path=ppt/notesSlides/notesSlide15.xml><?xml version="1.0" encoding="utf-8"?>
+<p:notes xmlns:a="http://schemas.openxmlformats.org/drawingml/2006/main" xmlns:r="http://schemas.openxmlformats.org/officeDocument/2006/relationships" xmlns:p="http://schemas.openxmlformats.org/presentationml/2006/main" showMasterSp="0" showMasterPhAnim="0">
+  <p:cSld>
+    <p:spTree>
+      <p:nvGrpSpPr>
         <p:cNvPr id="1" name="Shape 191"/>
         <p:cNvGrpSpPr/>
         <p:nvPr/>
@@ -1172,7 +1511,7 @@
 </p:notes>
 </file>
 
-<file path=ppt/notesSlides/notesSlide13.xml><?xml version="1.0" encoding="utf-8"?>
+<file path=ppt/notesSlides/notesSlide16.xml><?xml version="1.0" encoding="utf-8"?>
 <p:notes xmlns:a="http://schemas.openxmlformats.org/drawingml/2006/main" xmlns:r="http://schemas.openxmlformats.org/officeDocument/2006/relationships" xmlns:p="http://schemas.openxmlformats.org/presentationml/2006/main" showMasterSp="0" showMasterPhAnim="0">
   <p:cSld>
     <p:spTree>
@@ -1276,7 +1615,7 @@
 </p:notes>
 </file>
 
-<file path=ppt/notesSlides/notesSlide14.xml><?xml version="1.0" encoding="utf-8"?>
+<file path=ppt/notesSlides/notesSlide17.xml><?xml version="1.0" encoding="utf-8"?>
 <p:notes xmlns:a="http://schemas.openxmlformats.org/drawingml/2006/main" xmlns:r="http://schemas.openxmlformats.org/officeDocument/2006/relationships" xmlns:p="http://schemas.openxmlformats.org/presentationml/2006/main" showMasterSp="0" showMasterPhAnim="0">
   <p:cSld>
     <p:spTree>
@@ -1373,6 +1712,115 @@
         </p:txBody>
       </p:sp>
     </p:spTree>
+  </p:cSld>
+  <p:clrMapOvr>
+    <a:masterClrMapping/>
+  </p:clrMapOvr>
+</p:notes>
+</file>
+
+<file path=ppt/notesSlides/notesSlide18.xml><?xml version="1.0" encoding="utf-8"?>
+<p:notes xmlns:a="http://schemas.openxmlformats.org/drawingml/2006/main" xmlns:r="http://schemas.openxmlformats.org/officeDocument/2006/relationships" xmlns:p="http://schemas.openxmlformats.org/presentationml/2006/main" showMasterSp="0" showMasterPhAnim="0">
+  <p:cSld>
+    <p:spTree>
+      <p:nvGrpSpPr>
+        <p:cNvPr id="1" name="Shape 713"/>
+        <p:cNvGrpSpPr/>
+        <p:nvPr/>
+      </p:nvGrpSpPr>
+      <p:grpSpPr>
+        <a:xfrm>
+          <a:off x="0" y="0"/>
+          <a:ext cx="0" cy="0"/>
+          <a:chOff x="0" y="0"/>
+          <a:chExt cx="0" cy="0"/>
+        </a:xfrm>
+      </p:grpSpPr>
+      <p:sp>
+        <p:nvSpPr>
+          <p:cNvPr id="714" name="Google Shape;714;g264f6d21aaf_0_1468:notes"/>
+          <p:cNvSpPr>
+            <a:spLocks noGrp="1" noRot="1" noChangeAspect="1"/>
+          </p:cNvSpPr>
+          <p:nvPr>
+            <p:ph type="sldImg" idx="2"/>
+          </p:nvPr>
+        </p:nvSpPr>
+        <p:spPr>
+          <a:xfrm>
+            <a:off x="381000" y="685800"/>
+            <a:ext cx="6096000" cy="3429000"/>
+          </a:xfrm>
+          <a:custGeom>
+            <a:avLst/>
+            <a:gdLst/>
+            <a:ahLst/>
+            <a:cxnLst/>
+            <a:rect l="l" t="t" r="r" b="b"/>
+            <a:pathLst>
+              <a:path w="120000" h="120000" extrusionOk="0">
+                <a:moveTo>
+                  <a:pt x="0" y="0"/>
+                </a:moveTo>
+                <a:lnTo>
+                  <a:pt x="120000" y="0"/>
+                </a:lnTo>
+                <a:lnTo>
+                  <a:pt x="120000" y="120000"/>
+                </a:lnTo>
+                <a:lnTo>
+                  <a:pt x="0" y="120000"/>
+                </a:lnTo>
+                <a:close/>
+              </a:path>
+            </a:pathLst>
+          </a:custGeom>
+        </p:spPr>
+      </p:sp>
+      <p:sp>
+        <p:nvSpPr>
+          <p:cNvPr id="715" name="Google Shape;715;g264f6d21aaf_0_1468:notes"/>
+          <p:cNvSpPr txBox="1">
+            <a:spLocks noGrp="1"/>
+          </p:cNvSpPr>
+          <p:nvPr>
+            <p:ph type="body" idx="1"/>
+          </p:nvPr>
+        </p:nvSpPr>
+        <p:spPr>
+          <a:xfrm>
+            <a:off x="685800" y="4343400"/>
+            <a:ext cx="5486400" cy="4114800"/>
+          </a:xfrm>
+          <a:prstGeom prst="rect">
+            <a:avLst/>
+          </a:prstGeom>
+        </p:spPr>
+        <p:txBody>
+          <a:bodyPr spcFirstLastPara="1" wrap="square" lIns="91425" tIns="91425" rIns="91425" bIns="91425" anchor="t" anchorCtr="0">
+            <a:noAutofit/>
+          </a:bodyPr>
+          <a:lstStyle/>
+          <a:p>
+            <a:pPr marL="0" lvl="0" indent="0" algn="l" rtl="0">
+              <a:spcBef>
+                <a:spcPts val="0"/>
+              </a:spcBef>
+              <a:spcAft>
+                <a:spcPts val="0"/>
+              </a:spcAft>
+              <a:buNone/>
+            </a:pPr>
+            <a:endParaRPr/>
+          </a:p>
+        </p:txBody>
+      </p:sp>
+    </p:spTree>
+    <p:extLst>
+      <p:ext uri="{BB962C8B-B14F-4D97-AF65-F5344CB8AC3E}">
+        <p14:creationId xmlns:p14="http://schemas.microsoft.com/office/powerpoint/2010/main" val="1935792909"/>
+      </p:ext>
+    </p:extLst>
   </p:cSld>
   <p:clrMapOvr>
     <a:masterClrMapping/>
@@ -10522,10 +10970,10 @@
               <a:t>Zaka</a:t>
             </a:r>
             <a:r>
-              <a:rPr lang="en-US" sz="1800">
+              <a:rPr lang="en-US" sz="1800" dirty="0">
                 <a:latin typeface="Alumni Sans" panose="020B0604020202020204" charset="0"/>
               </a:rPr>
-              <a:t> Ahmad ()</a:t>
+              <a:t> Ahmad (1436851)</a:t>
             </a:r>
             <a:r>
               <a:rPr lang="en-US" dirty="0"/>
@@ -12623,7 +13071,7 @@
           <a:p>
             <a:r>
               <a:rPr lang="en-US" dirty="0"/>
-              <a:t>Define the Value of K</a:t>
+              <a:t>Approaches and Challenges </a:t>
             </a:r>
           </a:p>
         </p:txBody>
@@ -12687,7 +13135,7 @@
               <a:rPr lang="en-US" sz="1800" dirty="0">
                 <a:latin typeface="Alumni Sans" panose="020B0604020202020204" charset="0"/>
               </a:rPr>
-              <a:t>Concluding the value of K based on different results</a:t>
+              <a:t>Approaches and challenges face while executing the project</a:t>
             </a:r>
           </a:p>
           <a:p>
@@ -12747,7 +13195,7 @@
   <p:cSld>
     <p:spTree>
       <p:nvGrpSpPr>
-        <p:cNvPr id="1" name="Shape 194"/>
+        <p:cNvPr id="1" name="Shape 170"/>
         <p:cNvGrpSpPr/>
         <p:nvPr/>
       </p:nvGrpSpPr>
@@ -12759,42 +13207,106 @@
           <a:chExt cx="0" cy="0"/>
         </a:xfrm>
       </p:grpSpPr>
-      <p:pic>
-        <p:nvPicPr>
-          <p:cNvPr id="5" name="Picture 4" descr="A table with numbers and text&#10;&#10;Description automatically generated">
+      <p:sp>
+        <p:nvSpPr>
+          <p:cNvPr id="171" name="Google Shape;171;p30"/>
+          <p:cNvSpPr txBox="1">
+            <a:spLocks noGrp="1"/>
+          </p:cNvSpPr>
+          <p:nvPr>
+            <p:ph type="title"/>
+          </p:nvPr>
+        </p:nvSpPr>
+        <p:spPr>
+          <a:xfrm>
+            <a:off x="719999" y="621355"/>
+            <a:ext cx="5774805" cy="600694"/>
+          </a:xfrm>
+          <a:prstGeom prst="rect">
+            <a:avLst/>
+          </a:prstGeom>
+        </p:spPr>
+        <p:txBody>
+          <a:bodyPr spcFirstLastPara="1" wrap="square" lIns="91425" tIns="0" rIns="91425" bIns="91425" anchor="t" anchorCtr="0">
+            <a:noAutofit/>
+          </a:bodyPr>
+          <a:lstStyle/>
+          <a:p>
+            <a:pPr marL="0" lvl="0" indent="0" algn="l" rtl="0">
+              <a:spcBef>
+                <a:spcPts val="0"/>
+              </a:spcBef>
+              <a:spcAft>
+                <a:spcPts val="0"/>
+              </a:spcAft>
+              <a:buNone/>
+            </a:pPr>
+            <a:r>
+              <a:rPr lang="en-US" dirty="0"/>
+              <a:t>Approaches and Challenges  </a:t>
+            </a:r>
+          </a:p>
+        </p:txBody>
+      </p:sp>
+      <p:sp>
+        <p:nvSpPr>
+          <p:cNvPr id="172" name="Google Shape;172;p30"/>
+          <p:cNvSpPr txBox="1">
+            <a:spLocks noGrp="1"/>
+          </p:cNvSpPr>
+          <p:nvPr>
+            <p:ph type="subTitle" idx="1"/>
+          </p:nvPr>
+        </p:nvSpPr>
+        <p:spPr>
+          <a:xfrm>
+            <a:off x="640935" y="1410055"/>
+            <a:ext cx="7657032" cy="3493361"/>
+          </a:xfrm>
+          <a:prstGeom prst="rect">
+            <a:avLst/>
+          </a:prstGeom>
+        </p:spPr>
+        <p:txBody>
+          <a:bodyPr spcFirstLastPara="1" wrap="square" lIns="91425" tIns="91425" rIns="91425" bIns="91425" anchor="t" anchorCtr="0">
+            <a:noAutofit/>
+          </a:bodyPr>
+          <a:lstStyle/>
+          <a:p>
+            <a:pPr marL="139700" indent="0" algn="l">
+              <a:buNone/>
+            </a:pPr>
+            <a:r>
+              <a:rPr lang="en-US" sz="1800" b="0" i="0" dirty="0">
+                <a:solidFill>
+                  <a:srgbClr val="0D0D0D"/>
+                </a:solidFill>
+                <a:effectLst/>
+                <a:latin typeface="Alumni Sans" panose="020B0604020202020204" charset="0"/>
+              </a:rPr>
+              <a:t>1. Classification of numbers from 0 to 9 in a sequence based on Sparse Distributed Representations (SDRs)</a:t>
+            </a:r>
+          </a:p>
+          <a:p>
+            <a:pPr marL="139700" indent="0" algn="l">
+              <a:buNone/>
+            </a:pPr>
+            <a:endParaRPr lang="en-US" b="0" i="0" dirty="0">
+              <a:solidFill>
+                <a:srgbClr val="0D0D0D"/>
+              </a:solidFill>
+              <a:effectLst/>
+              <a:latin typeface="Söhne"/>
+            </a:endParaRPr>
+          </a:p>
+        </p:txBody>
+      </p:sp>
+      <p:sp>
+        <p:nvSpPr>
+          <p:cNvPr id="3" name="TextBox 2">
             <a:extLst>
               <a:ext uri="{FF2B5EF4-FFF2-40B4-BE49-F238E27FC236}">
-                <a16:creationId xmlns:a16="http://schemas.microsoft.com/office/drawing/2014/main" id="{2FB0C70A-D691-5D84-7B45-363C277E98EB}"/>
-              </a:ext>
-            </a:extLst>
-          </p:cNvPr>
-          <p:cNvPicPr>
-            <a:picLocks noChangeAspect="1"/>
-          </p:cNvPicPr>
-          <p:nvPr/>
-        </p:nvPicPr>
-        <p:blipFill>
-          <a:blip r:embed="rId3"/>
-          <a:stretch>
-            <a:fillRect/>
-          </a:stretch>
-        </p:blipFill>
-        <p:spPr>
-          <a:xfrm>
-            <a:off x="1550194" y="1789102"/>
-            <a:ext cx="6043612" cy="2640023"/>
-          </a:xfrm>
-          <a:prstGeom prst="rect">
-            <a:avLst/>
-          </a:prstGeom>
-        </p:spPr>
-      </p:pic>
-      <p:sp>
-        <p:nvSpPr>
-          <p:cNvPr id="13" name="TextBox 12">
-            <a:extLst>
-              <a:ext uri="{FF2B5EF4-FFF2-40B4-BE49-F238E27FC236}">
-                <a16:creationId xmlns:a16="http://schemas.microsoft.com/office/drawing/2014/main" id="{2B171BB4-0DAA-A84E-18A0-3B07CCCA3A8E}"/>
+                <a16:creationId xmlns:a16="http://schemas.microsoft.com/office/drawing/2014/main" id="{00080F7F-FF58-6424-C2C1-459F21BDD0C4}"/>
               </a:ext>
             </a:extLst>
           </p:cNvPr>
@@ -12803,8 +13315,8 @@
         </p:nvSpPr>
         <p:spPr>
           <a:xfrm>
-            <a:off x="1095375" y="893862"/>
-            <a:ext cx="4572000" cy="738664"/>
+            <a:off x="1333143" y="2136449"/>
+            <a:ext cx="7810857" cy="2246769"/>
           </a:xfrm>
           <a:prstGeom prst="rect">
             <a:avLst/>
@@ -12817,16 +13329,425 @@
           </a:bodyPr>
           <a:lstStyle/>
           <a:p>
-            <a:r>
-              <a:rPr lang="en-US" sz="4200" dirty="0">
-                <a:latin typeface="Alumni Sans" panose="020B0604020202020204" charset="0"/>
+            <a:pPr marL="914400" marR="0" algn="l">
+              <a:spcBef>
+                <a:spcPts val="0"/>
+              </a:spcBef>
+              <a:spcAft>
+                <a:spcPts val="0"/>
+              </a:spcAft>
+            </a:pPr>
+            <a:r>
+              <a:rPr lang="en-US" sz="1000" dirty="0">
+                <a:solidFill>
+                  <a:srgbClr val="000000"/>
+                </a:solidFill>
+                <a:effectLst/>
+                <a:latin typeface="Cascadia Mono" panose="020B0609020000020004" pitchFamily="49" charset="0"/>
+                <a:ea typeface="Aptos" panose="020B0004020202020204" pitchFamily="34" charset="0"/>
+                <a:cs typeface="Cascadia Mono" panose="020B0609020000020004" pitchFamily="49" charset="0"/>
               </a:rPr>
-              <a:t>Value of K chosen as 3 </a:t>
-            </a:r>
+              <a:t>Classified data = [   </a:t>
+            </a:r>
+          </a:p>
+          <a:p>
+            <a:pPr marL="914400" marR="0" algn="l">
+              <a:spcBef>
+                <a:spcPts val="0"/>
+              </a:spcBef>
+              <a:spcAft>
+                <a:spcPts val="0"/>
+              </a:spcAft>
+            </a:pPr>
+            <a:r>
+              <a:rPr lang="en-US" sz="1000" dirty="0">
+                <a:latin typeface="Cascadia Mono" panose="020B0609020000020004" pitchFamily="49" charset="0"/>
+                <a:ea typeface="Aptos" panose="020B0004020202020204" pitchFamily="34" charset="0"/>
+                <a:cs typeface="Cascadia Mono" panose="020B0609020000020004" pitchFamily="49" charset="0"/>
+              </a:rPr>
+              <a:t>    </a:t>
+            </a:r>
+            <a:r>
+              <a:rPr lang="en-US" sz="1000" dirty="0">
+                <a:solidFill>
+                  <a:srgbClr val="000000"/>
+                </a:solidFill>
+                <a:effectLst/>
+                <a:latin typeface="Cascadia Mono" panose="020B0609020000020004" pitchFamily="49" charset="0"/>
+                <a:ea typeface="Aptos" panose="020B0004020202020204" pitchFamily="34" charset="0"/>
+                <a:cs typeface="Cascadia Mono" panose="020B0609020000020004" pitchFamily="49" charset="0"/>
+              </a:rPr>
+              <a:t>{ 7, 18, 24, 29,……, 1012, 0 };</a:t>
+            </a:r>
+            <a:endParaRPr lang="en-US" sz="1000" dirty="0">
+              <a:effectLst/>
+              <a:latin typeface="Cascadia Mono" panose="020B0609020000020004" pitchFamily="49" charset="0"/>
+              <a:ea typeface="SimSun" panose="02010600030101010101" pitchFamily="2" charset="-122"/>
+              <a:cs typeface="Cascadia Mono" panose="020B0609020000020004" pitchFamily="49" charset="0"/>
+            </a:endParaRPr>
+          </a:p>
+          <a:p>
+            <a:pPr marL="914400" marR="0" algn="l">
+              <a:spcBef>
+                <a:spcPts val="0"/>
+              </a:spcBef>
+              <a:spcAft>
+                <a:spcPts val="0"/>
+              </a:spcAft>
+            </a:pPr>
+            <a:r>
+              <a:rPr lang="en-US" sz="1000" dirty="0">
+                <a:solidFill>
+                  <a:srgbClr val="000000"/>
+                </a:solidFill>
+                <a:effectLst/>
+                <a:latin typeface="Cascadia Mono" panose="020B0609020000020004" pitchFamily="49" charset="0"/>
+                <a:ea typeface="Aptos" panose="020B0004020202020204" pitchFamily="34" charset="0"/>
+                <a:cs typeface="Cascadia Mono" panose="020B0609020000020004" pitchFamily="49" charset="0"/>
+              </a:rPr>
+              <a:t>    { 25, 31, 44, 48,…… ,188, 1 };</a:t>
+            </a:r>
+            <a:endParaRPr lang="en-US" sz="1000" dirty="0">
+              <a:effectLst/>
+              <a:latin typeface="Cascadia Mono" panose="020B0609020000020004" pitchFamily="49" charset="0"/>
+              <a:ea typeface="SimSun" panose="02010600030101010101" pitchFamily="2" charset="-122"/>
+              <a:cs typeface="Cascadia Mono" panose="020B0609020000020004" pitchFamily="49" charset="0"/>
+            </a:endParaRPr>
+          </a:p>
+          <a:p>
+            <a:pPr marL="914400" marR="0" algn="l">
+              <a:spcBef>
+                <a:spcPts val="0"/>
+              </a:spcBef>
+              <a:spcAft>
+                <a:spcPts val="0"/>
+              </a:spcAft>
+            </a:pPr>
+            <a:r>
+              <a:rPr lang="en-US" sz="1000" dirty="0">
+                <a:solidFill>
+                  <a:srgbClr val="000000"/>
+                </a:solidFill>
+                <a:effectLst/>
+                <a:latin typeface="Cascadia Mono" panose="020B0609020000020004" pitchFamily="49" charset="0"/>
+                <a:ea typeface="Aptos" panose="020B0004020202020204" pitchFamily="34" charset="0"/>
+                <a:cs typeface="Cascadia Mono" panose="020B0609020000020004" pitchFamily="49" charset="0"/>
+              </a:rPr>
+              <a:t>    { 118, 123, 127, 156,………, 340, 2 };</a:t>
+            </a:r>
+            <a:endParaRPr lang="en-US" sz="1000" dirty="0">
+              <a:effectLst/>
+              <a:latin typeface="Cascadia Mono" panose="020B0609020000020004" pitchFamily="49" charset="0"/>
+              <a:ea typeface="SimSun" panose="02010600030101010101" pitchFamily="2" charset="-122"/>
+              <a:cs typeface="Cascadia Mono" panose="020B0609020000020004" pitchFamily="49" charset="0"/>
+            </a:endParaRPr>
+          </a:p>
+          <a:p>
+            <a:pPr marL="914400" marR="0" algn="l">
+              <a:spcBef>
+                <a:spcPts val="0"/>
+              </a:spcBef>
+              <a:spcAft>
+                <a:spcPts val="0"/>
+              </a:spcAft>
+            </a:pPr>
+            <a:r>
+              <a:rPr lang="en-US" sz="1000" dirty="0">
+                <a:solidFill>
+                  <a:srgbClr val="000000"/>
+                </a:solidFill>
+                <a:effectLst/>
+                <a:latin typeface="Cascadia Mono" panose="020B0609020000020004" pitchFamily="49" charset="0"/>
+                <a:ea typeface="Aptos" panose="020B0004020202020204" pitchFamily="34" charset="0"/>
+                <a:cs typeface="Cascadia Mono" panose="020B0609020000020004" pitchFamily="49" charset="0"/>
+              </a:rPr>
+              <a:t>    { 240, 242, 257, 266,………., 444, 3 };</a:t>
+            </a:r>
+            <a:endParaRPr lang="en-US" sz="1000" dirty="0">
+              <a:effectLst/>
+              <a:latin typeface="Cascadia Mono" panose="020B0609020000020004" pitchFamily="49" charset="0"/>
+              <a:ea typeface="SimSun" panose="02010600030101010101" pitchFamily="2" charset="-122"/>
+              <a:cs typeface="Cascadia Mono" panose="020B0609020000020004" pitchFamily="49" charset="0"/>
+            </a:endParaRPr>
+          </a:p>
+          <a:p>
+            <a:pPr marL="914400" marR="0" algn="l">
+              <a:spcBef>
+                <a:spcPts val="0"/>
+              </a:spcBef>
+              <a:spcAft>
+                <a:spcPts val="0"/>
+              </a:spcAft>
+            </a:pPr>
+            <a:r>
+              <a:rPr lang="en-US" sz="1000" dirty="0">
+                <a:solidFill>
+                  <a:srgbClr val="000000"/>
+                </a:solidFill>
+                <a:effectLst/>
+                <a:latin typeface="Cascadia Mono" panose="020B0609020000020004" pitchFamily="49" charset="0"/>
+                <a:ea typeface="Aptos" panose="020B0004020202020204" pitchFamily="34" charset="0"/>
+                <a:cs typeface="Cascadia Mono" panose="020B0609020000020004" pitchFamily="49" charset="0"/>
+              </a:rPr>
+              <a:t>    { 302, 314, 324, 327,……., 518, 4 };</a:t>
+            </a:r>
+            <a:endParaRPr lang="en-US" sz="1000" dirty="0">
+              <a:effectLst/>
+              <a:latin typeface="Cascadia Mono" panose="020B0609020000020004" pitchFamily="49" charset="0"/>
+              <a:ea typeface="SimSun" panose="02010600030101010101" pitchFamily="2" charset="-122"/>
+              <a:cs typeface="Cascadia Mono" panose="020B0609020000020004" pitchFamily="49" charset="0"/>
+            </a:endParaRPr>
+          </a:p>
+          <a:p>
+            <a:pPr marL="914400" marR="0" algn="l">
+              <a:spcBef>
+                <a:spcPts val="0"/>
+              </a:spcBef>
+              <a:spcAft>
+                <a:spcPts val="0"/>
+              </a:spcAft>
+            </a:pPr>
+            <a:r>
+              <a:rPr lang="en-US" sz="1000" dirty="0">
+                <a:solidFill>
+                  <a:srgbClr val="000000"/>
+                </a:solidFill>
+                <a:effectLst/>
+                <a:latin typeface="Cascadia Mono" panose="020B0609020000020004" pitchFamily="49" charset="0"/>
+                <a:ea typeface="Aptos" panose="020B0004020202020204" pitchFamily="34" charset="0"/>
+                <a:cs typeface="Cascadia Mono" panose="020B0609020000020004" pitchFamily="49" charset="0"/>
+              </a:rPr>
+              <a:t>    { 393, 405, 428, 429,…….., 624, 5 };</a:t>
+            </a:r>
+            <a:endParaRPr lang="en-US" sz="1000" dirty="0">
+              <a:effectLst/>
+              <a:latin typeface="Cascadia Mono" panose="020B0609020000020004" pitchFamily="49" charset="0"/>
+              <a:ea typeface="SimSun" panose="02010600030101010101" pitchFamily="2" charset="-122"/>
+              <a:cs typeface="Cascadia Mono" panose="020B0609020000020004" pitchFamily="49" charset="0"/>
+            </a:endParaRPr>
+          </a:p>
+          <a:p>
+            <a:pPr marL="914400" marR="0" algn="l">
+              <a:spcBef>
+                <a:spcPts val="0"/>
+              </a:spcBef>
+              <a:spcAft>
+                <a:spcPts val="0"/>
+              </a:spcAft>
+            </a:pPr>
+            <a:r>
+              <a:rPr lang="en-US" sz="1000" dirty="0">
+                <a:solidFill>
+                  <a:srgbClr val="000000"/>
+                </a:solidFill>
+                <a:effectLst/>
+                <a:latin typeface="Cascadia Mono" panose="020B0609020000020004" pitchFamily="49" charset="0"/>
+                <a:ea typeface="Aptos" panose="020B0004020202020204" pitchFamily="34" charset="0"/>
+                <a:cs typeface="Cascadia Mono" panose="020B0609020000020004" pitchFamily="49" charset="0"/>
+              </a:rPr>
+              <a:t>    { 483, 487, 500, 509,………, 726, 6 };</a:t>
+            </a:r>
+            <a:endParaRPr lang="en-US" sz="1000" dirty="0">
+              <a:effectLst/>
+              <a:latin typeface="Cascadia Mono" panose="020B0609020000020004" pitchFamily="49" charset="0"/>
+              <a:ea typeface="SimSun" panose="02010600030101010101" pitchFamily="2" charset="-122"/>
+              <a:cs typeface="Cascadia Mono" panose="020B0609020000020004" pitchFamily="49" charset="0"/>
+            </a:endParaRPr>
+          </a:p>
+          <a:p>
+            <a:pPr marL="914400" marR="0" algn="l">
+              <a:spcBef>
+                <a:spcPts val="0"/>
+              </a:spcBef>
+              <a:spcAft>
+                <a:spcPts val="0"/>
+              </a:spcAft>
+            </a:pPr>
+            <a:r>
+              <a:rPr lang="en-US" sz="1000" dirty="0">
+                <a:solidFill>
+                  <a:srgbClr val="000000"/>
+                </a:solidFill>
+                <a:effectLst/>
+                <a:latin typeface="Cascadia Mono" panose="020B0609020000020004" pitchFamily="49" charset="0"/>
+                <a:ea typeface="Aptos" panose="020B0004020202020204" pitchFamily="34" charset="0"/>
+                <a:cs typeface="Cascadia Mono" panose="020B0609020000020004" pitchFamily="49" charset="0"/>
+              </a:rPr>
+              <a:t>    { 579, 587, 595, 607,…………, 814, 7 };</a:t>
+            </a:r>
+            <a:endParaRPr lang="en-US" sz="1000" dirty="0">
+              <a:effectLst/>
+              <a:latin typeface="Cascadia Mono" panose="020B0609020000020004" pitchFamily="49" charset="0"/>
+              <a:ea typeface="SimSun" panose="02010600030101010101" pitchFamily="2" charset="-122"/>
+              <a:cs typeface="Cascadia Mono" panose="020B0609020000020004" pitchFamily="49" charset="0"/>
+            </a:endParaRPr>
+          </a:p>
+          <a:p>
+            <a:pPr marL="914400" marR="0" algn="l">
+              <a:spcBef>
+                <a:spcPts val="0"/>
+              </a:spcBef>
+              <a:spcAft>
+                <a:spcPts val="0"/>
+              </a:spcAft>
+            </a:pPr>
+            <a:r>
+              <a:rPr lang="en-US" sz="1000" dirty="0">
+                <a:solidFill>
+                  <a:srgbClr val="000000"/>
+                </a:solidFill>
+                <a:effectLst/>
+                <a:latin typeface="Cascadia Mono" panose="020B0609020000020004" pitchFamily="49" charset="0"/>
+                <a:ea typeface="Aptos" panose="020B0004020202020204" pitchFamily="34" charset="0"/>
+                <a:cs typeface="Cascadia Mono" panose="020B0609020000020004" pitchFamily="49" charset="0"/>
+              </a:rPr>
+              <a:t>    { 676, 691, 700, 707,……… ,  916, 8 };</a:t>
+            </a:r>
+            <a:endParaRPr lang="en-US" sz="1000" dirty="0">
+              <a:effectLst/>
+              <a:latin typeface="Cascadia Mono" panose="020B0609020000020004" pitchFamily="49" charset="0"/>
+              <a:ea typeface="SimSun" panose="02010600030101010101" pitchFamily="2" charset="-122"/>
+              <a:cs typeface="Cascadia Mono" panose="020B0609020000020004" pitchFamily="49" charset="0"/>
+            </a:endParaRPr>
+          </a:p>
+          <a:p>
+            <a:pPr marL="914400" marR="0" algn="just">
+              <a:spcBef>
+                <a:spcPts val="0"/>
+              </a:spcBef>
+              <a:spcAft>
+                <a:spcPts val="0"/>
+              </a:spcAft>
+            </a:pPr>
+            <a:r>
+              <a:rPr lang="en-US" sz="1000" dirty="0">
+                <a:solidFill>
+                  <a:srgbClr val="000000"/>
+                </a:solidFill>
+                <a:effectLst/>
+                <a:latin typeface="Cascadia Mono" panose="020B0609020000020004" pitchFamily="49" charset="0"/>
+                <a:ea typeface="Aptos" panose="020B0004020202020204" pitchFamily="34" charset="0"/>
+                <a:cs typeface="Cascadia Mono" panose="020B0609020000020004" pitchFamily="49" charset="0"/>
+              </a:rPr>
+              <a:t>    { 772, 779, 780, 800,…………., 1007, 9 };</a:t>
+            </a:r>
+            <a:endParaRPr lang="en-US" sz="1000" dirty="0">
+              <a:effectLst/>
+              <a:latin typeface="Cascadia Mono" panose="020B0609020000020004" pitchFamily="49" charset="0"/>
+              <a:ea typeface="SimSun" panose="02010600030101010101" pitchFamily="2" charset="-122"/>
+              <a:cs typeface="Cascadia Mono" panose="020B0609020000020004" pitchFamily="49" charset="0"/>
+            </a:endParaRPr>
+          </a:p>
+          <a:p>
+            <a:pPr marL="914400" marR="0" algn="just">
+              <a:spcBef>
+                <a:spcPts val="0"/>
+              </a:spcBef>
+              <a:spcAft>
+                <a:spcPts val="0"/>
+              </a:spcAft>
+            </a:pPr>
+            <a:r>
+              <a:rPr lang="en-US" sz="1000" dirty="0">
+                <a:solidFill>
+                  <a:srgbClr val="000000"/>
+                </a:solidFill>
+                <a:effectLst/>
+                <a:latin typeface="Cascadia Mono" panose="020B0609020000020004" pitchFamily="49" charset="0"/>
+                <a:ea typeface="Aptos" panose="020B0004020202020204" pitchFamily="34" charset="0"/>
+                <a:cs typeface="Cascadia Mono" panose="020B0609020000020004" pitchFamily="49" charset="0"/>
+              </a:rPr>
+              <a:t> ]</a:t>
+            </a:r>
+            <a:endParaRPr lang="en-US" sz="1000" dirty="0">
+              <a:effectLst/>
+              <a:latin typeface="Cascadia Mono" panose="020B0609020000020004" pitchFamily="49" charset="0"/>
+              <a:ea typeface="SimSun" panose="02010600030101010101" pitchFamily="2" charset="-122"/>
+              <a:cs typeface="Cascadia Mono" panose="020B0609020000020004" pitchFamily="49" charset="0"/>
+            </a:endParaRPr>
+          </a:p>
+          <a:p>
+            <a:pPr marL="0" marR="0" algn="just">
+              <a:spcBef>
+                <a:spcPts val="0"/>
+              </a:spcBef>
+              <a:spcAft>
+                <a:spcPts val="0"/>
+              </a:spcAft>
+            </a:pPr>
+            <a:r>
+              <a:rPr lang="en-US" sz="1000" dirty="0">
+                <a:solidFill>
+                  <a:srgbClr val="000000"/>
+                </a:solidFill>
+                <a:effectLst/>
+                <a:latin typeface="Cascadia Mono" panose="020B0609020000020004" pitchFamily="49" charset="0"/>
+                <a:ea typeface="Aptos" panose="020B0004020202020204" pitchFamily="34" charset="0"/>
+                <a:cs typeface="Cascadia Mono" panose="020B0609020000020004" pitchFamily="49" charset="0"/>
+              </a:rPr>
+              <a:t> </a:t>
+            </a:r>
+            <a:endParaRPr lang="en-US" sz="1000" dirty="0">
+              <a:effectLst/>
+              <a:latin typeface="Cascadia Mono" panose="020B0609020000020004" pitchFamily="49" charset="0"/>
+              <a:ea typeface="SimSun" panose="02010600030101010101" pitchFamily="2" charset="-122"/>
+              <a:cs typeface="Cascadia Mono" panose="020B0609020000020004" pitchFamily="49" charset="0"/>
+            </a:endParaRPr>
+          </a:p>
+          <a:p>
+            <a:pPr marL="914400" marR="0" algn="just">
+              <a:spcBef>
+                <a:spcPts val="0"/>
+              </a:spcBef>
+              <a:spcAft>
+                <a:spcPts val="0"/>
+              </a:spcAft>
+            </a:pPr>
+            <a:r>
+              <a:rPr lang="en-US" sz="1000" dirty="0">
+                <a:solidFill>
+                  <a:srgbClr val="000000"/>
+                </a:solidFill>
+                <a:effectLst/>
+                <a:latin typeface="Cascadia Mono" panose="020B0609020000020004" pitchFamily="49" charset="0"/>
+                <a:ea typeface="Aptos" panose="020B0004020202020204" pitchFamily="34" charset="0"/>
+                <a:cs typeface="Cascadia Mono" panose="020B0609020000020004" pitchFamily="49" charset="0"/>
+              </a:rPr>
+              <a:t>Unclassified </a:t>
+            </a:r>
+            <a:r>
+              <a:rPr lang="en-US" sz="1000" dirty="0">
+                <a:latin typeface="Cascadia Mono" panose="020B0609020000020004" pitchFamily="49" charset="0"/>
+                <a:ea typeface="Aptos" panose="020B0004020202020204" pitchFamily="34" charset="0"/>
+                <a:cs typeface="Cascadia Mono" panose="020B0609020000020004" pitchFamily="49" charset="0"/>
+              </a:rPr>
+              <a:t>data </a:t>
+            </a:r>
+            <a:r>
+              <a:rPr lang="en-US" sz="1000" dirty="0">
+                <a:solidFill>
+                  <a:srgbClr val="000000"/>
+                </a:solidFill>
+                <a:effectLst/>
+                <a:latin typeface="Cascadia Mono" panose="020B0609020000020004" pitchFamily="49" charset="0"/>
+                <a:ea typeface="Aptos" panose="020B0004020202020204" pitchFamily="34" charset="0"/>
+                <a:cs typeface="Cascadia Mono" panose="020B0609020000020004" pitchFamily="49" charset="0"/>
+              </a:rPr>
+              <a:t>= {461, 495, 515, 501,…, 712 }</a:t>
+            </a:r>
+            <a:endParaRPr lang="en-US" sz="1000" dirty="0">
+              <a:latin typeface="Cascadia Mono" panose="020B0609020000020004" pitchFamily="49" charset="0"/>
+              <a:cs typeface="Cascadia Mono" panose="020B0609020000020004" pitchFamily="49" charset="0"/>
+            </a:endParaRPr>
           </a:p>
         </p:txBody>
       </p:sp>
     </p:spTree>
+    <p:extLst>
+      <p:ext uri="{BB962C8B-B14F-4D97-AF65-F5344CB8AC3E}">
+        <p14:creationId xmlns:p14="http://schemas.microsoft.com/office/powerpoint/2010/main" val="2218351754"/>
+      </p:ext>
+    </p:extLst>
   </p:cSld>
   <p:clrMapOvr>
     <a:masterClrMapping/>
@@ -12835,6 +13756,712 @@
 </file>
 
 <file path=ppt/slides/slide17.xml><?xml version="1.0" encoding="utf-8"?>
+<p:sld xmlns:a="http://schemas.openxmlformats.org/drawingml/2006/main" xmlns:r="http://schemas.openxmlformats.org/officeDocument/2006/relationships" xmlns:p="http://schemas.openxmlformats.org/presentationml/2006/main">
+  <p:cSld>
+    <p:spTree>
+      <p:nvGrpSpPr>
+        <p:cNvPr id="1" name="Shape 170"/>
+        <p:cNvGrpSpPr/>
+        <p:nvPr/>
+      </p:nvGrpSpPr>
+      <p:grpSpPr>
+        <a:xfrm>
+          <a:off x="0" y="0"/>
+          <a:ext cx="0" cy="0"/>
+          <a:chOff x="0" y="0"/>
+          <a:chExt cx="0" cy="0"/>
+        </a:xfrm>
+      </p:grpSpPr>
+      <p:sp>
+        <p:nvSpPr>
+          <p:cNvPr id="171" name="Google Shape;171;p30"/>
+          <p:cNvSpPr txBox="1">
+            <a:spLocks noGrp="1"/>
+          </p:cNvSpPr>
+          <p:nvPr>
+            <p:ph type="title"/>
+          </p:nvPr>
+        </p:nvSpPr>
+        <p:spPr>
+          <a:xfrm>
+            <a:off x="719999" y="621355"/>
+            <a:ext cx="5774805" cy="600694"/>
+          </a:xfrm>
+          <a:prstGeom prst="rect">
+            <a:avLst/>
+          </a:prstGeom>
+        </p:spPr>
+        <p:txBody>
+          <a:bodyPr spcFirstLastPara="1" wrap="square" lIns="91425" tIns="0" rIns="91425" bIns="91425" anchor="t" anchorCtr="0">
+            <a:noAutofit/>
+          </a:bodyPr>
+          <a:lstStyle/>
+          <a:p>
+            <a:pPr marL="0" lvl="0" indent="0" algn="l" rtl="0">
+              <a:spcBef>
+                <a:spcPts val="0"/>
+              </a:spcBef>
+              <a:spcAft>
+                <a:spcPts val="0"/>
+              </a:spcAft>
+              <a:buNone/>
+            </a:pPr>
+            <a:r>
+              <a:rPr lang="en-US" dirty="0"/>
+              <a:t>Approaches and Challenges  </a:t>
+            </a:r>
+          </a:p>
+        </p:txBody>
+      </p:sp>
+      <p:sp>
+        <p:nvSpPr>
+          <p:cNvPr id="172" name="Google Shape;172;p30"/>
+          <p:cNvSpPr txBox="1">
+            <a:spLocks noGrp="1"/>
+          </p:cNvSpPr>
+          <p:nvPr>
+            <p:ph type="subTitle" idx="1"/>
+          </p:nvPr>
+        </p:nvSpPr>
+        <p:spPr>
+          <a:xfrm>
+            <a:off x="811850" y="1392964"/>
+            <a:ext cx="7657032" cy="3493361"/>
+          </a:xfrm>
+          <a:prstGeom prst="rect">
+            <a:avLst/>
+          </a:prstGeom>
+        </p:spPr>
+        <p:txBody>
+          <a:bodyPr spcFirstLastPara="1" wrap="square" lIns="91425" tIns="91425" rIns="91425" bIns="91425" anchor="t" anchorCtr="0">
+            <a:noAutofit/>
+          </a:bodyPr>
+          <a:lstStyle/>
+          <a:p>
+            <a:pPr marL="0" marR="0" lvl="0" indent="0" algn="just">
+              <a:spcBef>
+                <a:spcPts val="0"/>
+              </a:spcBef>
+              <a:spcAft>
+                <a:spcPts val="0"/>
+              </a:spcAft>
+              <a:buNone/>
+            </a:pPr>
+            <a:r>
+              <a:rPr lang="en-US" sz="1800" dirty="0">
+                <a:solidFill>
+                  <a:srgbClr val="0D0D0D"/>
+                </a:solidFill>
+                <a:effectLst/>
+                <a:latin typeface="Alumni Sans" panose="020B0604020202020204" charset="0"/>
+                <a:ea typeface="SimSun" panose="02010600030101010101" pitchFamily="2" charset="-122"/>
+              </a:rPr>
+              <a:t>2. Classification of different </a:t>
+            </a:r>
+            <a:r>
+              <a:rPr lang="en-US" sz="1800" dirty="0">
+                <a:effectLst/>
+                <a:latin typeface="Alumni Sans" panose="020B0604020202020204" charset="0"/>
+                <a:ea typeface="SimSun" panose="02010600030101010101" pitchFamily="2" charset="-122"/>
+              </a:rPr>
+              <a:t>Sets of Numbers sequences </a:t>
+            </a:r>
+            <a:r>
+              <a:rPr lang="en-US" sz="1800" dirty="0">
+                <a:solidFill>
+                  <a:srgbClr val="0D0D0D"/>
+                </a:solidFill>
+                <a:effectLst/>
+                <a:latin typeface="Alumni Sans" panose="020B0604020202020204" charset="0"/>
+                <a:ea typeface="SimSun" panose="02010600030101010101" pitchFamily="2" charset="-122"/>
+              </a:rPr>
+              <a:t>based on Sparse Distributed Representations (SDRs)</a:t>
+            </a:r>
+            <a:endParaRPr lang="en-US" sz="1800" dirty="0">
+              <a:effectLst/>
+              <a:latin typeface="Alumni Sans" panose="020B0604020202020204" charset="0"/>
+              <a:ea typeface="SimSun" panose="02010600030101010101" pitchFamily="2" charset="-122"/>
+            </a:endParaRPr>
+          </a:p>
+          <a:p>
+            <a:pPr marL="139700" indent="0" algn="l">
+              <a:buNone/>
+            </a:pPr>
+            <a:endParaRPr lang="en-US" b="0" i="0" dirty="0">
+              <a:solidFill>
+                <a:srgbClr val="0D0D0D"/>
+              </a:solidFill>
+              <a:effectLst/>
+              <a:latin typeface="Söhne"/>
+            </a:endParaRPr>
+          </a:p>
+        </p:txBody>
+      </p:sp>
+      <p:sp>
+        <p:nvSpPr>
+          <p:cNvPr id="3" name="TextBox 2">
+            <a:extLst>
+              <a:ext uri="{FF2B5EF4-FFF2-40B4-BE49-F238E27FC236}">
+                <a16:creationId xmlns:a16="http://schemas.microsoft.com/office/drawing/2014/main" id="{00080F7F-FF58-6424-C2C1-459F21BDD0C4}"/>
+              </a:ext>
+            </a:extLst>
+          </p:cNvPr>
+          <p:cNvSpPr txBox="1"/>
+          <p:nvPr/>
+        </p:nvSpPr>
+        <p:spPr>
+          <a:xfrm>
+            <a:off x="957130" y="2119357"/>
+            <a:ext cx="7998864" cy="2862322"/>
+          </a:xfrm>
+          <a:prstGeom prst="rect">
+            <a:avLst/>
+          </a:prstGeom>
+          <a:noFill/>
+        </p:spPr>
+        <p:txBody>
+          <a:bodyPr wrap="square">
+            <a:spAutoFit/>
+          </a:bodyPr>
+          <a:lstStyle/>
+          <a:p>
+            <a:pPr marL="457200" marR="0" algn="l">
+              <a:spcBef>
+                <a:spcPts val="0"/>
+              </a:spcBef>
+              <a:spcAft>
+                <a:spcPts val="0"/>
+              </a:spcAft>
+            </a:pPr>
+            <a:r>
+              <a:rPr lang="en-US" sz="1000" dirty="0">
+                <a:solidFill>
+                  <a:srgbClr val="000000"/>
+                </a:solidFill>
+                <a:effectLst/>
+                <a:latin typeface="Cascadia Mono" panose="020B0609020000020004" pitchFamily="49" charset="0"/>
+                <a:ea typeface="Aptos" panose="020B0004020202020204" pitchFamily="34" charset="0"/>
+              </a:rPr>
+              <a:t>[</a:t>
+            </a:r>
+            <a:endParaRPr lang="en-US" sz="1000" dirty="0">
+              <a:effectLst/>
+              <a:latin typeface="Times New Roman" panose="02020603050405020304" pitchFamily="18" charset="0"/>
+              <a:ea typeface="SimSun" panose="02010600030101010101" pitchFamily="2" charset="-122"/>
+            </a:endParaRPr>
+          </a:p>
+          <a:p>
+            <a:pPr marL="457200" marR="0" algn="l">
+              <a:spcBef>
+                <a:spcPts val="0"/>
+              </a:spcBef>
+              <a:spcAft>
+                <a:spcPts val="0"/>
+              </a:spcAft>
+            </a:pPr>
+            <a:r>
+              <a:rPr lang="en-US" sz="1000" dirty="0">
+                <a:solidFill>
+                  <a:srgbClr val="000000"/>
+                </a:solidFill>
+                <a:effectLst/>
+                <a:latin typeface="Cascadia Mono" panose="020B0609020000020004" pitchFamily="49" charset="0"/>
+                <a:ea typeface="Aptos" panose="020B0004020202020204" pitchFamily="34" charset="0"/>
+              </a:rPr>
+              <a:t>  {</a:t>
+            </a:r>
+            <a:endParaRPr lang="en-US" sz="1000" dirty="0">
+              <a:effectLst/>
+              <a:latin typeface="Times New Roman" panose="02020603050405020304" pitchFamily="18" charset="0"/>
+              <a:ea typeface="SimSun" panose="02010600030101010101" pitchFamily="2" charset="-122"/>
+            </a:endParaRPr>
+          </a:p>
+          <a:p>
+            <a:pPr marL="457200" marR="0" algn="l">
+              <a:spcBef>
+                <a:spcPts val="0"/>
+              </a:spcBef>
+              <a:spcAft>
+                <a:spcPts val="0"/>
+              </a:spcAft>
+            </a:pPr>
+            <a:r>
+              <a:rPr lang="en-US" sz="1000" dirty="0">
+                <a:solidFill>
+                  <a:srgbClr val="000000"/>
+                </a:solidFill>
+                <a:effectLst/>
+                <a:latin typeface="Cascadia Mono" panose="020B0609020000020004" pitchFamily="49" charset="0"/>
+                <a:ea typeface="Aptos" panose="020B0004020202020204" pitchFamily="34" charset="0"/>
+              </a:rPr>
+              <a:t>    "</a:t>
+            </a:r>
+            <a:r>
+              <a:rPr lang="en-US" sz="1000" dirty="0" err="1">
+                <a:solidFill>
+                  <a:srgbClr val="000000"/>
+                </a:solidFill>
+                <a:effectLst/>
+                <a:latin typeface="Cascadia Mono" panose="020B0609020000020004" pitchFamily="49" charset="0"/>
+                <a:ea typeface="Aptos" panose="020B0004020202020204" pitchFamily="34" charset="0"/>
+              </a:rPr>
+              <a:t>SequenceName</a:t>
+            </a:r>
+            <a:r>
+              <a:rPr lang="en-US" sz="1000" dirty="0">
+                <a:solidFill>
+                  <a:srgbClr val="000000"/>
+                </a:solidFill>
+                <a:effectLst/>
+                <a:latin typeface="Cascadia Mono" panose="020B0609020000020004" pitchFamily="49" charset="0"/>
+                <a:ea typeface="Aptos" panose="020B0004020202020204" pitchFamily="34" charset="0"/>
+              </a:rPr>
+              <a:t>": "S1",</a:t>
+            </a:r>
+            <a:endParaRPr lang="en-US" sz="1000" dirty="0">
+              <a:effectLst/>
+              <a:latin typeface="Times New Roman" panose="02020603050405020304" pitchFamily="18" charset="0"/>
+              <a:ea typeface="SimSun" panose="02010600030101010101" pitchFamily="2" charset="-122"/>
+            </a:endParaRPr>
+          </a:p>
+          <a:p>
+            <a:pPr marL="457200" marR="0" algn="l">
+              <a:spcBef>
+                <a:spcPts val="0"/>
+              </a:spcBef>
+              <a:spcAft>
+                <a:spcPts val="0"/>
+              </a:spcAft>
+            </a:pPr>
+            <a:r>
+              <a:rPr lang="en-US" sz="1000" dirty="0">
+                <a:solidFill>
+                  <a:srgbClr val="000000"/>
+                </a:solidFill>
+                <a:effectLst/>
+                <a:latin typeface="Cascadia Mono" panose="020B0609020000020004" pitchFamily="49" charset="0"/>
+                <a:ea typeface="Aptos" panose="020B0004020202020204" pitchFamily="34" charset="0"/>
+              </a:rPr>
+              <a:t>    "</a:t>
+            </a:r>
+            <a:r>
+              <a:rPr lang="en-US" sz="1000" dirty="0" err="1">
+                <a:solidFill>
+                  <a:srgbClr val="000000"/>
+                </a:solidFill>
+                <a:effectLst/>
+                <a:latin typeface="Cascadia Mono" panose="020B0609020000020004" pitchFamily="49" charset="0"/>
+                <a:ea typeface="Aptos" panose="020B0004020202020204" pitchFamily="34" charset="0"/>
+              </a:rPr>
+              <a:t>SequenceData</a:t>
+            </a:r>
+            <a:r>
+              <a:rPr lang="en-US" sz="1000" dirty="0">
+                <a:solidFill>
+                  <a:srgbClr val="000000"/>
+                </a:solidFill>
+                <a:effectLst/>
+                <a:latin typeface="Cascadia Mono" panose="020B0609020000020004" pitchFamily="49" charset="0"/>
+                <a:ea typeface="Aptos" panose="020B0004020202020204" pitchFamily="34" charset="0"/>
+              </a:rPr>
+              <a:t>": [8039, 8738, 9334, 9558, 9604, 9697, 9772, 9841, 9851, 9922, 9963, 10023, 10121, 10197, 10373, 10459, 10594, 10629, 10664, 11124]</a:t>
+            </a:r>
+            <a:endParaRPr lang="en-US" sz="1000" dirty="0">
+              <a:effectLst/>
+              <a:latin typeface="Times New Roman" panose="02020603050405020304" pitchFamily="18" charset="0"/>
+              <a:ea typeface="SimSun" panose="02010600030101010101" pitchFamily="2" charset="-122"/>
+            </a:endParaRPr>
+          </a:p>
+          <a:p>
+            <a:pPr marL="457200" marR="0" algn="l">
+              <a:spcBef>
+                <a:spcPts val="0"/>
+              </a:spcBef>
+              <a:spcAft>
+                <a:spcPts val="0"/>
+              </a:spcAft>
+            </a:pPr>
+            <a:r>
+              <a:rPr lang="en-US" sz="1000" dirty="0">
+                <a:solidFill>
+                  <a:srgbClr val="000000"/>
+                </a:solidFill>
+                <a:effectLst/>
+                <a:latin typeface="Cascadia Mono" panose="020B0609020000020004" pitchFamily="49" charset="0"/>
+                <a:ea typeface="Aptos" panose="020B0004020202020204" pitchFamily="34" charset="0"/>
+              </a:rPr>
+              <a:t>  },</a:t>
+            </a:r>
+            <a:endParaRPr lang="en-US" sz="1000" dirty="0">
+              <a:effectLst/>
+              <a:latin typeface="Times New Roman" panose="02020603050405020304" pitchFamily="18" charset="0"/>
+              <a:ea typeface="SimSun" panose="02010600030101010101" pitchFamily="2" charset="-122"/>
+            </a:endParaRPr>
+          </a:p>
+          <a:p>
+            <a:pPr marL="457200" marR="0" algn="l">
+              <a:spcBef>
+                <a:spcPts val="0"/>
+              </a:spcBef>
+              <a:spcAft>
+                <a:spcPts val="0"/>
+              </a:spcAft>
+            </a:pPr>
+            <a:r>
+              <a:rPr lang="en-US" sz="1000" dirty="0">
+                <a:solidFill>
+                  <a:srgbClr val="000000"/>
+                </a:solidFill>
+                <a:effectLst/>
+                <a:latin typeface="Cascadia Mono" panose="020B0609020000020004" pitchFamily="49" charset="0"/>
+                <a:ea typeface="Aptos" panose="020B0004020202020204" pitchFamily="34" charset="0"/>
+              </a:rPr>
+              <a:t>{</a:t>
+            </a:r>
+            <a:endParaRPr lang="en-US" sz="1000" dirty="0">
+              <a:effectLst/>
+              <a:latin typeface="Times New Roman" panose="02020603050405020304" pitchFamily="18" charset="0"/>
+              <a:ea typeface="SimSun" panose="02010600030101010101" pitchFamily="2" charset="-122"/>
+            </a:endParaRPr>
+          </a:p>
+          <a:p>
+            <a:pPr marL="457200" marR="0" algn="l">
+              <a:spcBef>
+                <a:spcPts val="0"/>
+              </a:spcBef>
+              <a:spcAft>
+                <a:spcPts val="0"/>
+              </a:spcAft>
+            </a:pPr>
+            <a:r>
+              <a:rPr lang="en-US" sz="1000" dirty="0">
+                <a:solidFill>
+                  <a:srgbClr val="000000"/>
+                </a:solidFill>
+                <a:effectLst/>
+                <a:latin typeface="Cascadia Mono" panose="020B0609020000020004" pitchFamily="49" charset="0"/>
+                <a:ea typeface="Aptos" panose="020B0004020202020204" pitchFamily="34" charset="0"/>
+              </a:rPr>
+              <a:t>    "</a:t>
+            </a:r>
+            <a:r>
+              <a:rPr lang="en-US" sz="1000" dirty="0" err="1">
+                <a:solidFill>
+                  <a:srgbClr val="000000"/>
+                </a:solidFill>
+                <a:effectLst/>
+                <a:latin typeface="Cascadia Mono" panose="020B0609020000020004" pitchFamily="49" charset="0"/>
+                <a:ea typeface="Aptos" panose="020B0004020202020204" pitchFamily="34" charset="0"/>
+              </a:rPr>
+              <a:t>SequenceName</a:t>
+            </a:r>
+            <a:r>
+              <a:rPr lang="en-US" sz="1000" dirty="0">
+                <a:solidFill>
+                  <a:srgbClr val="000000"/>
+                </a:solidFill>
+                <a:effectLst/>
+                <a:latin typeface="Cascadia Mono" panose="020B0609020000020004" pitchFamily="49" charset="0"/>
+                <a:ea typeface="Aptos" panose="020B0004020202020204" pitchFamily="34" charset="0"/>
+              </a:rPr>
+              <a:t>": "S2",</a:t>
+            </a:r>
+            <a:endParaRPr lang="en-US" sz="1000" dirty="0">
+              <a:effectLst/>
+              <a:latin typeface="Times New Roman" panose="02020603050405020304" pitchFamily="18" charset="0"/>
+              <a:ea typeface="SimSun" panose="02010600030101010101" pitchFamily="2" charset="-122"/>
+            </a:endParaRPr>
+          </a:p>
+          <a:p>
+            <a:pPr marL="457200" marR="0" algn="l">
+              <a:spcBef>
+                <a:spcPts val="0"/>
+              </a:spcBef>
+              <a:spcAft>
+                <a:spcPts val="0"/>
+              </a:spcAft>
+            </a:pPr>
+            <a:r>
+              <a:rPr lang="en-US" sz="1000" dirty="0">
+                <a:solidFill>
+                  <a:srgbClr val="000000"/>
+                </a:solidFill>
+                <a:effectLst/>
+                <a:latin typeface="Cascadia Mono" panose="020B0609020000020004" pitchFamily="49" charset="0"/>
+                <a:ea typeface="Aptos" panose="020B0004020202020204" pitchFamily="34" charset="0"/>
+              </a:rPr>
+              <a:t>    "</a:t>
+            </a:r>
+            <a:r>
+              <a:rPr lang="en-US" sz="1000" dirty="0" err="1">
+                <a:solidFill>
+                  <a:srgbClr val="000000"/>
+                </a:solidFill>
+                <a:effectLst/>
+                <a:latin typeface="Cascadia Mono" panose="020B0609020000020004" pitchFamily="49" charset="0"/>
+                <a:ea typeface="Aptos" panose="020B0004020202020204" pitchFamily="34" charset="0"/>
+              </a:rPr>
+              <a:t>SequenceData</a:t>
+            </a:r>
+            <a:r>
+              <a:rPr lang="en-US" sz="1000" dirty="0">
+                <a:solidFill>
+                  <a:srgbClr val="000000"/>
+                </a:solidFill>
+                <a:effectLst/>
+                <a:latin typeface="Cascadia Mono" panose="020B0609020000020004" pitchFamily="49" charset="0"/>
+                <a:ea typeface="Aptos" panose="020B0004020202020204" pitchFamily="34" charset="0"/>
+              </a:rPr>
+              <a:t>": [9051, 9075, 9133, 9178, 9365, 9448, 9481, 9599, 9635, 9740, 10032, 10224, 10281, 10762, 10778, 10934, 11143, 11306, 11494, 11763]</a:t>
+            </a:r>
+            <a:endParaRPr lang="en-US" sz="1000" dirty="0">
+              <a:effectLst/>
+              <a:latin typeface="Times New Roman" panose="02020603050405020304" pitchFamily="18" charset="0"/>
+              <a:ea typeface="SimSun" panose="02010600030101010101" pitchFamily="2" charset="-122"/>
+            </a:endParaRPr>
+          </a:p>
+          <a:p>
+            <a:pPr marL="457200" marR="0" algn="l">
+              <a:spcBef>
+                <a:spcPts val="0"/>
+              </a:spcBef>
+              <a:spcAft>
+                <a:spcPts val="0"/>
+              </a:spcAft>
+            </a:pPr>
+            <a:r>
+              <a:rPr lang="en-US" sz="1000" dirty="0">
+                <a:solidFill>
+                  <a:srgbClr val="000000"/>
+                </a:solidFill>
+                <a:effectLst/>
+                <a:latin typeface="Cascadia Mono" panose="020B0609020000020004" pitchFamily="49" charset="0"/>
+                <a:ea typeface="Aptos" panose="020B0004020202020204" pitchFamily="34" charset="0"/>
+              </a:rPr>
+              <a:t>  },</a:t>
+            </a:r>
+            <a:endParaRPr lang="en-US" sz="1000" dirty="0">
+              <a:effectLst/>
+              <a:latin typeface="Times New Roman" panose="02020603050405020304" pitchFamily="18" charset="0"/>
+              <a:ea typeface="SimSun" panose="02010600030101010101" pitchFamily="2" charset="-122"/>
+            </a:endParaRPr>
+          </a:p>
+          <a:p>
+            <a:pPr marL="457200" marR="0" algn="l">
+              <a:spcBef>
+                <a:spcPts val="0"/>
+              </a:spcBef>
+              <a:spcAft>
+                <a:spcPts val="0"/>
+              </a:spcAft>
+            </a:pPr>
+            <a:r>
+              <a:rPr lang="en-US" sz="1000" dirty="0">
+                <a:solidFill>
+                  <a:srgbClr val="000000"/>
+                </a:solidFill>
+                <a:effectLst/>
+                <a:latin typeface="Cascadia Mono" panose="020B0609020000020004" pitchFamily="49" charset="0"/>
+                <a:ea typeface="Aptos" panose="020B0004020202020204" pitchFamily="34" charset="0"/>
+              </a:rPr>
+              <a:t>{</a:t>
+            </a:r>
+            <a:endParaRPr lang="en-US" sz="1000" dirty="0">
+              <a:effectLst/>
+              <a:latin typeface="Times New Roman" panose="02020603050405020304" pitchFamily="18" charset="0"/>
+              <a:ea typeface="SimSun" panose="02010600030101010101" pitchFamily="2" charset="-122"/>
+            </a:endParaRPr>
+          </a:p>
+          <a:p>
+            <a:pPr marL="457200" marR="0" algn="l">
+              <a:spcBef>
+                <a:spcPts val="0"/>
+              </a:spcBef>
+              <a:spcAft>
+                <a:spcPts val="0"/>
+              </a:spcAft>
+            </a:pPr>
+            <a:r>
+              <a:rPr lang="en-US" sz="1000" dirty="0">
+                <a:solidFill>
+                  <a:srgbClr val="000000"/>
+                </a:solidFill>
+                <a:effectLst/>
+                <a:latin typeface="Cascadia Mono" panose="020B0609020000020004" pitchFamily="49" charset="0"/>
+                <a:ea typeface="Aptos" panose="020B0004020202020204" pitchFamily="34" charset="0"/>
+              </a:rPr>
+              <a:t>    "</a:t>
+            </a:r>
+            <a:r>
+              <a:rPr lang="en-US" sz="1000" dirty="0" err="1">
+                <a:solidFill>
+                  <a:srgbClr val="000000"/>
+                </a:solidFill>
+                <a:effectLst/>
+                <a:latin typeface="Cascadia Mono" panose="020B0609020000020004" pitchFamily="49" charset="0"/>
+                <a:ea typeface="Aptos" panose="020B0004020202020204" pitchFamily="34" charset="0"/>
+              </a:rPr>
+              <a:t>SequenceName</a:t>
+            </a:r>
+            <a:r>
+              <a:rPr lang="en-US" sz="1000" dirty="0">
+                <a:solidFill>
+                  <a:srgbClr val="000000"/>
+                </a:solidFill>
+                <a:effectLst/>
+                <a:latin typeface="Cascadia Mono" panose="020B0609020000020004" pitchFamily="49" charset="0"/>
+                <a:ea typeface="Aptos" panose="020B0004020202020204" pitchFamily="34" charset="0"/>
+              </a:rPr>
+              <a:t>": "S3",</a:t>
+            </a:r>
+            <a:endParaRPr lang="en-US" sz="1000" dirty="0">
+              <a:effectLst/>
+              <a:latin typeface="Times New Roman" panose="02020603050405020304" pitchFamily="18" charset="0"/>
+              <a:ea typeface="SimSun" panose="02010600030101010101" pitchFamily="2" charset="-122"/>
+            </a:endParaRPr>
+          </a:p>
+          <a:p>
+            <a:pPr marL="457200" marR="0" algn="l">
+              <a:spcBef>
+                <a:spcPts val="0"/>
+              </a:spcBef>
+              <a:spcAft>
+                <a:spcPts val="0"/>
+              </a:spcAft>
+            </a:pPr>
+            <a:r>
+              <a:rPr lang="en-US" sz="1000" dirty="0">
+                <a:solidFill>
+                  <a:srgbClr val="000000"/>
+                </a:solidFill>
+                <a:effectLst/>
+                <a:latin typeface="Cascadia Mono" panose="020B0609020000020004" pitchFamily="49" charset="0"/>
+                <a:ea typeface="Aptos" panose="020B0004020202020204" pitchFamily="34" charset="0"/>
+              </a:rPr>
+              <a:t>    "</a:t>
+            </a:r>
+            <a:r>
+              <a:rPr lang="en-US" sz="1000" dirty="0" err="1">
+                <a:solidFill>
+                  <a:srgbClr val="000000"/>
+                </a:solidFill>
+                <a:effectLst/>
+                <a:latin typeface="Cascadia Mono" panose="020B0609020000020004" pitchFamily="49" charset="0"/>
+                <a:ea typeface="Aptos" panose="020B0004020202020204" pitchFamily="34" charset="0"/>
+              </a:rPr>
+              <a:t>SequenceData</a:t>
+            </a:r>
+            <a:r>
+              <a:rPr lang="en-US" sz="1000" dirty="0">
+                <a:solidFill>
+                  <a:srgbClr val="000000"/>
+                </a:solidFill>
+                <a:effectLst/>
+                <a:latin typeface="Cascadia Mono" panose="020B0609020000020004" pitchFamily="49" charset="0"/>
+                <a:ea typeface="Aptos" panose="020B0004020202020204" pitchFamily="34" charset="0"/>
+              </a:rPr>
+              <a:t>": [10808, 10834, 11053, 11085, 11434, 11471, 11479, 11553, 11597, 11634, 11720, 11743, 11766, 11812, 11872, 11897, 11909, 12094, 12332, 12504]</a:t>
+            </a:r>
+            <a:endParaRPr lang="en-US" sz="1000" dirty="0">
+              <a:effectLst/>
+              <a:latin typeface="Times New Roman" panose="02020603050405020304" pitchFamily="18" charset="0"/>
+              <a:ea typeface="SimSun" panose="02010600030101010101" pitchFamily="2" charset="-122"/>
+            </a:endParaRPr>
+          </a:p>
+          <a:p>
+            <a:pPr marL="457200" marR="0" algn="l">
+              <a:spcBef>
+                <a:spcPts val="0"/>
+              </a:spcBef>
+              <a:spcAft>
+                <a:spcPts val="0"/>
+              </a:spcAft>
+            </a:pPr>
+            <a:r>
+              <a:rPr lang="en-US" sz="1000" dirty="0">
+                <a:solidFill>
+                  <a:srgbClr val="000000"/>
+                </a:solidFill>
+                <a:effectLst/>
+                <a:latin typeface="Cascadia Mono" panose="020B0609020000020004" pitchFamily="49" charset="0"/>
+                <a:ea typeface="Aptos" panose="020B0004020202020204" pitchFamily="34" charset="0"/>
+              </a:rPr>
+              <a:t>  }, ...</a:t>
+            </a:r>
+            <a:endParaRPr lang="en-US" sz="1000" dirty="0">
+              <a:effectLst/>
+              <a:latin typeface="Times New Roman" panose="02020603050405020304" pitchFamily="18" charset="0"/>
+              <a:ea typeface="SimSun" panose="02010600030101010101" pitchFamily="2" charset="-122"/>
+            </a:endParaRPr>
+          </a:p>
+          <a:p>
+            <a:pPr marL="457200" marR="0" algn="l">
+              <a:spcBef>
+                <a:spcPts val="0"/>
+              </a:spcBef>
+              <a:spcAft>
+                <a:spcPts val="0"/>
+              </a:spcAft>
+            </a:pPr>
+            <a:r>
+              <a:rPr lang="en-US" sz="1000" dirty="0">
+                <a:solidFill>
+                  <a:srgbClr val="000000"/>
+                </a:solidFill>
+                <a:effectLst/>
+                <a:latin typeface="Cascadia Mono" panose="020B0609020000020004" pitchFamily="49" charset="0"/>
+                <a:ea typeface="Aptos" panose="020B0004020202020204" pitchFamily="34" charset="0"/>
+              </a:rPr>
+              <a:t>]</a:t>
+            </a:r>
+            <a:endParaRPr lang="en-US" sz="1000" dirty="0">
+              <a:effectLst/>
+              <a:latin typeface="Times New Roman" panose="02020603050405020304" pitchFamily="18" charset="0"/>
+              <a:ea typeface="SimSun" panose="02010600030101010101" pitchFamily="2" charset="-122"/>
+            </a:endParaRPr>
+          </a:p>
+          <a:p>
+            <a:pPr marL="0" marR="0" algn="l">
+              <a:spcBef>
+                <a:spcPts val="0"/>
+              </a:spcBef>
+              <a:spcAft>
+                <a:spcPts val="0"/>
+              </a:spcAft>
+            </a:pPr>
+            <a:r>
+              <a:rPr lang="en-US" sz="1000" dirty="0">
+                <a:solidFill>
+                  <a:srgbClr val="000000"/>
+                </a:solidFill>
+                <a:effectLst/>
+                <a:latin typeface="Times New Roman" panose="02020603050405020304" pitchFamily="18" charset="0"/>
+                <a:ea typeface="Aptos" panose="020B0004020202020204" pitchFamily="34" charset="0"/>
+              </a:rPr>
+              <a:t> </a:t>
+            </a:r>
+            <a:endParaRPr lang="en-US" sz="1000" dirty="0">
+              <a:effectLst/>
+              <a:latin typeface="Times New Roman" panose="02020603050405020304" pitchFamily="18" charset="0"/>
+              <a:ea typeface="SimSun" panose="02010600030101010101" pitchFamily="2" charset="-122"/>
+            </a:endParaRPr>
+          </a:p>
+        </p:txBody>
+      </p:sp>
+    </p:spTree>
+    <p:extLst>
+      <p:ext uri="{BB962C8B-B14F-4D97-AF65-F5344CB8AC3E}">
+        <p14:creationId xmlns:p14="http://schemas.microsoft.com/office/powerpoint/2010/main" val="3632174479"/>
+      </p:ext>
+    </p:extLst>
+  </p:cSld>
+  <p:clrMapOvr>
+    <a:masterClrMapping/>
+  </p:clrMapOvr>
+</p:sld>
+</file>
+
+<file path=ppt/slides/slide18.xml><?xml version="1.0" encoding="utf-8"?>
 <p:sld xmlns:a="http://schemas.openxmlformats.org/drawingml/2006/main" xmlns:r="http://schemas.openxmlformats.org/officeDocument/2006/relationships" xmlns:p="http://schemas.openxmlformats.org/presentationml/2006/main">
   <p:cSld>
     <p:spTree>
@@ -12879,7 +14506,7 @@
           <a:p>
             <a:r>
               <a:rPr lang="en-US" dirty="0"/>
-              <a:t>Results</a:t>
+              <a:t>Result</a:t>
             </a:r>
           </a:p>
         </p:txBody>
@@ -13006,12 +14633,12 @@
 </p:sld>
 </file>
 
-<file path=ppt/slides/slide18.xml><?xml version="1.0" encoding="utf-8"?>
+<file path=ppt/slides/slide19.xml><?xml version="1.0" encoding="utf-8"?>
 <p:sld xmlns:a="http://schemas.openxmlformats.org/drawingml/2006/main" xmlns:r="http://schemas.openxmlformats.org/officeDocument/2006/relationships" xmlns:p="http://schemas.openxmlformats.org/presentationml/2006/main">
   <p:cSld>
     <p:spTree>
       <p:nvGrpSpPr>
-        <p:cNvPr id="1" name=""/>
+        <p:cNvPr id="1" name="Shape 170"/>
         <p:cNvGrpSpPr/>
         <p:nvPr/>
       </p:nvGrpSpPr>
@@ -13025,14 +14652,8 @@
       </p:grpSpPr>
       <p:sp>
         <p:nvSpPr>
-          <p:cNvPr id="2" name="Title 1">
-            <a:extLst>
-              <a:ext uri="{FF2B5EF4-FFF2-40B4-BE49-F238E27FC236}">
-                <a16:creationId xmlns:a16="http://schemas.microsoft.com/office/drawing/2014/main" id="{13FB7CFA-3B4F-86D6-488B-A0EF3664F177}"/>
-              </a:ext>
-            </a:extLst>
-          </p:cNvPr>
-          <p:cNvSpPr>
+          <p:cNvPr id="171" name="Google Shape;171;p30"/>
+          <p:cNvSpPr txBox="1">
             <a:spLocks noGrp="1"/>
           </p:cNvSpPr>
           <p:nvPr>
@@ -13041,57 +14662,94 @@
         </p:nvSpPr>
         <p:spPr>
           <a:xfrm>
-            <a:off x="854525" y="734025"/>
-            <a:ext cx="4887900" cy="532800"/>
-          </a:xfrm>
+            <a:off x="719999" y="621355"/>
+            <a:ext cx="5774805" cy="600694"/>
+          </a:xfrm>
+          <a:prstGeom prst="rect">
+            <a:avLst/>
+          </a:prstGeom>
         </p:spPr>
         <p:txBody>
-          <a:bodyPr/>
+          <a:bodyPr spcFirstLastPara="1" wrap="square" lIns="91425" tIns="0" rIns="91425" bIns="91425" anchor="t" anchorCtr="0">
+            <a:noAutofit/>
+          </a:bodyPr>
           <a:lstStyle/>
           <a:p>
+            <a:pPr marL="0" lvl="0" indent="0" algn="l" rtl="0">
+              <a:spcBef>
+                <a:spcPts val="0"/>
+              </a:spcBef>
+              <a:spcAft>
+                <a:spcPts val="0"/>
+              </a:spcAft>
+              <a:buNone/>
+            </a:pPr>
             <a:r>
               <a:rPr lang="en-US" dirty="0"/>
-              <a:t>Result Output Window </a:t>
-            </a:r>
+              <a:t>Result</a:t>
+            </a:r>
+          </a:p>
+        </p:txBody>
+      </p:sp>
+      <p:sp>
+        <p:nvSpPr>
+          <p:cNvPr id="172" name="Google Shape;172;p30"/>
+          <p:cNvSpPr txBox="1">
+            <a:spLocks noGrp="1"/>
+          </p:cNvSpPr>
+          <p:nvPr>
+            <p:ph type="subTitle" idx="1"/>
+          </p:nvPr>
+        </p:nvSpPr>
+        <p:spPr>
+          <a:xfrm>
+            <a:off x="640935" y="1410055"/>
+            <a:ext cx="7657032" cy="3493361"/>
+          </a:xfrm>
+          <a:prstGeom prst="rect">
+            <a:avLst/>
+          </a:prstGeom>
+        </p:spPr>
+        <p:txBody>
+          <a:bodyPr spcFirstLastPara="1" wrap="square" lIns="91425" tIns="91425" rIns="91425" bIns="91425" anchor="t" anchorCtr="0">
+            <a:noAutofit/>
+          </a:bodyPr>
+          <a:lstStyle/>
+          <a:p>
+            <a:pPr marL="139700" indent="0" algn="l">
+              <a:buNone/>
+            </a:pPr>
+            <a:r>
+              <a:rPr lang="en-US" sz="1800" b="0" i="0" dirty="0">
+                <a:solidFill>
+                  <a:srgbClr val="0D0D0D"/>
+                </a:solidFill>
+                <a:effectLst/>
+                <a:latin typeface="Alumni Sans" panose="020B0604020202020204" charset="0"/>
+              </a:rPr>
+              <a:t>1. Classification of numbers from 0 to 9 in a sequence based on Sparse Distributed Representations (SDRs)</a:t>
+            </a:r>
+          </a:p>
+          <a:p>
+            <a:pPr marL="139700" indent="0" algn="l">
+              <a:buNone/>
+            </a:pPr>
+            <a:endParaRPr lang="en-US" b="0" i="0" dirty="0">
+              <a:solidFill>
+                <a:srgbClr val="0D0D0D"/>
+              </a:solidFill>
+              <a:effectLst/>
+              <a:latin typeface="Söhne"/>
+            </a:endParaRPr>
           </a:p>
         </p:txBody>
       </p:sp>
       <p:pic>
         <p:nvPicPr>
-          <p:cNvPr id="4" name="Picture 3" descr="A computer screen shot of a black screen&#10;&#10;Description automatically generated">
+          <p:cNvPr id="4" name="Picture 3" descr="A screenshot of a computer&#10;&#10;Description automatically generated">
             <a:extLst>
               <a:ext uri="{FF2B5EF4-FFF2-40B4-BE49-F238E27FC236}">
-                <a16:creationId xmlns:a16="http://schemas.microsoft.com/office/drawing/2014/main" id="{B6AAF434-FBD4-454C-51ED-B16AE2605275}"/>
-              </a:ext>
-            </a:extLst>
-          </p:cNvPr>
-          <p:cNvPicPr>
-            <a:picLocks noChangeAspect="1"/>
-          </p:cNvPicPr>
-          <p:nvPr/>
-        </p:nvPicPr>
-        <p:blipFill>
-          <a:blip r:embed="rId2"/>
-          <a:stretch>
-            <a:fillRect/>
-          </a:stretch>
-        </p:blipFill>
-        <p:spPr>
-          <a:xfrm>
-            <a:off x="976884" y="1476376"/>
-            <a:ext cx="3737991" cy="3142650"/>
-          </a:xfrm>
-          <a:prstGeom prst="rect">
-            <a:avLst/>
-          </a:prstGeom>
-        </p:spPr>
-      </p:pic>
-      <p:pic>
-        <p:nvPicPr>
-          <p:cNvPr id="6" name="Picture 5" descr="A screenshot of a computer&#10;&#10;Description automatically generated">
-            <a:extLst>
-              <a:ext uri="{FF2B5EF4-FFF2-40B4-BE49-F238E27FC236}">
-                <a16:creationId xmlns:a16="http://schemas.microsoft.com/office/drawing/2014/main" id="{96D9FBF8-7BEA-E125-73D8-E6FC8A92061E}"/>
+                <a16:creationId xmlns:a16="http://schemas.microsoft.com/office/drawing/2014/main" id="{7F6EB07A-1DC4-2448-DD95-969590B309B1}"/>
               </a:ext>
             </a:extLst>
           </p:cNvPr>
@@ -13108,8 +14766,8 @@
         </p:blipFill>
         <p:spPr>
           <a:xfrm>
-            <a:off x="4853558" y="1476376"/>
-            <a:ext cx="3737991" cy="3142687"/>
+            <a:off x="1768980" y="1946884"/>
+            <a:ext cx="5862415" cy="2890036"/>
           </a:xfrm>
           <a:prstGeom prst="rect">
             <a:avLst/>
@@ -13119,160 +14777,7 @@
     </p:spTree>
     <p:extLst>
       <p:ext uri="{BB962C8B-B14F-4D97-AF65-F5344CB8AC3E}">
-        <p14:creationId xmlns:p14="http://schemas.microsoft.com/office/powerpoint/2010/main" val="2241644721"/>
-      </p:ext>
-    </p:extLst>
-  </p:cSld>
-  <p:clrMapOvr>
-    <a:masterClrMapping/>
-  </p:clrMapOvr>
-</p:sld>
-</file>
-
-<file path=ppt/slides/slide19.xml><?xml version="1.0" encoding="utf-8"?>
-<p:sld xmlns:a="http://schemas.openxmlformats.org/drawingml/2006/main" xmlns:r="http://schemas.openxmlformats.org/officeDocument/2006/relationships" xmlns:p="http://schemas.openxmlformats.org/presentationml/2006/main">
-  <p:cSld>
-    <p:spTree>
-      <p:nvGrpSpPr>
-        <p:cNvPr id="1" name=""/>
-        <p:cNvGrpSpPr/>
-        <p:nvPr/>
-      </p:nvGrpSpPr>
-      <p:grpSpPr>
-        <a:xfrm>
-          <a:off x="0" y="0"/>
-          <a:ext cx="0" cy="0"/>
-          <a:chOff x="0" y="0"/>
-          <a:chExt cx="0" cy="0"/>
-        </a:xfrm>
-      </p:grpSpPr>
-      <p:sp>
-        <p:nvSpPr>
-          <p:cNvPr id="2" name="Title 1">
-            <a:extLst>
-              <a:ext uri="{FF2B5EF4-FFF2-40B4-BE49-F238E27FC236}">
-                <a16:creationId xmlns:a16="http://schemas.microsoft.com/office/drawing/2014/main" id="{BD873CAF-3759-262F-17DF-19979C99B470}"/>
-              </a:ext>
-            </a:extLst>
-          </p:cNvPr>
-          <p:cNvSpPr>
-            <a:spLocks noGrp="1"/>
-          </p:cNvSpPr>
-          <p:nvPr>
-            <p:ph type="title"/>
-          </p:nvPr>
-        </p:nvSpPr>
-        <p:spPr/>
-        <p:txBody>
-          <a:bodyPr/>
-          <a:lstStyle/>
-          <a:p>
-            <a:r>
-              <a:rPr lang="en-US" dirty="0"/>
-              <a:t>Unit Test</a:t>
-            </a:r>
-          </a:p>
-        </p:txBody>
-      </p:sp>
-      <p:sp>
-        <p:nvSpPr>
-          <p:cNvPr id="3" name="Title 2">
-            <a:extLst>
-              <a:ext uri="{FF2B5EF4-FFF2-40B4-BE49-F238E27FC236}">
-                <a16:creationId xmlns:a16="http://schemas.microsoft.com/office/drawing/2014/main" id="{B9C044D8-DBBF-3E18-03D0-622F3B8D0C46}"/>
-              </a:ext>
-            </a:extLst>
-          </p:cNvPr>
-          <p:cNvSpPr>
-            <a:spLocks noGrp="1"/>
-          </p:cNvSpPr>
-          <p:nvPr>
-            <p:ph type="title" idx="2"/>
-          </p:nvPr>
-        </p:nvSpPr>
-        <p:spPr/>
-        <p:txBody>
-          <a:bodyPr/>
-          <a:lstStyle/>
-          <a:p>
-            <a:r>
-              <a:rPr lang="en-US" dirty="0"/>
-              <a:t>06</a:t>
-            </a:r>
-          </a:p>
-        </p:txBody>
-      </p:sp>
-      <p:sp>
-        <p:nvSpPr>
-          <p:cNvPr id="4" name="Subtitle 3">
-            <a:extLst>
-              <a:ext uri="{FF2B5EF4-FFF2-40B4-BE49-F238E27FC236}">
-                <a16:creationId xmlns:a16="http://schemas.microsoft.com/office/drawing/2014/main" id="{07C84CF2-1027-E4B1-A0D3-F6A717AE6A42}"/>
-              </a:ext>
-            </a:extLst>
-          </p:cNvPr>
-          <p:cNvSpPr>
-            <a:spLocks noGrp="1"/>
-          </p:cNvSpPr>
-          <p:nvPr>
-            <p:ph type="subTitle" idx="1"/>
-          </p:nvPr>
-        </p:nvSpPr>
-        <p:spPr/>
-        <p:txBody>
-          <a:bodyPr/>
-          <a:lstStyle/>
-          <a:p>
-            <a:r>
-              <a:rPr lang="en-US" sz="1800" dirty="0">
-                <a:latin typeface="Alumni Sans" panose="020B0604020202020204" charset="0"/>
-              </a:rPr>
-              <a:t>Unit test preform to test the algorithm</a:t>
-            </a:r>
-          </a:p>
-          <a:p>
-            <a:endParaRPr lang="en-US" dirty="0"/>
-          </a:p>
-        </p:txBody>
-      </p:sp>
-      <p:pic>
-        <p:nvPicPr>
-          <p:cNvPr id="5" name="Google Shape;166;p29">
-            <a:extLst>
-              <a:ext uri="{FF2B5EF4-FFF2-40B4-BE49-F238E27FC236}">
-                <a16:creationId xmlns:a16="http://schemas.microsoft.com/office/drawing/2014/main" id="{6F678F9E-E7C9-BEBB-AD8D-72E71AD825F5}"/>
-              </a:ext>
-            </a:extLst>
-          </p:cNvPr>
-          <p:cNvPicPr preferRelativeResize="0"/>
-          <p:nvPr/>
-        </p:nvPicPr>
-        <p:blipFill>
-          <a:blip r:embed="rId2">
-            <a:alphaModFix/>
-          </a:blip>
-          <a:stretch>
-            <a:fillRect/>
-          </a:stretch>
-        </p:blipFill>
-        <p:spPr>
-          <a:xfrm rot="10800000" flipH="1">
-            <a:off x="5475644" y="3122858"/>
-            <a:ext cx="1546231" cy="360850"/>
-          </a:xfrm>
-          <a:prstGeom prst="rect">
-            <a:avLst/>
-          </a:prstGeom>
-          <a:noFill/>
-          <a:ln>
-            <a:noFill/>
-          </a:ln>
-        </p:spPr>
-      </p:pic>
-    </p:spTree>
-    <p:extLst>
-      <p:ext uri="{BB962C8B-B14F-4D97-AF65-F5344CB8AC3E}">
-        <p14:creationId xmlns:p14="http://schemas.microsoft.com/office/powerpoint/2010/main" val="2057491567"/>
+        <p14:creationId xmlns:p14="http://schemas.microsoft.com/office/powerpoint/2010/main" val="1876830465"/>
       </p:ext>
     </p:extLst>
   </p:cSld>
@@ -13446,6 +14951,151 @@
   <p:cSld>
     <p:spTree>
       <p:nvGrpSpPr>
+        <p:cNvPr id="1" name="Shape 194"/>
+        <p:cNvGrpSpPr/>
+        <p:nvPr/>
+      </p:nvGrpSpPr>
+      <p:grpSpPr>
+        <a:xfrm>
+          <a:off x="0" y="0"/>
+          <a:ext cx="0" cy="0"/>
+          <a:chOff x="0" y="0"/>
+          <a:chExt cx="0" cy="0"/>
+        </a:xfrm>
+      </p:grpSpPr>
+      <p:pic>
+        <p:nvPicPr>
+          <p:cNvPr id="5" name="Picture 4" descr="A table with numbers and text&#10;&#10;Description automatically generated">
+            <a:extLst>
+              <a:ext uri="{FF2B5EF4-FFF2-40B4-BE49-F238E27FC236}">
+                <a16:creationId xmlns:a16="http://schemas.microsoft.com/office/drawing/2014/main" id="{2FB0C70A-D691-5D84-7B45-363C277E98EB}"/>
+              </a:ext>
+            </a:extLst>
+          </p:cNvPr>
+          <p:cNvPicPr>
+            <a:picLocks noChangeAspect="1"/>
+          </p:cNvPicPr>
+          <p:nvPr/>
+        </p:nvPicPr>
+        <p:blipFill>
+          <a:blip r:embed="rId3"/>
+          <a:stretch>
+            <a:fillRect/>
+          </a:stretch>
+        </p:blipFill>
+        <p:spPr>
+          <a:xfrm>
+            <a:off x="1644198" y="2076485"/>
+            <a:ext cx="6043612" cy="2640023"/>
+          </a:xfrm>
+          <a:prstGeom prst="rect">
+            <a:avLst/>
+          </a:prstGeom>
+        </p:spPr>
+      </p:pic>
+      <p:sp>
+        <p:nvSpPr>
+          <p:cNvPr id="4" name="TextBox 3">
+            <a:extLst>
+              <a:ext uri="{FF2B5EF4-FFF2-40B4-BE49-F238E27FC236}">
+                <a16:creationId xmlns:a16="http://schemas.microsoft.com/office/drawing/2014/main" id="{F6A5B3E6-1CD8-53DA-305E-0DB9E0CD864F}"/>
+              </a:ext>
+            </a:extLst>
+          </p:cNvPr>
+          <p:cNvSpPr txBox="1"/>
+          <p:nvPr/>
+        </p:nvSpPr>
+        <p:spPr>
+          <a:xfrm>
+            <a:off x="944310" y="803241"/>
+            <a:ext cx="4572000" cy="738664"/>
+          </a:xfrm>
+          <a:prstGeom prst="rect">
+            <a:avLst/>
+          </a:prstGeom>
+          <a:noFill/>
+        </p:spPr>
+        <p:txBody>
+          <a:bodyPr wrap="square">
+            <a:spAutoFit/>
+          </a:bodyPr>
+          <a:lstStyle/>
+          <a:p>
+            <a:r>
+              <a:rPr lang="en-US" sz="4200" dirty="0">
+                <a:latin typeface="Alumni Sans" panose="020B0604020202020204" charset="0"/>
+              </a:rPr>
+              <a:t>Result</a:t>
+            </a:r>
+          </a:p>
+        </p:txBody>
+      </p:sp>
+      <p:sp>
+        <p:nvSpPr>
+          <p:cNvPr id="7" name="TextBox 6">
+            <a:extLst>
+              <a:ext uri="{FF2B5EF4-FFF2-40B4-BE49-F238E27FC236}">
+                <a16:creationId xmlns:a16="http://schemas.microsoft.com/office/drawing/2014/main" id="{2C431507-37AD-8C2D-A0D4-9575FA48DFD2}"/>
+              </a:ext>
+            </a:extLst>
+          </p:cNvPr>
+          <p:cNvSpPr txBox="1"/>
+          <p:nvPr/>
+        </p:nvSpPr>
+        <p:spPr>
+          <a:xfrm>
+            <a:off x="944310" y="1541905"/>
+            <a:ext cx="4572000" cy="369332"/>
+          </a:xfrm>
+          <a:prstGeom prst="rect">
+            <a:avLst/>
+          </a:prstGeom>
+          <a:noFill/>
+        </p:spPr>
+        <p:txBody>
+          <a:bodyPr wrap="square">
+            <a:spAutoFit/>
+          </a:bodyPr>
+          <a:lstStyle/>
+          <a:p>
+            <a:pPr marL="139700" indent="0">
+              <a:buNone/>
+            </a:pPr>
+            <a:r>
+              <a:rPr lang="en-US" sz="1800" dirty="0">
+                <a:solidFill>
+                  <a:srgbClr val="0D0D0D"/>
+                </a:solidFill>
+                <a:latin typeface="Alumni Sans" panose="020B0604020202020204" charset="0"/>
+              </a:rPr>
+              <a:t>2</a:t>
+            </a:r>
+            <a:r>
+              <a:rPr lang="en-US" sz="1800" b="0" i="0" dirty="0">
+                <a:solidFill>
+                  <a:srgbClr val="0D0D0D"/>
+                </a:solidFill>
+                <a:effectLst/>
+                <a:latin typeface="Alumni Sans" panose="020B0604020202020204" charset="0"/>
+              </a:rPr>
+              <a:t>. Classifying Sets of Numbers based on SDR’s Value</a:t>
+            </a:r>
+          </a:p>
+        </p:txBody>
+      </p:sp>
+    </p:spTree>
+  </p:cSld>
+  <p:clrMapOvr>
+    <a:masterClrMapping/>
+  </p:clrMapOvr>
+</p:sld>
+</file>
+
+<file path=ppt/slides/slide21.xml><?xml version="1.0" encoding="utf-8"?>
+<p:sld xmlns:a="http://schemas.openxmlformats.org/drawingml/2006/main" xmlns:r="http://schemas.openxmlformats.org/officeDocument/2006/relationships" xmlns:p="http://schemas.openxmlformats.org/presentationml/2006/main">
+  <p:cSld>
+    <p:spTree>
+      <p:nvGrpSpPr>
         <p:cNvPr id="1" name=""/>
         <p:cNvGrpSpPr/>
         <p:nvPr/>
@@ -13486,7 +15136,7 @@
           <a:p>
             <a:r>
               <a:rPr lang="en-US" dirty="0"/>
-              <a:t>Unit Test</a:t>
+              <a:t>Result </a:t>
             </a:r>
           </a:p>
         </p:txBody>
@@ -13496,7 +15146,7 @@
           <p:cNvPr id="5" name="Picture 4" descr="A screenshot of a computer&#10;&#10;Description automatically generated">
             <a:extLst>
               <a:ext uri="{FF2B5EF4-FFF2-40B4-BE49-F238E27FC236}">
-                <a16:creationId xmlns:a16="http://schemas.microsoft.com/office/drawing/2014/main" id="{6E67FA3F-2ABC-C9A8-BF47-D1CA8AE586D5}"/>
+                <a16:creationId xmlns:a16="http://schemas.microsoft.com/office/drawing/2014/main" id="{B5A36F63-9ECE-339F-CC17-7987180985AE}"/>
               </a:ext>
             </a:extLst>
           </p:cNvPr>
@@ -13513,18 +15163,101 @@
         </p:blipFill>
         <p:spPr>
           <a:xfrm>
-            <a:off x="1000125" y="1465175"/>
-            <a:ext cx="7543800" cy="3380882"/>
+            <a:off x="649480" y="1504059"/>
+            <a:ext cx="3922520" cy="2965391"/>
           </a:xfrm>
           <a:prstGeom prst="rect">
             <a:avLst/>
           </a:prstGeom>
         </p:spPr>
       </p:pic>
+      <p:pic>
+        <p:nvPicPr>
+          <p:cNvPr id="8" name="Picture 7" descr="A screenshot of a computer program&#10;&#10;Description automatically generated">
+            <a:extLst>
+              <a:ext uri="{FF2B5EF4-FFF2-40B4-BE49-F238E27FC236}">
+                <a16:creationId xmlns:a16="http://schemas.microsoft.com/office/drawing/2014/main" id="{1597E474-B4E2-D264-16BD-82CD635088B9}"/>
+              </a:ext>
+            </a:extLst>
+          </p:cNvPr>
+          <p:cNvPicPr>
+            <a:picLocks noChangeAspect="1"/>
+          </p:cNvPicPr>
+          <p:nvPr/>
+        </p:nvPicPr>
+        <p:blipFill>
+          <a:blip r:embed="rId3"/>
+          <a:stretch>
+            <a:fillRect/>
+          </a:stretch>
+        </p:blipFill>
+        <p:spPr>
+          <a:xfrm>
+            <a:off x="4691641" y="1504059"/>
+            <a:ext cx="4127619" cy="2965391"/>
+          </a:xfrm>
+          <a:prstGeom prst="rect">
+            <a:avLst/>
+          </a:prstGeom>
+        </p:spPr>
+      </p:pic>
+      <p:sp>
+        <p:nvSpPr>
+          <p:cNvPr id="9" name="TextBox 8">
+            <a:extLst>
+              <a:ext uri="{FF2B5EF4-FFF2-40B4-BE49-F238E27FC236}">
+                <a16:creationId xmlns:a16="http://schemas.microsoft.com/office/drawing/2014/main" id="{05DA56CE-CEE8-1E21-A4E6-383E4CE66B34}"/>
+              </a:ext>
+            </a:extLst>
+          </p:cNvPr>
+          <p:cNvSpPr txBox="1"/>
+          <p:nvPr/>
+        </p:nvSpPr>
+        <p:spPr>
+          <a:xfrm>
+            <a:off x="1110899" y="4527212"/>
+            <a:ext cx="7776727" cy="358944"/>
+          </a:xfrm>
+          <a:prstGeom prst="rect">
+            <a:avLst/>
+          </a:prstGeom>
+          <a:noFill/>
+        </p:spPr>
+        <p:txBody>
+          <a:bodyPr wrap="square" rtlCol="0">
+            <a:spAutoFit/>
+          </a:bodyPr>
+          <a:lstStyle/>
+          <a:p>
+            <a:pPr marL="0" marR="0" indent="0" algn="just">
+              <a:lnSpc>
+                <a:spcPct val="95000"/>
+              </a:lnSpc>
+              <a:spcBef>
+                <a:spcPts val="0"/>
+              </a:spcBef>
+              <a:spcAft>
+                <a:spcPts val="600"/>
+              </a:spcAft>
+              <a:tabLst>
+                <a:tab pos="182880" algn="l"/>
+              </a:tabLst>
+            </a:pPr>
+            <a:r>
+              <a:rPr lang="en-US" sz="1800" spc="-5" dirty="0">
+                <a:effectLst/>
+                <a:latin typeface="Alumni Sans" panose="020B0604020202020204" charset="0"/>
+                <a:ea typeface="SimSun" panose="02010600030101010101" pitchFamily="2" charset="-122"/>
+              </a:rPr>
+              <a:t>Figure 8 and 9 Output Window presenting the predicted result for test data with accuracy around 90 %.</a:t>
+            </a:r>
+          </a:p>
+        </p:txBody>
+      </p:sp>
     </p:spTree>
     <p:extLst>
       <p:ext uri="{BB962C8B-B14F-4D97-AF65-F5344CB8AC3E}">
-        <p14:creationId xmlns:p14="http://schemas.microsoft.com/office/powerpoint/2010/main" val="462897692"/>
+        <p14:creationId xmlns:p14="http://schemas.microsoft.com/office/powerpoint/2010/main" val="2241644721"/>
       </p:ext>
     </p:extLst>
   </p:cSld>
@@ -13534,7 +15267,183 @@
 </p:sld>
 </file>
 
-<file path=ppt/slides/slide21.xml><?xml version="1.0" encoding="utf-8"?>
+<file path=ppt/slides/slide22.xml><?xml version="1.0" encoding="utf-8"?>
+<p:sld xmlns:a="http://schemas.openxmlformats.org/drawingml/2006/main" xmlns:r="http://schemas.openxmlformats.org/officeDocument/2006/relationships" xmlns:p="http://schemas.openxmlformats.org/presentationml/2006/main">
+  <p:cSld>
+    <p:spTree>
+      <p:nvGrpSpPr>
+        <p:cNvPr id="1" name=""/>
+        <p:cNvGrpSpPr/>
+        <p:nvPr/>
+      </p:nvGrpSpPr>
+      <p:grpSpPr>
+        <a:xfrm>
+          <a:off x="0" y="0"/>
+          <a:ext cx="0" cy="0"/>
+          <a:chOff x="0" y="0"/>
+          <a:chExt cx="0" cy="0"/>
+        </a:xfrm>
+      </p:grpSpPr>
+      <p:sp>
+        <p:nvSpPr>
+          <p:cNvPr id="2" name="Title 1">
+            <a:extLst>
+              <a:ext uri="{FF2B5EF4-FFF2-40B4-BE49-F238E27FC236}">
+                <a16:creationId xmlns:a16="http://schemas.microsoft.com/office/drawing/2014/main" id="{13FB7CFA-3B4F-86D6-488B-A0EF3664F177}"/>
+              </a:ext>
+            </a:extLst>
+          </p:cNvPr>
+          <p:cNvSpPr>
+            <a:spLocks noGrp="1"/>
+          </p:cNvSpPr>
+          <p:nvPr>
+            <p:ph type="title"/>
+          </p:nvPr>
+        </p:nvSpPr>
+        <p:spPr>
+          <a:xfrm>
+            <a:off x="854525" y="734025"/>
+            <a:ext cx="4887900" cy="532800"/>
+          </a:xfrm>
+        </p:spPr>
+        <p:txBody>
+          <a:bodyPr/>
+          <a:lstStyle/>
+          <a:p>
+            <a:r>
+              <a:rPr lang="en-US" dirty="0"/>
+              <a:t>Result  </a:t>
+            </a:r>
+          </a:p>
+        </p:txBody>
+      </p:sp>
+      <p:pic>
+        <p:nvPicPr>
+          <p:cNvPr id="10" name="Picture 9" descr="A screenshot of a computer&#10;&#10;Description automatically generated">
+            <a:extLst>
+              <a:ext uri="{FF2B5EF4-FFF2-40B4-BE49-F238E27FC236}">
+                <a16:creationId xmlns:a16="http://schemas.microsoft.com/office/drawing/2014/main" id="{1D28F679-6951-21DF-9F2C-288B3AFB7888}"/>
+              </a:ext>
+            </a:extLst>
+          </p:cNvPr>
+          <p:cNvPicPr>
+            <a:picLocks noChangeAspect="1"/>
+          </p:cNvPicPr>
+          <p:nvPr/>
+        </p:nvPicPr>
+        <p:blipFill>
+          <a:blip r:embed="rId2"/>
+          <a:stretch>
+            <a:fillRect/>
+          </a:stretch>
+        </p:blipFill>
+        <p:spPr>
+          <a:xfrm>
+            <a:off x="579664" y="1504001"/>
+            <a:ext cx="3988556" cy="3136364"/>
+          </a:xfrm>
+          <a:prstGeom prst="rect">
+            <a:avLst/>
+          </a:prstGeom>
+        </p:spPr>
+      </p:pic>
+      <p:pic>
+        <p:nvPicPr>
+          <p:cNvPr id="12" name="Picture 11" descr="A screenshot of a computer&#10;&#10;Description automatically generated">
+            <a:extLst>
+              <a:ext uri="{FF2B5EF4-FFF2-40B4-BE49-F238E27FC236}">
+                <a16:creationId xmlns:a16="http://schemas.microsoft.com/office/drawing/2014/main" id="{5A85B432-792C-CCC7-F46D-ACAE5676C3CD}"/>
+              </a:ext>
+            </a:extLst>
+          </p:cNvPr>
+          <p:cNvPicPr>
+            <a:picLocks noChangeAspect="1"/>
+          </p:cNvPicPr>
+          <p:nvPr/>
+        </p:nvPicPr>
+        <p:blipFill>
+          <a:blip r:embed="rId3"/>
+          <a:stretch>
+            <a:fillRect/>
+          </a:stretch>
+        </p:blipFill>
+        <p:spPr>
+          <a:xfrm>
+            <a:off x="4657458" y="1504001"/>
+            <a:ext cx="4161802" cy="3136364"/>
+          </a:xfrm>
+          <a:prstGeom prst="rect">
+            <a:avLst/>
+          </a:prstGeom>
+        </p:spPr>
+      </p:pic>
+      <p:sp>
+        <p:nvSpPr>
+          <p:cNvPr id="14" name="TextBox 13">
+            <a:extLst>
+              <a:ext uri="{FF2B5EF4-FFF2-40B4-BE49-F238E27FC236}">
+                <a16:creationId xmlns:a16="http://schemas.microsoft.com/office/drawing/2014/main" id="{90DEAFD5-3714-3C34-E75C-FEBD239281CA}"/>
+              </a:ext>
+            </a:extLst>
+          </p:cNvPr>
+          <p:cNvSpPr txBox="1"/>
+          <p:nvPr/>
+        </p:nvSpPr>
+        <p:spPr>
+          <a:xfrm>
+            <a:off x="922946" y="4712922"/>
+            <a:ext cx="7545936" cy="358944"/>
+          </a:xfrm>
+          <a:prstGeom prst="rect">
+            <a:avLst/>
+          </a:prstGeom>
+          <a:noFill/>
+        </p:spPr>
+        <p:txBody>
+          <a:bodyPr wrap="square">
+            <a:spAutoFit/>
+          </a:bodyPr>
+          <a:lstStyle/>
+          <a:p>
+            <a:pPr marL="0" marR="0" indent="0" algn="just">
+              <a:lnSpc>
+                <a:spcPct val="95000"/>
+              </a:lnSpc>
+              <a:spcBef>
+                <a:spcPts val="0"/>
+              </a:spcBef>
+              <a:spcAft>
+                <a:spcPts val="600"/>
+              </a:spcAft>
+              <a:tabLst>
+                <a:tab pos="182880" algn="l"/>
+              </a:tabLst>
+            </a:pPr>
+            <a:r>
+              <a:rPr lang="en-US" sz="1800" spc="-5" dirty="0">
+                <a:effectLst/>
+                <a:latin typeface="Alumni Sans" panose="020B0604020202020204" charset="0"/>
+                <a:ea typeface="SimSun" panose="02010600030101010101" pitchFamily="2" charset="-122"/>
+              </a:rPr>
+              <a:t>Figure 10 and 11 Output Window presenting the predicted result for test data with accuracy around 100 %.</a:t>
+            </a:r>
+          </a:p>
+        </p:txBody>
+      </p:sp>
+    </p:spTree>
+    <p:extLst>
+      <p:ext uri="{BB962C8B-B14F-4D97-AF65-F5344CB8AC3E}">
+        <p14:creationId xmlns:p14="http://schemas.microsoft.com/office/powerpoint/2010/main" val="402676026"/>
+      </p:ext>
+    </p:extLst>
+  </p:cSld>
+  <p:clrMapOvr>
+    <a:masterClrMapping/>
+  </p:clrMapOvr>
+</p:sld>
+</file>
+
+<file path=ppt/slides/slide23.xml><?xml version="1.0" encoding="utf-8"?>
 <p:sld xmlns:a="http://schemas.openxmlformats.org/drawingml/2006/main" xmlns:r="http://schemas.openxmlformats.org/officeDocument/2006/relationships" xmlns:p="http://schemas.openxmlformats.org/presentationml/2006/main">
   <p:cSld>
     <p:spTree>
@@ -13574,7 +15483,7 @@
           <a:p>
             <a:r>
               <a:rPr lang="en-US" dirty="0"/>
-              <a:t>Conclusion</a:t>
+              <a:t>Unit Test</a:t>
             </a:r>
           </a:p>
         </p:txBody>
@@ -13602,7 +15511,7 @@
           <a:p>
             <a:r>
               <a:rPr lang="en-US" dirty="0"/>
-              <a:t>07</a:t>
+              <a:t>06</a:t>
             </a:r>
           </a:p>
         </p:txBody>
@@ -13628,20 +15537,11 @@
           <a:bodyPr/>
           <a:lstStyle/>
           <a:p>
-            <a:pPr marL="0" lvl="0" indent="0" algn="l" rtl="0">
-              <a:spcBef>
-                <a:spcPts val="0"/>
-              </a:spcBef>
-              <a:spcAft>
-                <a:spcPts val="0"/>
-              </a:spcAft>
-              <a:buNone/>
-            </a:pPr>
             <a:r>
               <a:rPr lang="en-US" sz="1800" dirty="0">
                 <a:latin typeface="Alumni Sans" panose="020B0604020202020204" charset="0"/>
               </a:rPr>
-              <a:t>Concluding the solution of the problem with results.</a:t>
+              <a:t>Unit test preform to test the algorithm</a:t>
             </a:r>
           </a:p>
           <a:p>
@@ -13686,6 +15586,261 @@
     </p:spTree>
     <p:extLst>
       <p:ext uri="{BB962C8B-B14F-4D97-AF65-F5344CB8AC3E}">
+        <p14:creationId xmlns:p14="http://schemas.microsoft.com/office/powerpoint/2010/main" val="2057491567"/>
+      </p:ext>
+    </p:extLst>
+  </p:cSld>
+  <p:clrMapOvr>
+    <a:masterClrMapping/>
+  </p:clrMapOvr>
+</p:sld>
+</file>
+
+<file path=ppt/slides/slide24.xml><?xml version="1.0" encoding="utf-8"?>
+<p:sld xmlns:a="http://schemas.openxmlformats.org/drawingml/2006/main" xmlns:r="http://schemas.openxmlformats.org/officeDocument/2006/relationships" xmlns:p="http://schemas.openxmlformats.org/presentationml/2006/main">
+  <p:cSld>
+    <p:spTree>
+      <p:nvGrpSpPr>
+        <p:cNvPr id="1" name=""/>
+        <p:cNvGrpSpPr/>
+        <p:nvPr/>
+      </p:nvGrpSpPr>
+      <p:grpSpPr>
+        <a:xfrm>
+          <a:off x="0" y="0"/>
+          <a:ext cx="0" cy="0"/>
+          <a:chOff x="0" y="0"/>
+          <a:chExt cx="0" cy="0"/>
+        </a:xfrm>
+      </p:grpSpPr>
+      <p:sp>
+        <p:nvSpPr>
+          <p:cNvPr id="2" name="Title 1">
+            <a:extLst>
+              <a:ext uri="{FF2B5EF4-FFF2-40B4-BE49-F238E27FC236}">
+                <a16:creationId xmlns:a16="http://schemas.microsoft.com/office/drawing/2014/main" id="{13FB7CFA-3B4F-86D6-488B-A0EF3664F177}"/>
+              </a:ext>
+            </a:extLst>
+          </p:cNvPr>
+          <p:cNvSpPr>
+            <a:spLocks noGrp="1"/>
+          </p:cNvSpPr>
+          <p:nvPr>
+            <p:ph type="title"/>
+          </p:nvPr>
+        </p:nvSpPr>
+        <p:spPr>
+          <a:xfrm>
+            <a:off x="854525" y="734025"/>
+            <a:ext cx="4887900" cy="532800"/>
+          </a:xfrm>
+        </p:spPr>
+        <p:txBody>
+          <a:bodyPr/>
+          <a:lstStyle/>
+          <a:p>
+            <a:r>
+              <a:rPr lang="en-US" dirty="0"/>
+              <a:t>Unit Test</a:t>
+            </a:r>
+          </a:p>
+        </p:txBody>
+      </p:sp>
+      <p:pic>
+        <p:nvPicPr>
+          <p:cNvPr id="4" name="Picture 3" descr="A screenshot of a computer&#10;&#10;Description automatically generated">
+            <a:extLst>
+              <a:ext uri="{FF2B5EF4-FFF2-40B4-BE49-F238E27FC236}">
+                <a16:creationId xmlns:a16="http://schemas.microsoft.com/office/drawing/2014/main" id="{361A192D-9E87-4C66-2091-E4C452FC4C44}"/>
+              </a:ext>
+            </a:extLst>
+          </p:cNvPr>
+          <p:cNvPicPr>
+            <a:picLocks noChangeAspect="1"/>
+          </p:cNvPicPr>
+          <p:nvPr/>
+        </p:nvPicPr>
+        <p:blipFill>
+          <a:blip r:embed="rId2"/>
+          <a:stretch>
+            <a:fillRect/>
+          </a:stretch>
+        </p:blipFill>
+        <p:spPr>
+          <a:xfrm>
+            <a:off x="1016950" y="1469165"/>
+            <a:ext cx="6708447" cy="3238500"/>
+          </a:xfrm>
+          <a:prstGeom prst="rect">
+            <a:avLst/>
+          </a:prstGeom>
+        </p:spPr>
+      </p:pic>
+    </p:spTree>
+    <p:extLst>
+      <p:ext uri="{BB962C8B-B14F-4D97-AF65-F5344CB8AC3E}">
+        <p14:creationId xmlns:p14="http://schemas.microsoft.com/office/powerpoint/2010/main" val="462897692"/>
+      </p:ext>
+    </p:extLst>
+  </p:cSld>
+  <p:clrMapOvr>
+    <a:masterClrMapping/>
+  </p:clrMapOvr>
+</p:sld>
+</file>
+
+<file path=ppt/slides/slide25.xml><?xml version="1.0" encoding="utf-8"?>
+<p:sld xmlns:a="http://schemas.openxmlformats.org/drawingml/2006/main" xmlns:r="http://schemas.openxmlformats.org/officeDocument/2006/relationships" xmlns:p="http://schemas.openxmlformats.org/presentationml/2006/main">
+  <p:cSld>
+    <p:spTree>
+      <p:nvGrpSpPr>
+        <p:cNvPr id="1" name=""/>
+        <p:cNvGrpSpPr/>
+        <p:nvPr/>
+      </p:nvGrpSpPr>
+      <p:grpSpPr>
+        <a:xfrm>
+          <a:off x="0" y="0"/>
+          <a:ext cx="0" cy="0"/>
+          <a:chOff x="0" y="0"/>
+          <a:chExt cx="0" cy="0"/>
+        </a:xfrm>
+      </p:grpSpPr>
+      <p:sp>
+        <p:nvSpPr>
+          <p:cNvPr id="2" name="Title 1">
+            <a:extLst>
+              <a:ext uri="{FF2B5EF4-FFF2-40B4-BE49-F238E27FC236}">
+                <a16:creationId xmlns:a16="http://schemas.microsoft.com/office/drawing/2014/main" id="{BD873CAF-3759-262F-17DF-19979C99B470}"/>
+              </a:ext>
+            </a:extLst>
+          </p:cNvPr>
+          <p:cNvSpPr>
+            <a:spLocks noGrp="1"/>
+          </p:cNvSpPr>
+          <p:nvPr>
+            <p:ph type="title"/>
+          </p:nvPr>
+        </p:nvSpPr>
+        <p:spPr/>
+        <p:txBody>
+          <a:bodyPr/>
+          <a:lstStyle/>
+          <a:p>
+            <a:r>
+              <a:rPr lang="en-US" dirty="0"/>
+              <a:t>Conclusion</a:t>
+            </a:r>
+          </a:p>
+        </p:txBody>
+      </p:sp>
+      <p:sp>
+        <p:nvSpPr>
+          <p:cNvPr id="3" name="Title 2">
+            <a:extLst>
+              <a:ext uri="{FF2B5EF4-FFF2-40B4-BE49-F238E27FC236}">
+                <a16:creationId xmlns:a16="http://schemas.microsoft.com/office/drawing/2014/main" id="{B9C044D8-DBBF-3E18-03D0-622F3B8D0C46}"/>
+              </a:ext>
+            </a:extLst>
+          </p:cNvPr>
+          <p:cNvSpPr>
+            <a:spLocks noGrp="1"/>
+          </p:cNvSpPr>
+          <p:nvPr>
+            <p:ph type="title" idx="2"/>
+          </p:nvPr>
+        </p:nvSpPr>
+        <p:spPr/>
+        <p:txBody>
+          <a:bodyPr/>
+          <a:lstStyle/>
+          <a:p>
+            <a:r>
+              <a:rPr lang="en-US" dirty="0"/>
+              <a:t>07</a:t>
+            </a:r>
+          </a:p>
+        </p:txBody>
+      </p:sp>
+      <p:sp>
+        <p:nvSpPr>
+          <p:cNvPr id="4" name="Subtitle 3">
+            <a:extLst>
+              <a:ext uri="{FF2B5EF4-FFF2-40B4-BE49-F238E27FC236}">
+                <a16:creationId xmlns:a16="http://schemas.microsoft.com/office/drawing/2014/main" id="{07C84CF2-1027-E4B1-A0D3-F6A717AE6A42}"/>
+              </a:ext>
+            </a:extLst>
+          </p:cNvPr>
+          <p:cNvSpPr>
+            <a:spLocks noGrp="1"/>
+          </p:cNvSpPr>
+          <p:nvPr>
+            <p:ph type="subTitle" idx="1"/>
+          </p:nvPr>
+        </p:nvSpPr>
+        <p:spPr/>
+        <p:txBody>
+          <a:bodyPr/>
+          <a:lstStyle/>
+          <a:p>
+            <a:pPr marL="0" lvl="0" indent="0" algn="l" rtl="0">
+              <a:spcBef>
+                <a:spcPts val="0"/>
+              </a:spcBef>
+              <a:spcAft>
+                <a:spcPts val="0"/>
+              </a:spcAft>
+              <a:buNone/>
+            </a:pPr>
+            <a:r>
+              <a:rPr lang="en-US" sz="1800" dirty="0">
+                <a:latin typeface="Alumni Sans" panose="020B0604020202020204" charset="0"/>
+              </a:rPr>
+              <a:t>Concluding the solution of the problem with results.</a:t>
+            </a:r>
+          </a:p>
+          <a:p>
+            <a:endParaRPr lang="en-US" dirty="0"/>
+          </a:p>
+        </p:txBody>
+      </p:sp>
+      <p:pic>
+        <p:nvPicPr>
+          <p:cNvPr id="5" name="Google Shape;166;p29">
+            <a:extLst>
+              <a:ext uri="{FF2B5EF4-FFF2-40B4-BE49-F238E27FC236}">
+                <a16:creationId xmlns:a16="http://schemas.microsoft.com/office/drawing/2014/main" id="{6F678F9E-E7C9-BEBB-AD8D-72E71AD825F5}"/>
+              </a:ext>
+            </a:extLst>
+          </p:cNvPr>
+          <p:cNvPicPr preferRelativeResize="0"/>
+          <p:nvPr/>
+        </p:nvPicPr>
+        <p:blipFill>
+          <a:blip r:embed="rId2">
+            <a:alphaModFix/>
+          </a:blip>
+          <a:stretch>
+            <a:fillRect/>
+          </a:stretch>
+        </p:blipFill>
+        <p:spPr>
+          <a:xfrm rot="10800000" flipH="1">
+            <a:off x="5475644" y="3122858"/>
+            <a:ext cx="1546231" cy="360850"/>
+          </a:xfrm>
+          <a:prstGeom prst="rect">
+            <a:avLst/>
+          </a:prstGeom>
+          <a:noFill/>
+          <a:ln>
+            <a:noFill/>
+          </a:ln>
+        </p:spPr>
+      </p:pic>
+    </p:spTree>
+    <p:extLst>
+      <p:ext uri="{BB962C8B-B14F-4D97-AF65-F5344CB8AC3E}">
         <p14:creationId xmlns:p14="http://schemas.microsoft.com/office/powerpoint/2010/main" val="1611347834"/>
       </p:ext>
     </p:extLst>
@@ -13696,7 +15851,7 @@
 </p:sld>
 </file>
 
-<file path=ppt/slides/slide22.xml><?xml version="1.0" encoding="utf-8"?>
+<file path=ppt/slides/slide26.xml><?xml version="1.0" encoding="utf-8"?>
 <p:sld xmlns:a="http://schemas.openxmlformats.org/drawingml/2006/main" xmlns:r="http://schemas.openxmlformats.org/officeDocument/2006/relationships" xmlns:p="http://schemas.openxmlformats.org/presentationml/2006/main">
   <p:cSld>
     <p:spTree>
@@ -14174,7 +16329,7 @@
 </p:sld>
 </file>
 
-<file path=ppt/slides/slide23.xml><?xml version="1.0" encoding="utf-8"?>
+<file path=ppt/slides/slide27.xml><?xml version="1.0" encoding="utf-8"?>
 <p:sld xmlns:a="http://schemas.openxmlformats.org/drawingml/2006/main" xmlns:r="http://schemas.openxmlformats.org/officeDocument/2006/relationships" xmlns:p="http://schemas.openxmlformats.org/presentationml/2006/main">
   <p:cSld>
     <p:spTree>
@@ -14332,7 +16487,7 @@
 </p:sld>
 </file>
 
-<file path=ppt/slides/slide24.xml><?xml version="1.0" encoding="utf-8"?>
+<file path=ppt/slides/slide28.xml><?xml version="1.0" encoding="utf-8"?>
 <p:sld xmlns:a="http://schemas.openxmlformats.org/drawingml/2006/main" xmlns:r="http://schemas.openxmlformats.org/officeDocument/2006/relationships" xmlns:p="http://schemas.openxmlformats.org/presentationml/2006/main">
   <p:cSld>
     <p:spTree>
@@ -14403,8 +16558,8 @@
         </p:nvSpPr>
         <p:spPr>
           <a:xfrm>
-            <a:off x="719999" y="1139550"/>
-            <a:ext cx="7538175" cy="3464400"/>
+            <a:off x="720000" y="881464"/>
+            <a:ext cx="7538175" cy="3817011"/>
           </a:xfrm>
           <a:prstGeom prst="rect">
             <a:avLst/>
@@ -14417,167 +16572,189 @@
           <a:lstStyle/>
           <a:p>
             <a:pPr eaLnBrk="1" hangingPunct="1"/>
-            <a:r>
-              <a:rPr lang="en-US" altLang="en-US" sz="1650" dirty="0">
+            <a:endParaRPr lang="en-US" dirty="0">
+              <a:latin typeface="Alumni Sans" panose="020B0604020202020204" charset="0"/>
+            </a:endParaRPr>
+          </a:p>
+          <a:p>
+            <a:pPr eaLnBrk="1" hangingPunct="1"/>
+            <a:r>
+              <a:rPr lang="en-US" dirty="0">
                 <a:latin typeface="Alumni Sans" panose="020B0604020202020204" charset="0"/>
-                <a:cs typeface="Times New Roman" panose="02020603050405020304" pitchFamily="18" charset="0"/>
               </a:rPr>
-              <a:t>R.B.S. </a:t>
-            </a:r>
-            <a:r>
-              <a:rPr lang="en-US" altLang="en-US" sz="1650" dirty="0" err="1">
+              <a:t>[1] N. F. F. E. B. S. L. P. d. L. Marcelo Beckmann, "A KNN </a:t>
+            </a:r>
+            <a:r>
+              <a:rPr lang="en-US" dirty="0" err="1">
                 <a:latin typeface="Alumni Sans" panose="020B0604020202020204" charset="0"/>
-                <a:cs typeface="Times New Roman" panose="02020603050405020304" pitchFamily="18" charset="0"/>
               </a:rPr>
-              <a:t>Aiman</a:t>
-            </a:r>
-            <a:r>
-              <a:rPr lang="en-US" altLang="en-US" sz="1650" dirty="0">
+              <a:t>Undersampling</a:t>
+            </a:r>
+            <a:r>
+              <a:rPr lang="en-US" dirty="0">
                 <a:latin typeface="Alumni Sans" panose="020B0604020202020204" charset="0"/>
-                <a:cs typeface="Times New Roman" panose="02020603050405020304" pitchFamily="18" charset="0"/>
+              </a:rPr>
+              <a:t> Approach for Data Balancing," Journal of Intelligent Learning Systems and Applications, vol. Vol.7 No.4, November 11, 2015.</a:t>
+            </a:r>
+          </a:p>
+          <a:p>
+            <a:pPr eaLnBrk="1" hangingPunct="1"/>
+            <a:r>
+              <a:rPr lang="en-US" dirty="0">
+                <a:latin typeface="Alumni Sans" panose="020B0604020202020204" charset="0"/>
+              </a:rPr>
+              <a:t> [2] T. &amp;. H. P. Cover, "Nearest neighbor pattern classification.," IEEE transactions on information theory, 13(1), 21-27., 1967.</a:t>
+            </a:r>
+          </a:p>
+          <a:p>
+            <a:pPr eaLnBrk="1" hangingPunct="1"/>
+            <a:r>
+              <a:rPr lang="en-US" dirty="0">
+                <a:latin typeface="Alumni Sans" panose="020B0604020202020204" charset="0"/>
+              </a:rPr>
+              <a:t> [3] K. G. K. V. Han EH.., "“Text Categorization Using Weight Adjusted k-Nearest </a:t>
+            </a:r>
+            <a:r>
+              <a:rPr lang="en-US" dirty="0" err="1">
+                <a:latin typeface="Alumni Sans" panose="020B0604020202020204" charset="0"/>
+              </a:rPr>
+              <a:t>Neighbour</a:t>
+            </a:r>
+            <a:r>
+              <a:rPr lang="en-US" dirty="0">
+                <a:latin typeface="Alumni Sans" panose="020B0604020202020204" charset="0"/>
+              </a:rPr>
+              <a:t> Classification”.," In: Cheung D., Williams G.J., Li Q. (eds) Advances in Knowledge Discovery and Data Mining. PAKDD 2001. Lecture Notes in Computer Sci, 2001. </a:t>
+            </a:r>
+          </a:p>
+          <a:p>
+            <a:pPr eaLnBrk="1" hangingPunct="1"/>
+            <a:r>
+              <a:rPr lang="en-US" dirty="0">
+                <a:latin typeface="Alumni Sans" panose="020B0604020202020204" charset="0"/>
+              </a:rPr>
+              <a:t>[4] Z. Z., " Introduction to machine learning: k-nearest neighbors.," Ann </a:t>
+            </a:r>
+            <a:r>
+              <a:rPr lang="en-US" dirty="0" err="1">
+                <a:latin typeface="Alumni Sans" panose="020B0604020202020204" charset="0"/>
+              </a:rPr>
+              <a:t>Transl</a:t>
+            </a:r>
+            <a:r>
+              <a:rPr lang="en-US" dirty="0">
+                <a:latin typeface="Alumni Sans" panose="020B0604020202020204" charset="0"/>
+              </a:rPr>
+              <a:t> Med. 2016 Jun;4(11):218., no. </a:t>
+            </a:r>
+            <a:r>
+              <a:rPr lang="en-US" dirty="0" err="1">
+                <a:latin typeface="Alumni Sans" panose="020B0604020202020204" charset="0"/>
+              </a:rPr>
+              <a:t>doi</a:t>
+            </a:r>
+            <a:r>
+              <a:rPr lang="en-US" dirty="0">
+                <a:latin typeface="Alumni Sans" panose="020B0604020202020204" charset="0"/>
+              </a:rPr>
+              <a:t>: 10.21037/atm.2016.03.37. PMID: 27386492; PMCID: PMC4916348.. </a:t>
+            </a:r>
+          </a:p>
+          <a:p>
+            <a:pPr eaLnBrk="1" hangingPunct="1"/>
+            <a:r>
+              <a:rPr lang="en-US" dirty="0">
+                <a:latin typeface="Alumni Sans" panose="020B0604020202020204" charset="0"/>
+              </a:rPr>
+              <a:t>[5] J. H. D. Z. H. Z. a. C. L. G. Song Yang, " “KNN: Informative </a:t>
+            </a:r>
+            <a:r>
+              <a:rPr lang="en-US" dirty="0" err="1">
+                <a:latin typeface="Alumni Sans" panose="020B0604020202020204" charset="0"/>
+              </a:rPr>
+              <a:t>knearest</a:t>
+            </a:r>
+            <a:r>
+              <a:rPr lang="en-US" dirty="0">
+                <a:latin typeface="Alumni Sans" panose="020B0604020202020204" charset="0"/>
               </a:rPr>
               <a:t> </a:t>
             </a:r>
             <a:r>
-              <a:rPr lang="en-US" altLang="en-US" sz="1650" dirty="0" err="1">
+              <a:rPr lang="en-US" dirty="0" err="1">
                 <a:latin typeface="Alumni Sans" panose="020B0604020202020204" charset="0"/>
-                <a:cs typeface="Times New Roman" panose="02020603050405020304" pitchFamily="18" charset="0"/>
               </a:rPr>
-              <a:t>Moldagulova</a:t>
-            </a:r>
-            <a:r>
-              <a:rPr lang="en-US" altLang="en-US" sz="1650" dirty="0">
+              <a:t>neighbour</a:t>
+            </a:r>
+            <a:r>
+              <a:rPr lang="en-US" dirty="0">
                 <a:latin typeface="Alumni Sans" panose="020B0604020202020204" charset="0"/>
-                <a:cs typeface="Times New Roman" panose="02020603050405020304" pitchFamily="18" charset="0"/>
               </a:rPr>
-              <a:t>, “Using KNN Algorithm for Classification of Textual Documents,” in 8</a:t>
-            </a:r>
-            <a:r>
-              <a:rPr lang="en-US" altLang="en-US" sz="1650" baseline="30000" dirty="0">
+              <a:t> pattern classification,”," Knowledge Discovery in Databases, , p. Pg. 248– 264., 2007. </a:t>
+            </a:r>
+          </a:p>
+          <a:p>
+            <a:pPr eaLnBrk="1" hangingPunct="1"/>
+            <a:r>
+              <a:rPr lang="en-US" dirty="0">
                 <a:latin typeface="Alumni Sans" panose="020B0604020202020204" charset="0"/>
-                <a:cs typeface="Times New Roman" panose="02020603050405020304" pitchFamily="18" charset="0"/>
               </a:rPr>
-              <a:t>th</a:t>
-            </a:r>
-            <a:r>
-              <a:rPr lang="en-US" altLang="en-US" sz="1650" dirty="0">
+              <a:t>[6] N. A. M. G. R. M. J. </a:t>
+            </a:r>
+            <a:r>
+              <a:rPr lang="en-US" dirty="0" err="1">
                 <a:latin typeface="Alumni Sans" panose="020B0604020202020204" charset="0"/>
-                <a:cs typeface="Times New Roman" panose="02020603050405020304" pitchFamily="18" charset="0"/>
               </a:rPr>
-              <a:t> International Conference on Information Technology(ICIT), 2017</a:t>
+              <a:t>Norsyela</a:t>
+            </a:r>
+            <a:r>
+              <a:rPr lang="en-US" dirty="0">
+                <a:latin typeface="Alumni Sans" panose="020B0604020202020204" charset="0"/>
+              </a:rPr>
+              <a:t> Muhammad Noor </a:t>
+            </a:r>
+            <a:r>
+              <a:rPr lang="en-US" dirty="0" err="1">
+                <a:latin typeface="Alumni Sans" panose="020B0604020202020204" charset="0"/>
+              </a:rPr>
+              <a:t>Mathivanan</a:t>
+            </a:r>
+            <a:r>
+              <a:rPr lang="en-US" dirty="0">
+                <a:latin typeface="Alumni Sans" panose="020B0604020202020204" charset="0"/>
+              </a:rPr>
+              <a:t>, "A comparative study on dimensionality reduction between principal component analysis and k-means clustering," Indonesian Journal of Electrical Engineering and Computer Science 16(2):752 , Vols. 10.11591/ijeecs.v16.i2.pp752-758, November 2019. [7]</a:t>
             </a:r>
           </a:p>
           <a:p>
             <a:pPr eaLnBrk="1" hangingPunct="1"/>
             <a:r>
-              <a:rPr lang="en-US" altLang="en-US" sz="1650" dirty="0">
+              <a:rPr lang="en-US" dirty="0">
                 <a:latin typeface="Alumni Sans" panose="020B0604020202020204" charset="0"/>
-                <a:cs typeface="Times New Roman" panose="02020603050405020304" pitchFamily="18" charset="0"/>
               </a:rPr>
-              <a:t>D. </a:t>
-            </a:r>
-            <a:r>
-              <a:rPr lang="en-US" altLang="en-US" sz="1650" dirty="0" err="1">
+              <a:t> "Euclidean Distance, https://byjus.com/maths/euclidean-distance/". </a:t>
+            </a:r>
+          </a:p>
+          <a:p>
+            <a:pPr eaLnBrk="1" hangingPunct="1"/>
+            <a:r>
+              <a:rPr lang="en-US" dirty="0">
                 <a:latin typeface="Alumni Sans" panose="020B0604020202020204" charset="0"/>
-                <a:cs typeface="Times New Roman" panose="02020603050405020304" pitchFamily="18" charset="0"/>
               </a:rPr>
-              <a:t>Dobric</a:t>
-            </a:r>
-            <a:r>
-              <a:rPr lang="en-US" altLang="en-US" sz="1650" dirty="0">
+              <a:t>[8] L. &amp;. L. C. &amp;. M. N. &amp;. M. A. </a:t>
+            </a:r>
+            <a:r>
+              <a:rPr lang="en-US" dirty="0" err="1">
                 <a:latin typeface="Alumni Sans" panose="020B0604020202020204" charset="0"/>
-                <a:cs typeface="Times New Roman" panose="02020603050405020304" pitchFamily="18" charset="0"/>
               </a:rPr>
-              <a:t>, “Influence of Input Sparsity to Hierarchical Temporal Memory Spatial Pooler Noise Robustness” 2019</a:t>
-            </a:r>
-          </a:p>
-          <a:p>
-            <a:pPr eaLnBrk="1" hangingPunct="1"/>
-            <a:r>
-              <a:rPr lang="en-US" altLang="en-US" sz="1650" dirty="0">
+              <a:t>Liberti</a:t>
+            </a:r>
+            <a:r>
+              <a:rPr lang="en-US" dirty="0">
                 <a:latin typeface="Alumni Sans" panose="020B0604020202020204" charset="0"/>
-                <a:cs typeface="Times New Roman" panose="02020603050405020304" pitchFamily="18" charset="0"/>
               </a:rPr>
-              <a:t>G. K. V. K. Eui-Hong(Sam) Han, “Text Categorization Using Weight Adjusted k-Nearest Neighbor Classification,” Department of Computer Science and Engineering University of Minnesota, USA, Minnesota, 1999</a:t>
-            </a:r>
-          </a:p>
-          <a:p>
-            <a:pPr eaLnBrk="1" hangingPunct="1"/>
-            <a:r>
-              <a:rPr lang="en-US" altLang="en-US" sz="1650" dirty="0">
-                <a:latin typeface="Alumni Sans" panose="020B0604020202020204" charset="0"/>
-                <a:cs typeface="Times New Roman" panose="02020603050405020304" pitchFamily="18" charset="0"/>
-              </a:rPr>
-              <a:t>J. H. a. D. George, “Hierarchical Temporal Memory Concepts, Theory and Terminology,” </a:t>
-            </a:r>
-            <a:r>
-              <a:rPr lang="en-US" altLang="en-US" sz="1650" dirty="0" err="1">
-                <a:latin typeface="Alumni Sans" panose="020B0604020202020204" charset="0"/>
-                <a:cs typeface="Times New Roman" panose="02020603050405020304" pitchFamily="18" charset="0"/>
-              </a:rPr>
-              <a:t>Numenta</a:t>
-            </a:r>
-            <a:r>
-              <a:rPr lang="en-US" altLang="en-US" sz="1650" dirty="0">
-                <a:latin typeface="Alumni Sans" panose="020B0604020202020204" charset="0"/>
-                <a:cs typeface="Times New Roman" panose="02020603050405020304" pitchFamily="18" charset="0"/>
-              </a:rPr>
-              <a:t>, Redwood City, CA, USA</a:t>
-            </a:r>
-          </a:p>
-          <a:p>
-            <a:pPr eaLnBrk="1" hangingPunct="1"/>
-            <a:r>
-              <a:rPr lang="en-US" altLang="en-US" sz="1650" dirty="0">
-                <a:latin typeface="Alumni Sans" panose="020B0604020202020204" charset="0"/>
-                <a:cs typeface="Times New Roman" panose="02020603050405020304" pitchFamily="18" charset="0"/>
-              </a:rPr>
-              <a:t>S. D. S. V. A. S. Kashvi </a:t>
-            </a:r>
-            <a:r>
-              <a:rPr lang="en-US" altLang="en-US" sz="1650" dirty="0" err="1">
-                <a:latin typeface="Alumni Sans" panose="020B0604020202020204" charset="0"/>
-                <a:cs typeface="Times New Roman" panose="02020603050405020304" pitchFamily="18" charset="0"/>
-              </a:rPr>
-              <a:t>Tanuk</a:t>
-            </a:r>
-            <a:r>
-              <a:rPr lang="en-US" altLang="en-US" sz="1650" dirty="0">
-                <a:latin typeface="Alumni Sans" panose="020B0604020202020204" charset="0"/>
-                <a:cs typeface="Times New Roman" panose="02020603050405020304" pitchFamily="18" charset="0"/>
-              </a:rPr>
-              <a:t>, “A Brief Review of Nearest Neighbor Algorithm for Learning and Classification,” in Proceedings of the International Conference on Intelligent Computing and Control Systems, 2019</a:t>
-            </a:r>
-          </a:p>
-          <a:p>
-            <a:pPr eaLnBrk="1" hangingPunct="1"/>
-            <a:r>
-              <a:rPr lang="en-US" altLang="en-US" sz="1650" dirty="0">
-                <a:latin typeface="Alumni Sans" panose="020B0604020202020204" charset="0"/>
-                <a:cs typeface="Times New Roman" panose="02020603050405020304" pitchFamily="18" charset="0"/>
-              </a:rPr>
-              <a:t>X. L. Y. &amp;. C. Z. Yu, “Weighted k-nearest Neighbor Algorithm based on Gaussian Kernel Function,” Journal of Ambient Intelligence and Humanized Computing, 11(5), 1985-1993</a:t>
-            </a:r>
-          </a:p>
-          <a:p>
-            <a:pPr marL="0" lvl="0" indent="0" algn="l" rtl="0">
-              <a:lnSpc>
-                <a:spcPct val="115000"/>
-              </a:lnSpc>
-              <a:spcBef>
-                <a:spcPts val="800"/>
-              </a:spcBef>
-              <a:spcAft>
-                <a:spcPts val="0"/>
-              </a:spcAft>
-              <a:buNone/>
-            </a:pPr>
-            <a:endParaRPr dirty="0">
-              <a:latin typeface="Assistant"/>
-              <a:ea typeface="Assistant"/>
-              <a:cs typeface="Assistant"/>
-              <a:sym typeface="Assistant"/>
-            </a:endParaRPr>
+              <a:t>, "Euclidean Distance Geometry and Applications," vol. SIAM Review. 56. 10.1137/120875909., 2012.</a:t>
+            </a:r>
           </a:p>
         </p:txBody>
       </p:sp>
@@ -14589,12 +16766,12 @@
 </p:sld>
 </file>
 
-<file path=ppt/slides/slide25.xml><?xml version="1.0" encoding="utf-8"?>
+<file path=ppt/slides/slide29.xml><?xml version="1.0" encoding="utf-8"?>
 <p:sld xmlns:a="http://schemas.openxmlformats.org/drawingml/2006/main" xmlns:r="http://schemas.openxmlformats.org/officeDocument/2006/relationships" xmlns:p="http://schemas.openxmlformats.org/presentationml/2006/main">
   <p:cSld>
     <p:spTree>
       <p:nvGrpSpPr>
-        <p:cNvPr id="1" name=""/>
+        <p:cNvPr id="1" name="Shape 716"/>
         <p:cNvGrpSpPr/>
         <p:nvPr/>
       </p:nvGrpSpPr>
@@ -14608,14 +16785,8 @@
       </p:grpSpPr>
       <p:sp>
         <p:nvSpPr>
-          <p:cNvPr id="2" name="Title 1">
-            <a:extLst>
-              <a:ext uri="{FF2B5EF4-FFF2-40B4-BE49-F238E27FC236}">
-                <a16:creationId xmlns:a16="http://schemas.microsoft.com/office/drawing/2014/main" id="{3BF16D10-A5B8-DCA6-4185-6DF708EA37FE}"/>
-              </a:ext>
-            </a:extLst>
-          </p:cNvPr>
-          <p:cNvSpPr>
+          <p:cNvPr id="717" name="Google Shape;717;p47"/>
+          <p:cNvSpPr txBox="1">
             <a:spLocks noGrp="1"/>
           </p:cNvSpPr>
           <p:nvPr>
@@ -14624,26 +16795,210 @@
         </p:nvSpPr>
         <p:spPr>
           <a:xfrm>
-            <a:off x="558075" y="1713900"/>
+            <a:off x="720000" y="445025"/>
             <a:ext cx="7704000" cy="572700"/>
           </a:xfrm>
+          <a:prstGeom prst="rect">
+            <a:avLst/>
+          </a:prstGeom>
         </p:spPr>
         <p:txBody>
-          <a:bodyPr/>
+          <a:bodyPr spcFirstLastPara="1" wrap="square" lIns="91425" tIns="0" rIns="91425" bIns="91425" anchor="t" anchorCtr="0">
+            <a:noAutofit/>
+          </a:bodyPr>
           <a:lstStyle/>
           <a:p>
-            <a:pPr algn="ctr"/>
-            <a:r>
-              <a:rPr lang="en-US" sz="6600" dirty="0"/>
-              <a:t>Thank You!</a:t>
-            </a:r>
+            <a:pPr marL="0" lvl="0" indent="0" algn="l" rtl="0">
+              <a:spcBef>
+                <a:spcPts val="0"/>
+              </a:spcBef>
+              <a:spcAft>
+                <a:spcPts val="0"/>
+              </a:spcAft>
+              <a:buNone/>
+            </a:pPr>
+            <a:r>
+              <a:rPr lang="en" dirty="0"/>
+              <a:t>References</a:t>
+            </a:r>
+            <a:endParaRPr dirty="0"/>
+          </a:p>
+        </p:txBody>
+      </p:sp>
+      <p:sp>
+        <p:nvSpPr>
+          <p:cNvPr id="718" name="Google Shape;718;p47"/>
+          <p:cNvSpPr txBox="1">
+            <a:spLocks noGrp="1"/>
+          </p:cNvSpPr>
+          <p:nvPr>
+            <p:ph type="body" idx="1"/>
+          </p:nvPr>
+        </p:nvSpPr>
+        <p:spPr>
+          <a:xfrm>
+            <a:off x="720000" y="1222824"/>
+            <a:ext cx="7538175" cy="3817011"/>
+          </a:xfrm>
+          <a:prstGeom prst="rect">
+            <a:avLst/>
+          </a:prstGeom>
+        </p:spPr>
+        <p:txBody>
+          <a:bodyPr spcFirstLastPara="1" wrap="square" lIns="91425" tIns="91425" rIns="91425" bIns="91425" anchor="t" anchorCtr="0">
+            <a:noAutofit/>
+          </a:bodyPr>
+          <a:lstStyle/>
+          <a:p>
+            <a:pPr eaLnBrk="1" hangingPunct="1"/>
+            <a:r>
+              <a:rPr lang="en-US" dirty="0">
+                <a:latin typeface="Alumni Sans" panose="020B0604020202020204" charset="0"/>
+              </a:rPr>
+              <a:t> [9] R. &amp;. S. Z. &amp;. Z. E. </a:t>
+            </a:r>
+            <a:r>
+              <a:rPr lang="en-US" dirty="0" err="1">
+                <a:latin typeface="Alumni Sans" panose="020B0604020202020204" charset="0"/>
+              </a:rPr>
+              <a:t>Suwanda</a:t>
+            </a:r>
+            <a:r>
+              <a:rPr lang="en-US" dirty="0">
+                <a:latin typeface="Alumni Sans" panose="020B0604020202020204" charset="0"/>
+              </a:rPr>
+              <a:t>, "Analysis of Euclidean Distance and Manhattan Distance in the K-Means Algorithm for Variations Number of Centroid K. Journal of Physics: Conference Series. 1566. 012058. 10.1088/1742-6596/1566/," 2020. </a:t>
+            </a:r>
+          </a:p>
+          <a:p>
+            <a:pPr eaLnBrk="1" hangingPunct="1"/>
+            <a:r>
+              <a:rPr lang="en-US" dirty="0">
+                <a:latin typeface="Alumni Sans" panose="020B0604020202020204" charset="0"/>
+              </a:rPr>
+              <a:t>[10] "How to Decide the Perfect Distance Metric For Your Machine Learning Model,," https://www.turing.com/kb/how-to-decide-perfectdistance- metric-for-machine-learning-model.</a:t>
+            </a:r>
+          </a:p>
+          <a:p>
+            <a:pPr eaLnBrk="1" hangingPunct="1"/>
+            <a:r>
+              <a:rPr lang="en-US" dirty="0">
+                <a:latin typeface="Alumni Sans" panose="020B0604020202020204" charset="0"/>
+              </a:rPr>
+              <a:t> [11] B. &amp;. C. M. &amp;. B. C. &amp;. H. P. Lu, "The </a:t>
+            </a:r>
+            <a:r>
+              <a:rPr lang="en-US" dirty="0" err="1">
+                <a:latin typeface="Alumni Sans" panose="020B0604020202020204" charset="0"/>
+              </a:rPr>
+              <a:t>Minkowski</a:t>
+            </a:r>
+            <a:r>
+              <a:rPr lang="en-US" dirty="0">
+                <a:latin typeface="Alumni Sans" panose="020B0604020202020204" charset="0"/>
+              </a:rPr>
+              <a:t> approach for choosing the distance metric in geographically weighted regression.," International Journal of Geographical Information Science. , Vols. 30. 1-18. 10.1080/13658816.20, 2015. </a:t>
+            </a:r>
+          </a:p>
+          <a:p>
+            <a:pPr eaLnBrk="1" hangingPunct="1"/>
+            <a:r>
+              <a:rPr lang="en-US" dirty="0">
+                <a:latin typeface="Alumni Sans" panose="020B0604020202020204" charset="0"/>
+              </a:rPr>
+              <a:t>[12] A. &amp;. K. V. &amp;. R. T. Bookstein, "Generalized Hamming Distance.," vol. Information Retrieval. 5. 10.1023/A:1020499411651., 2002. </a:t>
+            </a:r>
+          </a:p>
+          <a:p>
+            <a:pPr eaLnBrk="1" hangingPunct="1"/>
+            <a:r>
+              <a:rPr lang="en-US" dirty="0">
+                <a:latin typeface="Alumni Sans" panose="020B0604020202020204" charset="0"/>
+              </a:rPr>
+              <a:t>[13] K. Bala Priya C, "Distance Metrics: Euclidean, Manhattan, </a:t>
+            </a:r>
+            <a:r>
+              <a:rPr lang="en-US" dirty="0" err="1">
+                <a:latin typeface="Alumni Sans" panose="020B0604020202020204" charset="0"/>
+              </a:rPr>
+              <a:t>Minkowski</a:t>
+            </a:r>
+            <a:r>
+              <a:rPr lang="en-US" dirty="0">
+                <a:latin typeface="Alumni Sans" panose="020B0604020202020204" charset="0"/>
+              </a:rPr>
+              <a:t>,," https://www.kdnuggets.com/2023/03/distance-metricseuclidean-manhattan-minkowski-oh.html. </a:t>
+            </a:r>
+          </a:p>
+          <a:p>
+            <a:pPr eaLnBrk="1" hangingPunct="1"/>
+            <a:r>
+              <a:rPr lang="en-US" dirty="0">
+                <a:latin typeface="Alumni Sans" panose="020B0604020202020204" charset="0"/>
+              </a:rPr>
+              <a:t>[14] "What is the k-nearest neighbors (KNN) algorithm?," https://www.ibm.com/topics/knn. </a:t>
+            </a:r>
+          </a:p>
+          <a:p>
+            <a:pPr eaLnBrk="1" hangingPunct="1"/>
+            <a:r>
+              <a:rPr lang="en-US" dirty="0">
+                <a:latin typeface="Alumni Sans" panose="020B0604020202020204" charset="0"/>
+              </a:rPr>
+              <a:t>[15] J. R. S. H. G. S. R. Goldberger, "</a:t>
+            </a:r>
+            <a:r>
+              <a:rPr lang="en-US" dirty="0" err="1">
+                <a:latin typeface="Alumni Sans" panose="020B0604020202020204" charset="0"/>
+              </a:rPr>
+              <a:t>Neighbourhood</a:t>
+            </a:r>
+            <a:r>
+              <a:rPr lang="en-US" dirty="0">
+                <a:latin typeface="Alumni Sans" panose="020B0604020202020204" charset="0"/>
+              </a:rPr>
+              <a:t> components analysis.," NIPS (2004).</a:t>
+            </a:r>
+          </a:p>
+          <a:p>
+            <a:pPr eaLnBrk="1" hangingPunct="1"/>
+            <a:r>
+              <a:rPr lang="en-US" dirty="0">
+                <a:latin typeface="Alumni Sans" panose="020B0604020202020204" charset="0"/>
+              </a:rPr>
+              <a:t> [16] Y. J. D. &amp;. C. D. Cai, "A KNN Research Paper Classification Method Based on Shared Nearest Neighbor.," NTCIR Conference on Evaluation of Information Access Technologies., 2010. </a:t>
+            </a:r>
+          </a:p>
+          <a:p>
+            <a:pPr eaLnBrk="1" hangingPunct="1"/>
+            <a:r>
+              <a:rPr lang="en-US" dirty="0">
+                <a:latin typeface="Alumni Sans" panose="020B0604020202020204" charset="0"/>
+              </a:rPr>
+              <a:t>……..</a:t>
+            </a:r>
+          </a:p>
+          <a:p>
+            <a:pPr marL="139700" indent="0" eaLnBrk="1" hangingPunct="1">
+              <a:buNone/>
+            </a:pPr>
+            <a:r>
+              <a:rPr lang="en-US" dirty="0">
+                <a:latin typeface="Alumni Sans" panose="020B0604020202020204" charset="0"/>
+              </a:rPr>
+              <a:t>.</a:t>
+            </a:r>
+            <a:endParaRPr lang="en-US" dirty="0">
+              <a:latin typeface="Alumni Sans" panose="020B0604020202020204" charset="0"/>
+              <a:sym typeface="Assistant"/>
+            </a:endParaRPr>
           </a:p>
         </p:txBody>
       </p:sp>
     </p:spTree>
     <p:extLst>
       <p:ext uri="{BB962C8B-B14F-4D97-AF65-F5344CB8AC3E}">
-        <p14:creationId xmlns:p14="http://schemas.microsoft.com/office/powerpoint/2010/main" val="2596086119"/>
+        <p14:creationId xmlns:p14="http://schemas.microsoft.com/office/powerpoint/2010/main" val="3886711660"/>
       </p:ext>
     </p:extLst>
   </p:cSld>
@@ -14881,7 +17236,7 @@
               <a:rPr lang="en-US" sz="1800" dirty="0">
                 <a:latin typeface="Alumni Sans" panose="020B0604020202020204" charset="0"/>
               </a:rPr>
-              <a:t>Concluding the value of K based on different results</a:t>
+              <a:t>Approaches and challenges face while executing the project</a:t>
             </a:r>
           </a:p>
           <a:p>
@@ -15227,12 +17582,76 @@
             </a:pPr>
             <a:r>
               <a:rPr lang="en-US" dirty="0"/>
-              <a:t>Define the Value of K</a:t>
+              <a:t>Approaches and Challenges </a:t>
             </a:r>
           </a:p>
         </p:txBody>
       </p:sp>
     </p:spTree>
+  </p:cSld>
+  <p:clrMapOvr>
+    <a:masterClrMapping/>
+  </p:clrMapOvr>
+</p:sld>
+</file>
+
+<file path=ppt/slides/slide30.xml><?xml version="1.0" encoding="utf-8"?>
+<p:sld xmlns:a="http://schemas.openxmlformats.org/drawingml/2006/main" xmlns:r="http://schemas.openxmlformats.org/officeDocument/2006/relationships" xmlns:p="http://schemas.openxmlformats.org/presentationml/2006/main">
+  <p:cSld>
+    <p:spTree>
+      <p:nvGrpSpPr>
+        <p:cNvPr id="1" name=""/>
+        <p:cNvGrpSpPr/>
+        <p:nvPr/>
+      </p:nvGrpSpPr>
+      <p:grpSpPr>
+        <a:xfrm>
+          <a:off x="0" y="0"/>
+          <a:ext cx="0" cy="0"/>
+          <a:chOff x="0" y="0"/>
+          <a:chExt cx="0" cy="0"/>
+        </a:xfrm>
+      </p:grpSpPr>
+      <p:sp>
+        <p:nvSpPr>
+          <p:cNvPr id="2" name="Title 1">
+            <a:extLst>
+              <a:ext uri="{FF2B5EF4-FFF2-40B4-BE49-F238E27FC236}">
+                <a16:creationId xmlns:a16="http://schemas.microsoft.com/office/drawing/2014/main" id="{3BF16D10-A5B8-DCA6-4185-6DF708EA37FE}"/>
+              </a:ext>
+            </a:extLst>
+          </p:cNvPr>
+          <p:cNvSpPr>
+            <a:spLocks noGrp="1"/>
+          </p:cNvSpPr>
+          <p:nvPr>
+            <p:ph type="title"/>
+          </p:nvPr>
+        </p:nvSpPr>
+        <p:spPr>
+          <a:xfrm>
+            <a:off x="558075" y="1713900"/>
+            <a:ext cx="7704000" cy="572700"/>
+          </a:xfrm>
+        </p:spPr>
+        <p:txBody>
+          <a:bodyPr/>
+          <a:lstStyle/>
+          <a:p>
+            <a:pPr algn="ctr"/>
+            <a:r>
+              <a:rPr lang="en-US" sz="6600" dirty="0"/>
+              <a:t>Thank You!</a:t>
+            </a:r>
+          </a:p>
+        </p:txBody>
+      </p:sp>
+    </p:spTree>
+    <p:extLst>
+      <p:ext uri="{BB962C8B-B14F-4D97-AF65-F5344CB8AC3E}">
+        <p14:creationId xmlns:p14="http://schemas.microsoft.com/office/powerpoint/2010/main" val="2596086119"/>
+      </p:ext>
+    </p:extLst>
   </p:cSld>
   <p:clrMapOvr>
     <a:masterClrMapping/>

--- a/Myproject/Documentation/Investigate and Implement KNN Classifier_Global Variable-Project_presentation.pptx
+++ b/Myproject/Documentation/Investigate and Implement KNN Classifier_Global Variable-Project_presentation.pptx
@@ -59,30 +59,23 @@
       <p:bold r:id="rId39"/>
     </p:embeddedFont>
     <p:embeddedFont>
-      <p:font typeface="Cascadia Mono" panose="020B0609020000020004" pitchFamily="49" charset="0"/>
+      <p:font typeface="DM Sans" pitchFamily="2" charset="0"/>
       <p:regular r:id="rId40"/>
       <p:bold r:id="rId41"/>
       <p:italic r:id="rId42"/>
       <p:boldItalic r:id="rId43"/>
     </p:embeddedFont>
     <p:embeddedFont>
-      <p:font typeface="DM Sans" pitchFamily="2" charset="0"/>
+      <p:font typeface="Lato" panose="020F0502020204030203" pitchFamily="34" charset="0"/>
       <p:regular r:id="rId44"/>
       <p:bold r:id="rId45"/>
       <p:italic r:id="rId46"/>
       <p:boldItalic r:id="rId47"/>
     </p:embeddedFont>
     <p:embeddedFont>
-      <p:font typeface="Lato" panose="020F0502020204030203" pitchFamily="34" charset="0"/>
+      <p:font typeface="Nunito Light" pitchFamily="2" charset="0"/>
       <p:regular r:id="rId48"/>
-      <p:bold r:id="rId49"/>
-      <p:italic r:id="rId50"/>
-      <p:boldItalic r:id="rId51"/>
-    </p:embeddedFont>
-    <p:embeddedFont>
-      <p:font typeface="Nunito Light" pitchFamily="2" charset="0"/>
-      <p:regular r:id="rId52"/>
-      <p:italic r:id="rId53"/>
+      <p:italic r:id="rId49"/>
     </p:embeddedFont>
   </p:embeddedFontLst>
   <p:defaultTextStyle>
@@ -13315,8 +13308,8 @@
         </p:nvSpPr>
         <p:spPr>
           <a:xfrm>
-            <a:off x="1333143" y="2136449"/>
-            <a:ext cx="7810857" cy="2246769"/>
+            <a:off x="1333144" y="2040823"/>
+            <a:ext cx="6135881" cy="2508379"/>
           </a:xfrm>
           <a:prstGeom prst="rect">
             <a:avLst/>
@@ -13338,14 +13331,14 @@
               </a:spcAft>
             </a:pPr>
             <a:r>
-              <a:rPr lang="en-US" sz="1000" dirty="0">
+              <a:rPr lang="en-US" sz="1100" dirty="0">
                 <a:solidFill>
                   <a:srgbClr val="000000"/>
                 </a:solidFill>
                 <a:effectLst/>
-                <a:latin typeface="Cascadia Mono" panose="020B0609020000020004" pitchFamily="49" charset="0"/>
+                <a:latin typeface="Times New Roman" panose="02020603050405020304" pitchFamily="18" charset="0"/>
                 <a:ea typeface="Aptos" panose="020B0004020202020204" pitchFamily="34" charset="0"/>
-                <a:cs typeface="Cascadia Mono" panose="020B0609020000020004" pitchFamily="49" charset="0"/>
+                <a:cs typeface="Times New Roman" panose="02020603050405020304" pitchFamily="18" charset="0"/>
               </a:rPr>
               <a:t>Classified data = [   </a:t>
             </a:r>
@@ -13360,30 +13353,30 @@
               </a:spcAft>
             </a:pPr>
             <a:r>
-              <a:rPr lang="en-US" sz="1000" dirty="0">
-                <a:latin typeface="Cascadia Mono" panose="020B0609020000020004" pitchFamily="49" charset="0"/>
+              <a:rPr lang="en-US" sz="1100" dirty="0">
+                <a:latin typeface="Times New Roman" panose="02020603050405020304" pitchFamily="18" charset="0"/>
                 <a:ea typeface="Aptos" panose="020B0004020202020204" pitchFamily="34" charset="0"/>
-                <a:cs typeface="Cascadia Mono" panose="020B0609020000020004" pitchFamily="49" charset="0"/>
+                <a:cs typeface="Times New Roman" panose="02020603050405020304" pitchFamily="18" charset="0"/>
               </a:rPr>
               <a:t>    </a:t>
             </a:r>
             <a:r>
-              <a:rPr lang="en-US" sz="1000" dirty="0">
+              <a:rPr lang="en-US" sz="1100" dirty="0">
                 <a:solidFill>
                   <a:srgbClr val="000000"/>
                 </a:solidFill>
                 <a:effectLst/>
-                <a:latin typeface="Cascadia Mono" panose="020B0609020000020004" pitchFamily="49" charset="0"/>
+                <a:latin typeface="Times New Roman" panose="02020603050405020304" pitchFamily="18" charset="0"/>
                 <a:ea typeface="Aptos" panose="020B0004020202020204" pitchFamily="34" charset="0"/>
-                <a:cs typeface="Cascadia Mono" panose="020B0609020000020004" pitchFamily="49" charset="0"/>
+                <a:cs typeface="Times New Roman" panose="02020603050405020304" pitchFamily="18" charset="0"/>
               </a:rPr>
               <a:t>{ 7, 18, 24, 29,……, 1012, 0 };</a:t>
             </a:r>
-            <a:endParaRPr lang="en-US" sz="1000" dirty="0">
+            <a:endParaRPr lang="en-US" sz="1100" dirty="0">
               <a:effectLst/>
-              <a:latin typeface="Cascadia Mono" panose="020B0609020000020004" pitchFamily="49" charset="0"/>
+              <a:latin typeface="Times New Roman" panose="02020603050405020304" pitchFamily="18" charset="0"/>
               <a:ea typeface="SimSun" panose="02010600030101010101" pitchFamily="2" charset="-122"/>
-              <a:cs typeface="Cascadia Mono" panose="020B0609020000020004" pitchFamily="49" charset="0"/>
+              <a:cs typeface="Times New Roman" panose="02020603050405020304" pitchFamily="18" charset="0"/>
             </a:endParaRPr>
           </a:p>
           <a:p>
@@ -13396,22 +13389,22 @@
               </a:spcAft>
             </a:pPr>
             <a:r>
-              <a:rPr lang="en-US" sz="1000" dirty="0">
+              <a:rPr lang="en-US" sz="1100" dirty="0">
                 <a:solidFill>
                   <a:srgbClr val="000000"/>
                 </a:solidFill>
                 <a:effectLst/>
-                <a:latin typeface="Cascadia Mono" panose="020B0609020000020004" pitchFamily="49" charset="0"/>
+                <a:latin typeface="Times New Roman" panose="02020603050405020304" pitchFamily="18" charset="0"/>
                 <a:ea typeface="Aptos" panose="020B0004020202020204" pitchFamily="34" charset="0"/>
-                <a:cs typeface="Cascadia Mono" panose="020B0609020000020004" pitchFamily="49" charset="0"/>
+                <a:cs typeface="Times New Roman" panose="02020603050405020304" pitchFamily="18" charset="0"/>
               </a:rPr>
               <a:t>    { 25, 31, 44, 48,…… ,188, 1 };</a:t>
             </a:r>
-            <a:endParaRPr lang="en-US" sz="1000" dirty="0">
+            <a:endParaRPr lang="en-US" sz="1100" dirty="0">
               <a:effectLst/>
-              <a:latin typeface="Cascadia Mono" panose="020B0609020000020004" pitchFamily="49" charset="0"/>
+              <a:latin typeface="Times New Roman" panose="02020603050405020304" pitchFamily="18" charset="0"/>
               <a:ea typeface="SimSun" panose="02010600030101010101" pitchFamily="2" charset="-122"/>
-              <a:cs typeface="Cascadia Mono" panose="020B0609020000020004" pitchFamily="49" charset="0"/>
+              <a:cs typeface="Times New Roman" panose="02020603050405020304" pitchFamily="18" charset="0"/>
             </a:endParaRPr>
           </a:p>
           <a:p>
@@ -13424,22 +13417,22 @@
               </a:spcAft>
             </a:pPr>
             <a:r>
-              <a:rPr lang="en-US" sz="1000" dirty="0">
+              <a:rPr lang="en-US" sz="1100" dirty="0">
                 <a:solidFill>
                   <a:srgbClr val="000000"/>
                 </a:solidFill>
                 <a:effectLst/>
-                <a:latin typeface="Cascadia Mono" panose="020B0609020000020004" pitchFamily="49" charset="0"/>
+                <a:latin typeface="Times New Roman" panose="02020603050405020304" pitchFamily="18" charset="0"/>
                 <a:ea typeface="Aptos" panose="020B0004020202020204" pitchFamily="34" charset="0"/>
-                <a:cs typeface="Cascadia Mono" panose="020B0609020000020004" pitchFamily="49" charset="0"/>
+                <a:cs typeface="Times New Roman" panose="02020603050405020304" pitchFamily="18" charset="0"/>
               </a:rPr>
               <a:t>    { 118, 123, 127, 156,………, 340, 2 };</a:t>
             </a:r>
-            <a:endParaRPr lang="en-US" sz="1000" dirty="0">
+            <a:endParaRPr lang="en-US" sz="1100" dirty="0">
               <a:effectLst/>
-              <a:latin typeface="Cascadia Mono" panose="020B0609020000020004" pitchFamily="49" charset="0"/>
+              <a:latin typeface="Times New Roman" panose="02020603050405020304" pitchFamily="18" charset="0"/>
               <a:ea typeface="SimSun" panose="02010600030101010101" pitchFamily="2" charset="-122"/>
-              <a:cs typeface="Cascadia Mono" panose="020B0609020000020004" pitchFamily="49" charset="0"/>
+              <a:cs typeface="Times New Roman" panose="02020603050405020304" pitchFamily="18" charset="0"/>
             </a:endParaRPr>
           </a:p>
           <a:p>
@@ -13452,22 +13445,22 @@
               </a:spcAft>
             </a:pPr>
             <a:r>
-              <a:rPr lang="en-US" sz="1000" dirty="0">
+              <a:rPr lang="en-US" sz="1100" dirty="0">
                 <a:solidFill>
                   <a:srgbClr val="000000"/>
                 </a:solidFill>
                 <a:effectLst/>
-                <a:latin typeface="Cascadia Mono" panose="020B0609020000020004" pitchFamily="49" charset="0"/>
+                <a:latin typeface="Times New Roman" panose="02020603050405020304" pitchFamily="18" charset="0"/>
                 <a:ea typeface="Aptos" panose="020B0004020202020204" pitchFamily="34" charset="0"/>
-                <a:cs typeface="Cascadia Mono" panose="020B0609020000020004" pitchFamily="49" charset="0"/>
+                <a:cs typeface="Times New Roman" panose="02020603050405020304" pitchFamily="18" charset="0"/>
               </a:rPr>
               <a:t>    { 240, 242, 257, 266,………., 444, 3 };</a:t>
             </a:r>
-            <a:endParaRPr lang="en-US" sz="1000" dirty="0">
+            <a:endParaRPr lang="en-US" sz="1100" dirty="0">
               <a:effectLst/>
-              <a:latin typeface="Cascadia Mono" panose="020B0609020000020004" pitchFamily="49" charset="0"/>
+              <a:latin typeface="Times New Roman" panose="02020603050405020304" pitchFamily="18" charset="0"/>
               <a:ea typeface="SimSun" panose="02010600030101010101" pitchFamily="2" charset="-122"/>
-              <a:cs typeface="Cascadia Mono" panose="020B0609020000020004" pitchFamily="49" charset="0"/>
+              <a:cs typeface="Times New Roman" panose="02020603050405020304" pitchFamily="18" charset="0"/>
             </a:endParaRPr>
           </a:p>
           <a:p>
@@ -13480,22 +13473,22 @@
               </a:spcAft>
             </a:pPr>
             <a:r>
-              <a:rPr lang="en-US" sz="1000" dirty="0">
+              <a:rPr lang="en-US" sz="1100" dirty="0">
                 <a:solidFill>
                   <a:srgbClr val="000000"/>
                 </a:solidFill>
                 <a:effectLst/>
-                <a:latin typeface="Cascadia Mono" panose="020B0609020000020004" pitchFamily="49" charset="0"/>
+                <a:latin typeface="Times New Roman" panose="02020603050405020304" pitchFamily="18" charset="0"/>
                 <a:ea typeface="Aptos" panose="020B0004020202020204" pitchFamily="34" charset="0"/>
-                <a:cs typeface="Cascadia Mono" panose="020B0609020000020004" pitchFamily="49" charset="0"/>
+                <a:cs typeface="Times New Roman" panose="02020603050405020304" pitchFamily="18" charset="0"/>
               </a:rPr>
               <a:t>    { 302, 314, 324, 327,……., 518, 4 };</a:t>
             </a:r>
-            <a:endParaRPr lang="en-US" sz="1000" dirty="0">
+            <a:endParaRPr lang="en-US" sz="1100" dirty="0">
               <a:effectLst/>
-              <a:latin typeface="Cascadia Mono" panose="020B0609020000020004" pitchFamily="49" charset="0"/>
+              <a:latin typeface="Times New Roman" panose="02020603050405020304" pitchFamily="18" charset="0"/>
               <a:ea typeface="SimSun" panose="02010600030101010101" pitchFamily="2" charset="-122"/>
-              <a:cs typeface="Cascadia Mono" panose="020B0609020000020004" pitchFamily="49" charset="0"/>
+              <a:cs typeface="Times New Roman" panose="02020603050405020304" pitchFamily="18" charset="0"/>
             </a:endParaRPr>
           </a:p>
           <a:p>
@@ -13508,22 +13501,22 @@
               </a:spcAft>
             </a:pPr>
             <a:r>
-              <a:rPr lang="en-US" sz="1000" dirty="0">
+              <a:rPr lang="en-US" sz="1100" dirty="0">
                 <a:solidFill>
                   <a:srgbClr val="000000"/>
                 </a:solidFill>
                 <a:effectLst/>
-                <a:latin typeface="Cascadia Mono" panose="020B0609020000020004" pitchFamily="49" charset="0"/>
+                <a:latin typeface="Times New Roman" panose="02020603050405020304" pitchFamily="18" charset="0"/>
                 <a:ea typeface="Aptos" panose="020B0004020202020204" pitchFamily="34" charset="0"/>
-                <a:cs typeface="Cascadia Mono" panose="020B0609020000020004" pitchFamily="49" charset="0"/>
+                <a:cs typeface="Times New Roman" panose="02020603050405020304" pitchFamily="18" charset="0"/>
               </a:rPr>
               <a:t>    { 393, 405, 428, 429,…….., 624, 5 };</a:t>
             </a:r>
-            <a:endParaRPr lang="en-US" sz="1000" dirty="0">
+            <a:endParaRPr lang="en-US" sz="1100" dirty="0">
               <a:effectLst/>
-              <a:latin typeface="Cascadia Mono" panose="020B0609020000020004" pitchFamily="49" charset="0"/>
+              <a:latin typeface="Times New Roman" panose="02020603050405020304" pitchFamily="18" charset="0"/>
               <a:ea typeface="SimSun" panose="02010600030101010101" pitchFamily="2" charset="-122"/>
-              <a:cs typeface="Cascadia Mono" panose="020B0609020000020004" pitchFamily="49" charset="0"/>
+              <a:cs typeface="Times New Roman" panose="02020603050405020304" pitchFamily="18" charset="0"/>
             </a:endParaRPr>
           </a:p>
           <a:p>
@@ -13536,22 +13529,22 @@
               </a:spcAft>
             </a:pPr>
             <a:r>
-              <a:rPr lang="en-US" sz="1000" dirty="0">
+              <a:rPr lang="en-US" sz="1100" dirty="0">
                 <a:solidFill>
                   <a:srgbClr val="000000"/>
                 </a:solidFill>
                 <a:effectLst/>
-                <a:latin typeface="Cascadia Mono" panose="020B0609020000020004" pitchFamily="49" charset="0"/>
+                <a:latin typeface="Times New Roman" panose="02020603050405020304" pitchFamily="18" charset="0"/>
                 <a:ea typeface="Aptos" panose="020B0004020202020204" pitchFamily="34" charset="0"/>
-                <a:cs typeface="Cascadia Mono" panose="020B0609020000020004" pitchFamily="49" charset="0"/>
+                <a:cs typeface="Times New Roman" panose="02020603050405020304" pitchFamily="18" charset="0"/>
               </a:rPr>
               <a:t>    { 483, 487, 500, 509,………, 726, 6 };</a:t>
             </a:r>
-            <a:endParaRPr lang="en-US" sz="1000" dirty="0">
+            <a:endParaRPr lang="en-US" sz="1100" dirty="0">
               <a:effectLst/>
-              <a:latin typeface="Cascadia Mono" panose="020B0609020000020004" pitchFamily="49" charset="0"/>
+              <a:latin typeface="Times New Roman" panose="02020603050405020304" pitchFamily="18" charset="0"/>
               <a:ea typeface="SimSun" panose="02010600030101010101" pitchFamily="2" charset="-122"/>
-              <a:cs typeface="Cascadia Mono" panose="020B0609020000020004" pitchFamily="49" charset="0"/>
+              <a:cs typeface="Times New Roman" panose="02020603050405020304" pitchFamily="18" charset="0"/>
             </a:endParaRPr>
           </a:p>
           <a:p>
@@ -13564,22 +13557,22 @@
               </a:spcAft>
             </a:pPr>
             <a:r>
-              <a:rPr lang="en-US" sz="1000" dirty="0">
+              <a:rPr lang="en-US" sz="1100" dirty="0">
                 <a:solidFill>
                   <a:srgbClr val="000000"/>
                 </a:solidFill>
                 <a:effectLst/>
-                <a:latin typeface="Cascadia Mono" panose="020B0609020000020004" pitchFamily="49" charset="0"/>
+                <a:latin typeface="Times New Roman" panose="02020603050405020304" pitchFamily="18" charset="0"/>
                 <a:ea typeface="Aptos" panose="020B0004020202020204" pitchFamily="34" charset="0"/>
-                <a:cs typeface="Cascadia Mono" panose="020B0609020000020004" pitchFamily="49" charset="0"/>
+                <a:cs typeface="Times New Roman" panose="02020603050405020304" pitchFamily="18" charset="0"/>
               </a:rPr>
               <a:t>    { 579, 587, 595, 607,…………, 814, 7 };</a:t>
             </a:r>
-            <a:endParaRPr lang="en-US" sz="1000" dirty="0">
+            <a:endParaRPr lang="en-US" sz="1100" dirty="0">
               <a:effectLst/>
-              <a:latin typeface="Cascadia Mono" panose="020B0609020000020004" pitchFamily="49" charset="0"/>
+              <a:latin typeface="Times New Roman" panose="02020603050405020304" pitchFamily="18" charset="0"/>
               <a:ea typeface="SimSun" panose="02010600030101010101" pitchFamily="2" charset="-122"/>
-              <a:cs typeface="Cascadia Mono" panose="020B0609020000020004" pitchFamily="49" charset="0"/>
+              <a:cs typeface="Times New Roman" panose="02020603050405020304" pitchFamily="18" charset="0"/>
             </a:endParaRPr>
           </a:p>
           <a:p>
@@ -13592,22 +13585,22 @@
               </a:spcAft>
             </a:pPr>
             <a:r>
-              <a:rPr lang="en-US" sz="1000" dirty="0">
+              <a:rPr lang="en-US" sz="1100" dirty="0">
                 <a:solidFill>
                   <a:srgbClr val="000000"/>
                 </a:solidFill>
                 <a:effectLst/>
-                <a:latin typeface="Cascadia Mono" panose="020B0609020000020004" pitchFamily="49" charset="0"/>
+                <a:latin typeface="Times New Roman" panose="02020603050405020304" pitchFamily="18" charset="0"/>
                 <a:ea typeface="Aptos" panose="020B0004020202020204" pitchFamily="34" charset="0"/>
-                <a:cs typeface="Cascadia Mono" panose="020B0609020000020004" pitchFamily="49" charset="0"/>
+                <a:cs typeface="Times New Roman" panose="02020603050405020304" pitchFamily="18" charset="0"/>
               </a:rPr>
               <a:t>    { 676, 691, 700, 707,……… ,  916, 8 };</a:t>
             </a:r>
-            <a:endParaRPr lang="en-US" sz="1000" dirty="0">
+            <a:endParaRPr lang="en-US" sz="1100" dirty="0">
               <a:effectLst/>
-              <a:latin typeface="Cascadia Mono" panose="020B0609020000020004" pitchFamily="49" charset="0"/>
+              <a:latin typeface="Times New Roman" panose="02020603050405020304" pitchFamily="18" charset="0"/>
               <a:ea typeface="SimSun" panose="02010600030101010101" pitchFamily="2" charset="-122"/>
-              <a:cs typeface="Cascadia Mono" panose="020B0609020000020004" pitchFamily="49" charset="0"/>
+              <a:cs typeface="Times New Roman" panose="02020603050405020304" pitchFamily="18" charset="0"/>
             </a:endParaRPr>
           </a:p>
           <a:p>
@@ -13620,22 +13613,22 @@
               </a:spcAft>
             </a:pPr>
             <a:r>
-              <a:rPr lang="en-US" sz="1000" dirty="0">
+              <a:rPr lang="en-US" sz="1100" dirty="0">
                 <a:solidFill>
                   <a:srgbClr val="000000"/>
                 </a:solidFill>
                 <a:effectLst/>
-                <a:latin typeface="Cascadia Mono" panose="020B0609020000020004" pitchFamily="49" charset="0"/>
+                <a:latin typeface="Times New Roman" panose="02020603050405020304" pitchFamily="18" charset="0"/>
                 <a:ea typeface="Aptos" panose="020B0004020202020204" pitchFamily="34" charset="0"/>
-                <a:cs typeface="Cascadia Mono" panose="020B0609020000020004" pitchFamily="49" charset="0"/>
+                <a:cs typeface="Times New Roman" panose="02020603050405020304" pitchFamily="18" charset="0"/>
               </a:rPr>
               <a:t>    { 772, 779, 780, 800,…………., 1007, 9 };</a:t>
             </a:r>
-            <a:endParaRPr lang="en-US" sz="1000" dirty="0">
+            <a:endParaRPr lang="en-US" sz="1100" dirty="0">
               <a:effectLst/>
-              <a:latin typeface="Cascadia Mono" panose="020B0609020000020004" pitchFamily="49" charset="0"/>
+              <a:latin typeface="Times New Roman" panose="02020603050405020304" pitchFamily="18" charset="0"/>
               <a:ea typeface="SimSun" panose="02010600030101010101" pitchFamily="2" charset="-122"/>
-              <a:cs typeface="Cascadia Mono" panose="020B0609020000020004" pitchFamily="49" charset="0"/>
+              <a:cs typeface="Times New Roman" panose="02020603050405020304" pitchFamily="18" charset="0"/>
             </a:endParaRPr>
           </a:p>
           <a:p>
@@ -13648,22 +13641,22 @@
               </a:spcAft>
             </a:pPr>
             <a:r>
-              <a:rPr lang="en-US" sz="1000" dirty="0">
+              <a:rPr lang="en-US" sz="1100" dirty="0">
                 <a:solidFill>
                   <a:srgbClr val="000000"/>
                 </a:solidFill>
                 <a:effectLst/>
-                <a:latin typeface="Cascadia Mono" panose="020B0609020000020004" pitchFamily="49" charset="0"/>
+                <a:latin typeface="Times New Roman" panose="02020603050405020304" pitchFamily="18" charset="0"/>
                 <a:ea typeface="Aptos" panose="020B0004020202020204" pitchFamily="34" charset="0"/>
-                <a:cs typeface="Cascadia Mono" panose="020B0609020000020004" pitchFamily="49" charset="0"/>
+                <a:cs typeface="Times New Roman" panose="02020603050405020304" pitchFamily="18" charset="0"/>
               </a:rPr>
               <a:t> ]</a:t>
             </a:r>
-            <a:endParaRPr lang="en-US" sz="1000" dirty="0">
+            <a:endParaRPr lang="en-US" sz="1100" dirty="0">
               <a:effectLst/>
-              <a:latin typeface="Cascadia Mono" panose="020B0609020000020004" pitchFamily="49" charset="0"/>
+              <a:latin typeface="Times New Roman" panose="02020603050405020304" pitchFamily="18" charset="0"/>
               <a:ea typeface="SimSun" panose="02010600030101010101" pitchFamily="2" charset="-122"/>
-              <a:cs typeface="Cascadia Mono" panose="020B0609020000020004" pitchFamily="49" charset="0"/>
+              <a:cs typeface="Times New Roman" panose="02020603050405020304" pitchFamily="18" charset="0"/>
             </a:endParaRPr>
           </a:p>
           <a:p>
@@ -13676,22 +13669,22 @@
               </a:spcAft>
             </a:pPr>
             <a:r>
-              <a:rPr lang="en-US" sz="1000" dirty="0">
+              <a:rPr lang="en-US" sz="1100" dirty="0">
                 <a:solidFill>
                   <a:srgbClr val="000000"/>
                 </a:solidFill>
                 <a:effectLst/>
-                <a:latin typeface="Cascadia Mono" panose="020B0609020000020004" pitchFamily="49" charset="0"/>
+                <a:latin typeface="Times New Roman" panose="02020603050405020304" pitchFamily="18" charset="0"/>
                 <a:ea typeface="Aptos" panose="020B0004020202020204" pitchFamily="34" charset="0"/>
-                <a:cs typeface="Cascadia Mono" panose="020B0609020000020004" pitchFamily="49" charset="0"/>
+                <a:cs typeface="Times New Roman" panose="02020603050405020304" pitchFamily="18" charset="0"/>
               </a:rPr>
               <a:t> </a:t>
             </a:r>
-            <a:endParaRPr lang="en-US" sz="1000" dirty="0">
+            <a:endParaRPr lang="en-US" sz="1100" dirty="0">
               <a:effectLst/>
-              <a:latin typeface="Cascadia Mono" panose="020B0609020000020004" pitchFamily="49" charset="0"/>
+              <a:latin typeface="Times New Roman" panose="02020603050405020304" pitchFamily="18" charset="0"/>
               <a:ea typeface="SimSun" panose="02010600030101010101" pitchFamily="2" charset="-122"/>
-              <a:cs typeface="Cascadia Mono" panose="020B0609020000020004" pitchFamily="49" charset="0"/>
+              <a:cs typeface="Times New Roman" panose="02020603050405020304" pitchFamily="18" charset="0"/>
             </a:endParaRPr>
           </a:p>
           <a:p>
@@ -13704,40 +13697,52 @@
               </a:spcAft>
             </a:pPr>
             <a:r>
-              <a:rPr lang="en-US" sz="1000" dirty="0">
+              <a:rPr lang="en-US" sz="1100" dirty="0">
                 <a:solidFill>
                   <a:srgbClr val="000000"/>
                 </a:solidFill>
                 <a:effectLst/>
-                <a:latin typeface="Cascadia Mono" panose="020B0609020000020004" pitchFamily="49" charset="0"/>
+                <a:latin typeface="Times New Roman" panose="02020603050405020304" pitchFamily="18" charset="0"/>
                 <a:ea typeface="Aptos" panose="020B0004020202020204" pitchFamily="34" charset="0"/>
-                <a:cs typeface="Cascadia Mono" panose="020B0609020000020004" pitchFamily="49" charset="0"/>
+                <a:cs typeface="Times New Roman" panose="02020603050405020304" pitchFamily="18" charset="0"/>
               </a:rPr>
               <a:t>Unclassified </a:t>
             </a:r>
             <a:r>
-              <a:rPr lang="en-US" sz="1000" dirty="0">
-                <a:latin typeface="Cascadia Mono" panose="020B0609020000020004" pitchFamily="49" charset="0"/>
+              <a:rPr lang="en-US" sz="1100" dirty="0">
+                <a:latin typeface="Times New Roman" panose="02020603050405020304" pitchFamily="18" charset="0"/>
                 <a:ea typeface="Aptos" panose="020B0004020202020204" pitchFamily="34" charset="0"/>
-                <a:cs typeface="Cascadia Mono" panose="020B0609020000020004" pitchFamily="49" charset="0"/>
+                <a:cs typeface="Times New Roman" panose="02020603050405020304" pitchFamily="18" charset="0"/>
               </a:rPr>
               <a:t>data </a:t>
             </a:r>
             <a:r>
-              <a:rPr lang="en-US" sz="1000" dirty="0">
+              <a:rPr lang="en-US" sz="1100" dirty="0">
                 <a:solidFill>
                   <a:srgbClr val="000000"/>
                 </a:solidFill>
                 <a:effectLst/>
-                <a:latin typeface="Cascadia Mono" panose="020B0609020000020004" pitchFamily="49" charset="0"/>
+                <a:latin typeface="Times New Roman" panose="02020603050405020304" pitchFamily="18" charset="0"/>
                 <a:ea typeface="Aptos" panose="020B0004020202020204" pitchFamily="34" charset="0"/>
-                <a:cs typeface="Cascadia Mono" panose="020B0609020000020004" pitchFamily="49" charset="0"/>
+                <a:cs typeface="Times New Roman" panose="02020603050405020304" pitchFamily="18" charset="0"/>
               </a:rPr>
-              <a:t>= {461, 495, 515, 501,…, 712 }</a:t>
-            </a:r>
-            <a:endParaRPr lang="en-US" sz="1000" dirty="0">
-              <a:latin typeface="Cascadia Mono" panose="020B0609020000020004" pitchFamily="49" charset="0"/>
-              <a:cs typeface="Cascadia Mono" panose="020B0609020000020004" pitchFamily="49" charset="0"/>
+              <a:t>= {461, 495, 515, 501,…, 712 </a:t>
+            </a:r>
+            <a:r>
+              <a:rPr lang="en-US" dirty="0">
+                <a:solidFill>
+                  <a:srgbClr val="000000"/>
+                </a:solidFill>
+                <a:effectLst/>
+                <a:latin typeface="Times New Roman" panose="02020603050405020304" pitchFamily="18" charset="0"/>
+                <a:ea typeface="Aptos" panose="020B0004020202020204" pitchFamily="34" charset="0"/>
+                <a:cs typeface="Times New Roman" panose="02020603050405020304" pitchFamily="18" charset="0"/>
+              </a:rPr>
+              <a:t>}</a:t>
+            </a:r>
+            <a:endParaRPr lang="en-US" dirty="0">
+              <a:latin typeface="Times New Roman" panose="02020603050405020304" pitchFamily="18" charset="0"/>
+              <a:cs typeface="Times New Roman" panose="02020603050405020304" pitchFamily="18" charset="0"/>
             </a:endParaRPr>
           </a:p>
         </p:txBody>
@@ -13912,7 +13917,7 @@
         <p:spPr>
           <a:xfrm>
             <a:off x="957130" y="2119357"/>
-            <a:ext cx="7998864" cy="2862322"/>
+            <a:ext cx="7998864" cy="3139321"/>
           </a:xfrm>
           <a:prstGeom prst="rect">
             <a:avLst/>
@@ -13934,516 +13939,558 @@
               </a:spcAft>
             </a:pPr>
             <a:r>
-              <a:rPr lang="en-US" sz="1000" dirty="0">
-                <a:solidFill>
-                  <a:srgbClr val="000000"/>
-                </a:solidFill>
-                <a:effectLst/>
-                <a:latin typeface="Cascadia Mono" panose="020B0609020000020004" pitchFamily="49" charset="0"/>
-                <a:ea typeface="Aptos" panose="020B0004020202020204" pitchFamily="34" charset="0"/>
-              </a:rPr>
-              <a:t>[</a:t>
-            </a:r>
-            <a:endParaRPr lang="en-US" sz="1000" dirty="0">
-              <a:effectLst/>
-              <a:latin typeface="Times New Roman" panose="02020603050405020304" pitchFamily="18" charset="0"/>
-              <a:ea typeface="SimSun" panose="02010600030101010101" pitchFamily="2" charset="-122"/>
-            </a:endParaRPr>
-          </a:p>
-          <a:p>
-            <a:pPr marL="457200" marR="0" algn="l">
-              <a:spcBef>
-                <a:spcPts val="0"/>
-              </a:spcBef>
-              <a:spcAft>
-                <a:spcPts val="0"/>
-              </a:spcAft>
-            </a:pPr>
-            <a:r>
-              <a:rPr lang="en-US" sz="1000" dirty="0">
-                <a:solidFill>
-                  <a:srgbClr val="000000"/>
-                </a:solidFill>
-                <a:effectLst/>
-                <a:latin typeface="Cascadia Mono" panose="020B0609020000020004" pitchFamily="49" charset="0"/>
-                <a:ea typeface="Aptos" panose="020B0004020202020204" pitchFamily="34" charset="0"/>
-              </a:rPr>
-              <a:t>  {</a:t>
-            </a:r>
-            <a:endParaRPr lang="en-US" sz="1000" dirty="0">
-              <a:effectLst/>
-              <a:latin typeface="Times New Roman" panose="02020603050405020304" pitchFamily="18" charset="0"/>
-              <a:ea typeface="SimSun" panose="02010600030101010101" pitchFamily="2" charset="-122"/>
-            </a:endParaRPr>
-          </a:p>
-          <a:p>
-            <a:pPr marL="457200" marR="0" algn="l">
-              <a:spcBef>
-                <a:spcPts val="0"/>
-              </a:spcBef>
-              <a:spcAft>
-                <a:spcPts val="0"/>
-              </a:spcAft>
-            </a:pPr>
-            <a:r>
-              <a:rPr lang="en-US" sz="1000" dirty="0">
-                <a:solidFill>
-                  <a:srgbClr val="000000"/>
-                </a:solidFill>
-                <a:effectLst/>
-                <a:latin typeface="Cascadia Mono" panose="020B0609020000020004" pitchFamily="49" charset="0"/>
-                <a:ea typeface="Aptos" panose="020B0004020202020204" pitchFamily="34" charset="0"/>
-              </a:rPr>
-              <a:t>    "</a:t>
-            </a:r>
-            <a:r>
-              <a:rPr lang="en-US" sz="1000" dirty="0" err="1">
-                <a:solidFill>
-                  <a:srgbClr val="000000"/>
-                </a:solidFill>
-                <a:effectLst/>
-                <a:latin typeface="Cascadia Mono" panose="020B0609020000020004" pitchFamily="49" charset="0"/>
-                <a:ea typeface="Aptos" panose="020B0004020202020204" pitchFamily="34" charset="0"/>
-              </a:rPr>
-              <a:t>SequenceName</a:t>
-            </a:r>
-            <a:r>
-              <a:rPr lang="en-US" sz="1000" dirty="0">
-                <a:solidFill>
-                  <a:srgbClr val="000000"/>
-                </a:solidFill>
-                <a:effectLst/>
-                <a:latin typeface="Cascadia Mono" panose="020B0609020000020004" pitchFamily="49" charset="0"/>
-                <a:ea typeface="Aptos" panose="020B0004020202020204" pitchFamily="34" charset="0"/>
-              </a:rPr>
-              <a:t>": "S1",</a:t>
-            </a:r>
-            <a:endParaRPr lang="en-US" sz="1000" dirty="0">
-              <a:effectLst/>
-              <a:latin typeface="Times New Roman" panose="02020603050405020304" pitchFamily="18" charset="0"/>
-              <a:ea typeface="SimSun" panose="02010600030101010101" pitchFamily="2" charset="-122"/>
-            </a:endParaRPr>
-          </a:p>
-          <a:p>
-            <a:pPr marL="457200" marR="0" algn="l">
-              <a:spcBef>
-                <a:spcPts val="0"/>
-              </a:spcBef>
-              <a:spcAft>
-                <a:spcPts val="0"/>
-              </a:spcAft>
-            </a:pPr>
-            <a:r>
-              <a:rPr lang="en-US" sz="1000" dirty="0">
-                <a:solidFill>
-                  <a:srgbClr val="000000"/>
-                </a:solidFill>
-                <a:effectLst/>
-                <a:latin typeface="Cascadia Mono" panose="020B0609020000020004" pitchFamily="49" charset="0"/>
-                <a:ea typeface="Aptos" panose="020B0004020202020204" pitchFamily="34" charset="0"/>
-              </a:rPr>
-              <a:t>    "</a:t>
-            </a:r>
-            <a:r>
-              <a:rPr lang="en-US" sz="1000" dirty="0" err="1">
-                <a:solidFill>
-                  <a:srgbClr val="000000"/>
-                </a:solidFill>
-                <a:effectLst/>
-                <a:latin typeface="Cascadia Mono" panose="020B0609020000020004" pitchFamily="49" charset="0"/>
-                <a:ea typeface="Aptos" panose="020B0004020202020204" pitchFamily="34" charset="0"/>
-              </a:rPr>
-              <a:t>SequenceData</a:t>
-            </a:r>
-            <a:r>
-              <a:rPr lang="en-US" sz="1000" dirty="0">
-                <a:solidFill>
-                  <a:srgbClr val="000000"/>
-                </a:solidFill>
-                <a:effectLst/>
-                <a:latin typeface="Cascadia Mono" panose="020B0609020000020004" pitchFamily="49" charset="0"/>
-                <a:ea typeface="Aptos" panose="020B0004020202020204" pitchFamily="34" charset="0"/>
-              </a:rPr>
-              <a:t>": [8039, 8738, 9334, 9558, 9604, 9697, 9772, 9841, 9851, 9922, 9963, 10023, 10121, 10197, 10373, 10459, 10594, 10629, 10664, 11124]</a:t>
-            </a:r>
-            <a:endParaRPr lang="en-US" sz="1000" dirty="0">
-              <a:effectLst/>
-              <a:latin typeface="Times New Roman" panose="02020603050405020304" pitchFamily="18" charset="0"/>
-              <a:ea typeface="SimSun" panose="02010600030101010101" pitchFamily="2" charset="-122"/>
-            </a:endParaRPr>
-          </a:p>
-          <a:p>
-            <a:pPr marL="457200" marR="0" algn="l">
-              <a:spcBef>
-                <a:spcPts val="0"/>
-              </a:spcBef>
-              <a:spcAft>
-                <a:spcPts val="0"/>
-              </a:spcAft>
-            </a:pPr>
-            <a:r>
-              <a:rPr lang="en-US" sz="1000" dirty="0">
-                <a:solidFill>
-                  <a:srgbClr val="000000"/>
-                </a:solidFill>
-                <a:effectLst/>
-                <a:latin typeface="Cascadia Mono" panose="020B0609020000020004" pitchFamily="49" charset="0"/>
-                <a:ea typeface="Aptos" panose="020B0004020202020204" pitchFamily="34" charset="0"/>
-              </a:rPr>
-              <a:t>  },</a:t>
-            </a:r>
-            <a:endParaRPr lang="en-US" sz="1000" dirty="0">
-              <a:effectLst/>
-              <a:latin typeface="Times New Roman" panose="02020603050405020304" pitchFamily="18" charset="0"/>
-              <a:ea typeface="SimSun" panose="02010600030101010101" pitchFamily="2" charset="-122"/>
-            </a:endParaRPr>
-          </a:p>
-          <a:p>
-            <a:pPr marL="457200" marR="0" algn="l">
-              <a:spcBef>
-                <a:spcPts val="0"/>
-              </a:spcBef>
-              <a:spcAft>
-                <a:spcPts val="0"/>
-              </a:spcAft>
-            </a:pPr>
-            <a:r>
-              <a:rPr lang="en-US" sz="1000" dirty="0">
-                <a:solidFill>
-                  <a:srgbClr val="000000"/>
-                </a:solidFill>
-                <a:effectLst/>
-                <a:latin typeface="Cascadia Mono" panose="020B0609020000020004" pitchFamily="49" charset="0"/>
-                <a:ea typeface="Aptos" panose="020B0004020202020204" pitchFamily="34" charset="0"/>
-              </a:rPr>
-              <a:t>{</a:t>
-            </a:r>
-            <a:endParaRPr lang="en-US" sz="1000" dirty="0">
-              <a:effectLst/>
-              <a:latin typeface="Times New Roman" panose="02020603050405020304" pitchFamily="18" charset="0"/>
-              <a:ea typeface="SimSun" panose="02010600030101010101" pitchFamily="2" charset="-122"/>
-            </a:endParaRPr>
-          </a:p>
-          <a:p>
-            <a:pPr marL="457200" marR="0" algn="l">
-              <a:spcBef>
-                <a:spcPts val="0"/>
-              </a:spcBef>
-              <a:spcAft>
-                <a:spcPts val="0"/>
-              </a:spcAft>
-            </a:pPr>
-            <a:r>
-              <a:rPr lang="en-US" sz="1000" dirty="0">
-                <a:solidFill>
-                  <a:srgbClr val="000000"/>
-                </a:solidFill>
-                <a:effectLst/>
-                <a:latin typeface="Cascadia Mono" panose="020B0609020000020004" pitchFamily="49" charset="0"/>
-                <a:ea typeface="Aptos" panose="020B0004020202020204" pitchFamily="34" charset="0"/>
-              </a:rPr>
-              <a:t>    "</a:t>
-            </a:r>
-            <a:r>
-              <a:rPr lang="en-US" sz="1000" dirty="0" err="1">
-                <a:solidFill>
-                  <a:srgbClr val="000000"/>
-                </a:solidFill>
-                <a:effectLst/>
-                <a:latin typeface="Cascadia Mono" panose="020B0609020000020004" pitchFamily="49" charset="0"/>
-                <a:ea typeface="Aptos" panose="020B0004020202020204" pitchFamily="34" charset="0"/>
-              </a:rPr>
-              <a:t>SequenceName</a:t>
-            </a:r>
-            <a:r>
-              <a:rPr lang="en-US" sz="1000" dirty="0">
-                <a:solidFill>
-                  <a:srgbClr val="000000"/>
-                </a:solidFill>
-                <a:effectLst/>
-                <a:latin typeface="Cascadia Mono" panose="020B0609020000020004" pitchFamily="49" charset="0"/>
-                <a:ea typeface="Aptos" panose="020B0004020202020204" pitchFamily="34" charset="0"/>
-              </a:rPr>
-              <a:t>": "S2",</a:t>
-            </a:r>
-            <a:endParaRPr lang="en-US" sz="1000" dirty="0">
-              <a:effectLst/>
-              <a:latin typeface="Times New Roman" panose="02020603050405020304" pitchFamily="18" charset="0"/>
-              <a:ea typeface="SimSun" panose="02010600030101010101" pitchFamily="2" charset="-122"/>
-            </a:endParaRPr>
-          </a:p>
-          <a:p>
-            <a:pPr marL="457200" marR="0" algn="l">
-              <a:spcBef>
-                <a:spcPts val="0"/>
-              </a:spcBef>
-              <a:spcAft>
-                <a:spcPts val="0"/>
-              </a:spcAft>
-            </a:pPr>
-            <a:r>
-              <a:rPr lang="en-US" sz="1000" dirty="0">
-                <a:solidFill>
-                  <a:srgbClr val="000000"/>
-                </a:solidFill>
-                <a:effectLst/>
-                <a:latin typeface="Cascadia Mono" panose="020B0609020000020004" pitchFamily="49" charset="0"/>
-                <a:ea typeface="Aptos" panose="020B0004020202020204" pitchFamily="34" charset="0"/>
-              </a:rPr>
-              <a:t>    "</a:t>
-            </a:r>
-            <a:r>
-              <a:rPr lang="en-US" sz="1000" dirty="0" err="1">
-                <a:solidFill>
-                  <a:srgbClr val="000000"/>
-                </a:solidFill>
-                <a:effectLst/>
-                <a:latin typeface="Cascadia Mono" panose="020B0609020000020004" pitchFamily="49" charset="0"/>
-                <a:ea typeface="Aptos" panose="020B0004020202020204" pitchFamily="34" charset="0"/>
-              </a:rPr>
-              <a:t>SequenceData</a:t>
-            </a:r>
-            <a:r>
-              <a:rPr lang="en-US" sz="1000" dirty="0">
-                <a:solidFill>
-                  <a:srgbClr val="000000"/>
-                </a:solidFill>
-                <a:effectLst/>
-                <a:latin typeface="Cascadia Mono" panose="020B0609020000020004" pitchFamily="49" charset="0"/>
-                <a:ea typeface="Aptos" panose="020B0004020202020204" pitchFamily="34" charset="0"/>
-              </a:rPr>
-              <a:t>": [9051, 9075, 9133, 9178, 9365, 9448, 9481, 9599, 9635, 9740, 10032, 10224, 10281, 10762, 10778, 10934, 11143, 11306, 11494, 11763]</a:t>
-            </a:r>
-            <a:endParaRPr lang="en-US" sz="1000" dirty="0">
-              <a:effectLst/>
-              <a:latin typeface="Times New Roman" panose="02020603050405020304" pitchFamily="18" charset="0"/>
-              <a:ea typeface="SimSun" panose="02010600030101010101" pitchFamily="2" charset="-122"/>
-            </a:endParaRPr>
-          </a:p>
-          <a:p>
-            <a:pPr marL="457200" marR="0" algn="l">
-              <a:spcBef>
-                <a:spcPts val="0"/>
-              </a:spcBef>
-              <a:spcAft>
-                <a:spcPts val="0"/>
-              </a:spcAft>
-            </a:pPr>
-            <a:r>
-              <a:rPr lang="en-US" sz="1000" dirty="0">
-                <a:solidFill>
-                  <a:srgbClr val="000000"/>
-                </a:solidFill>
-                <a:effectLst/>
-                <a:latin typeface="Cascadia Mono" panose="020B0609020000020004" pitchFamily="49" charset="0"/>
-                <a:ea typeface="Aptos" panose="020B0004020202020204" pitchFamily="34" charset="0"/>
-              </a:rPr>
-              <a:t>  },</a:t>
-            </a:r>
-            <a:endParaRPr lang="en-US" sz="1000" dirty="0">
-              <a:effectLst/>
-              <a:latin typeface="Times New Roman" panose="02020603050405020304" pitchFamily="18" charset="0"/>
-              <a:ea typeface="SimSun" panose="02010600030101010101" pitchFamily="2" charset="-122"/>
-            </a:endParaRPr>
-          </a:p>
-          <a:p>
-            <a:pPr marL="457200" marR="0" algn="l">
-              <a:spcBef>
-                <a:spcPts val="0"/>
-              </a:spcBef>
-              <a:spcAft>
-                <a:spcPts val="0"/>
-              </a:spcAft>
-            </a:pPr>
-            <a:r>
-              <a:rPr lang="en-US" sz="1000" dirty="0">
-                <a:solidFill>
-                  <a:srgbClr val="000000"/>
-                </a:solidFill>
-                <a:effectLst/>
-                <a:latin typeface="Cascadia Mono" panose="020B0609020000020004" pitchFamily="49" charset="0"/>
-                <a:ea typeface="Aptos" panose="020B0004020202020204" pitchFamily="34" charset="0"/>
-              </a:rPr>
-              <a:t>{</a:t>
-            </a:r>
-            <a:endParaRPr lang="en-US" sz="1000" dirty="0">
-              <a:effectLst/>
-              <a:latin typeface="Times New Roman" panose="02020603050405020304" pitchFamily="18" charset="0"/>
-              <a:ea typeface="SimSun" panose="02010600030101010101" pitchFamily="2" charset="-122"/>
-            </a:endParaRPr>
-          </a:p>
-          <a:p>
-            <a:pPr marL="457200" marR="0" algn="l">
-              <a:spcBef>
-                <a:spcPts val="0"/>
-              </a:spcBef>
-              <a:spcAft>
-                <a:spcPts val="0"/>
-              </a:spcAft>
-            </a:pPr>
-            <a:r>
-              <a:rPr lang="en-US" sz="1000" dirty="0">
-                <a:solidFill>
-                  <a:srgbClr val="000000"/>
-                </a:solidFill>
-                <a:effectLst/>
-                <a:latin typeface="Cascadia Mono" panose="020B0609020000020004" pitchFamily="49" charset="0"/>
-                <a:ea typeface="Aptos" panose="020B0004020202020204" pitchFamily="34" charset="0"/>
-              </a:rPr>
-              <a:t>    "</a:t>
-            </a:r>
-            <a:r>
-              <a:rPr lang="en-US" sz="1000" dirty="0" err="1">
-                <a:solidFill>
-                  <a:srgbClr val="000000"/>
-                </a:solidFill>
-                <a:effectLst/>
-                <a:latin typeface="Cascadia Mono" panose="020B0609020000020004" pitchFamily="49" charset="0"/>
-                <a:ea typeface="Aptos" panose="020B0004020202020204" pitchFamily="34" charset="0"/>
-              </a:rPr>
-              <a:t>SequenceName</a:t>
-            </a:r>
-            <a:r>
-              <a:rPr lang="en-US" sz="1000" dirty="0">
-                <a:solidFill>
-                  <a:srgbClr val="000000"/>
-                </a:solidFill>
-                <a:effectLst/>
-                <a:latin typeface="Cascadia Mono" panose="020B0609020000020004" pitchFamily="49" charset="0"/>
-                <a:ea typeface="Aptos" panose="020B0004020202020204" pitchFamily="34" charset="0"/>
-              </a:rPr>
-              <a:t>": "S3",</a:t>
-            </a:r>
-            <a:endParaRPr lang="en-US" sz="1000" dirty="0">
-              <a:effectLst/>
-              <a:latin typeface="Times New Roman" panose="02020603050405020304" pitchFamily="18" charset="0"/>
-              <a:ea typeface="SimSun" panose="02010600030101010101" pitchFamily="2" charset="-122"/>
-            </a:endParaRPr>
-          </a:p>
-          <a:p>
-            <a:pPr marL="457200" marR="0" algn="l">
-              <a:spcBef>
-                <a:spcPts val="0"/>
-              </a:spcBef>
-              <a:spcAft>
-                <a:spcPts val="0"/>
-              </a:spcAft>
-            </a:pPr>
-            <a:r>
-              <a:rPr lang="en-US" sz="1000" dirty="0">
-                <a:solidFill>
-                  <a:srgbClr val="000000"/>
-                </a:solidFill>
-                <a:effectLst/>
-                <a:latin typeface="Cascadia Mono" panose="020B0609020000020004" pitchFamily="49" charset="0"/>
-                <a:ea typeface="Aptos" panose="020B0004020202020204" pitchFamily="34" charset="0"/>
-              </a:rPr>
-              <a:t>    "</a:t>
-            </a:r>
-            <a:r>
-              <a:rPr lang="en-US" sz="1000" dirty="0" err="1">
-                <a:solidFill>
-                  <a:srgbClr val="000000"/>
-                </a:solidFill>
-                <a:effectLst/>
-                <a:latin typeface="Cascadia Mono" panose="020B0609020000020004" pitchFamily="49" charset="0"/>
-                <a:ea typeface="Aptos" panose="020B0004020202020204" pitchFamily="34" charset="0"/>
-              </a:rPr>
-              <a:t>SequenceData</a:t>
-            </a:r>
-            <a:r>
-              <a:rPr lang="en-US" sz="1000" dirty="0">
-                <a:solidFill>
-                  <a:srgbClr val="000000"/>
-                </a:solidFill>
-                <a:effectLst/>
-                <a:latin typeface="Cascadia Mono" panose="020B0609020000020004" pitchFamily="49" charset="0"/>
-                <a:ea typeface="Aptos" panose="020B0004020202020204" pitchFamily="34" charset="0"/>
-              </a:rPr>
-              <a:t>": [10808, 10834, 11053, 11085, 11434, 11471, 11479, 11553, 11597, 11634, 11720, 11743, 11766, 11812, 11872, 11897, 11909, 12094, 12332, 12504]</a:t>
-            </a:r>
-            <a:endParaRPr lang="en-US" sz="1000" dirty="0">
-              <a:effectLst/>
-              <a:latin typeface="Times New Roman" panose="02020603050405020304" pitchFamily="18" charset="0"/>
-              <a:ea typeface="SimSun" panose="02010600030101010101" pitchFamily="2" charset="-122"/>
-            </a:endParaRPr>
-          </a:p>
-          <a:p>
-            <a:pPr marL="457200" marR="0" algn="l">
-              <a:spcBef>
-                <a:spcPts val="0"/>
-              </a:spcBef>
-              <a:spcAft>
-                <a:spcPts val="0"/>
-              </a:spcAft>
-            </a:pPr>
-            <a:r>
-              <a:rPr lang="en-US" sz="1000" dirty="0">
-                <a:solidFill>
-                  <a:srgbClr val="000000"/>
-                </a:solidFill>
-                <a:effectLst/>
-                <a:latin typeface="Cascadia Mono" panose="020B0609020000020004" pitchFamily="49" charset="0"/>
-                <a:ea typeface="Aptos" panose="020B0004020202020204" pitchFamily="34" charset="0"/>
-              </a:rPr>
-              <a:t>  }, ...</a:t>
-            </a:r>
-            <a:endParaRPr lang="en-US" sz="1000" dirty="0">
-              <a:effectLst/>
-              <a:latin typeface="Times New Roman" panose="02020603050405020304" pitchFamily="18" charset="0"/>
-              <a:ea typeface="SimSun" panose="02010600030101010101" pitchFamily="2" charset="-122"/>
-            </a:endParaRPr>
-          </a:p>
-          <a:p>
-            <a:pPr marL="457200" marR="0" algn="l">
-              <a:spcBef>
-                <a:spcPts val="0"/>
-              </a:spcBef>
-              <a:spcAft>
-                <a:spcPts val="0"/>
-              </a:spcAft>
-            </a:pPr>
-            <a:r>
-              <a:rPr lang="en-US" sz="1000" dirty="0">
-                <a:solidFill>
-                  <a:srgbClr val="000000"/>
-                </a:solidFill>
-                <a:effectLst/>
-                <a:latin typeface="Cascadia Mono" panose="020B0609020000020004" pitchFamily="49" charset="0"/>
-                <a:ea typeface="Aptos" panose="020B0004020202020204" pitchFamily="34" charset="0"/>
-              </a:rPr>
-              <a:t>]</a:t>
-            </a:r>
-            <a:endParaRPr lang="en-US" sz="1000" dirty="0">
-              <a:effectLst/>
-              <a:latin typeface="Times New Roman" panose="02020603050405020304" pitchFamily="18" charset="0"/>
-              <a:ea typeface="SimSun" panose="02010600030101010101" pitchFamily="2" charset="-122"/>
-            </a:endParaRPr>
-          </a:p>
-          <a:p>
-            <a:pPr marL="0" marR="0" algn="l">
-              <a:spcBef>
-                <a:spcPts val="0"/>
-              </a:spcBef>
-              <a:spcAft>
-                <a:spcPts val="0"/>
-              </a:spcAft>
-            </a:pPr>
-            <a:r>
-              <a:rPr lang="en-US" sz="1000" dirty="0">
+              <a:rPr lang="en-US" sz="1100" dirty="0">
                 <a:solidFill>
                   <a:srgbClr val="000000"/>
                 </a:solidFill>
                 <a:effectLst/>
                 <a:latin typeface="Times New Roman" panose="02020603050405020304" pitchFamily="18" charset="0"/>
                 <a:ea typeface="Aptos" panose="020B0004020202020204" pitchFamily="34" charset="0"/>
+                <a:cs typeface="Times New Roman" panose="02020603050405020304" pitchFamily="18" charset="0"/>
               </a:rPr>
-              <a:t> </a:t>
-            </a:r>
-            <a:endParaRPr lang="en-US" sz="1000" dirty="0">
+              <a:t>[</a:t>
+            </a:r>
+            <a:endParaRPr lang="en-US" sz="1100" dirty="0">
               <a:effectLst/>
               <a:latin typeface="Times New Roman" panose="02020603050405020304" pitchFamily="18" charset="0"/>
               <a:ea typeface="SimSun" panose="02010600030101010101" pitchFamily="2" charset="-122"/>
+              <a:cs typeface="Times New Roman" panose="02020603050405020304" pitchFamily="18" charset="0"/>
+            </a:endParaRPr>
+          </a:p>
+          <a:p>
+            <a:pPr marL="457200" marR="0" algn="l">
+              <a:spcBef>
+                <a:spcPts val="0"/>
+              </a:spcBef>
+              <a:spcAft>
+                <a:spcPts val="0"/>
+              </a:spcAft>
+            </a:pPr>
+            <a:r>
+              <a:rPr lang="en-US" sz="1100" dirty="0">
+                <a:solidFill>
+                  <a:srgbClr val="000000"/>
+                </a:solidFill>
+                <a:effectLst/>
+                <a:latin typeface="Times New Roman" panose="02020603050405020304" pitchFamily="18" charset="0"/>
+                <a:ea typeface="Aptos" panose="020B0004020202020204" pitchFamily="34" charset="0"/>
+                <a:cs typeface="Times New Roman" panose="02020603050405020304" pitchFamily="18" charset="0"/>
+              </a:rPr>
+              <a:t>  {</a:t>
+            </a:r>
+            <a:endParaRPr lang="en-US" sz="1100" dirty="0">
+              <a:effectLst/>
+              <a:latin typeface="Times New Roman" panose="02020603050405020304" pitchFamily="18" charset="0"/>
+              <a:ea typeface="SimSun" panose="02010600030101010101" pitchFamily="2" charset="-122"/>
+              <a:cs typeface="Times New Roman" panose="02020603050405020304" pitchFamily="18" charset="0"/>
+            </a:endParaRPr>
+          </a:p>
+          <a:p>
+            <a:pPr marL="457200" marR="0" algn="l">
+              <a:spcBef>
+                <a:spcPts val="0"/>
+              </a:spcBef>
+              <a:spcAft>
+                <a:spcPts val="0"/>
+              </a:spcAft>
+            </a:pPr>
+            <a:r>
+              <a:rPr lang="en-US" sz="1100" dirty="0">
+                <a:solidFill>
+                  <a:srgbClr val="000000"/>
+                </a:solidFill>
+                <a:effectLst/>
+                <a:latin typeface="Times New Roman" panose="02020603050405020304" pitchFamily="18" charset="0"/>
+                <a:ea typeface="Aptos" panose="020B0004020202020204" pitchFamily="34" charset="0"/>
+                <a:cs typeface="Times New Roman" panose="02020603050405020304" pitchFamily="18" charset="0"/>
+              </a:rPr>
+              <a:t>    "</a:t>
+            </a:r>
+            <a:r>
+              <a:rPr lang="en-US" sz="1100" dirty="0" err="1">
+                <a:solidFill>
+                  <a:srgbClr val="000000"/>
+                </a:solidFill>
+                <a:effectLst/>
+                <a:latin typeface="Times New Roman" panose="02020603050405020304" pitchFamily="18" charset="0"/>
+                <a:ea typeface="Aptos" panose="020B0004020202020204" pitchFamily="34" charset="0"/>
+                <a:cs typeface="Times New Roman" panose="02020603050405020304" pitchFamily="18" charset="0"/>
+              </a:rPr>
+              <a:t>SequenceName</a:t>
+            </a:r>
+            <a:r>
+              <a:rPr lang="en-US" sz="1100" dirty="0">
+                <a:solidFill>
+                  <a:srgbClr val="000000"/>
+                </a:solidFill>
+                <a:effectLst/>
+                <a:latin typeface="Times New Roman" panose="02020603050405020304" pitchFamily="18" charset="0"/>
+                <a:ea typeface="Aptos" panose="020B0004020202020204" pitchFamily="34" charset="0"/>
+                <a:cs typeface="Times New Roman" panose="02020603050405020304" pitchFamily="18" charset="0"/>
+              </a:rPr>
+              <a:t>": "S1",</a:t>
+            </a:r>
+            <a:endParaRPr lang="en-US" sz="1100" dirty="0">
+              <a:effectLst/>
+              <a:latin typeface="Times New Roman" panose="02020603050405020304" pitchFamily="18" charset="0"/>
+              <a:ea typeface="SimSun" panose="02010600030101010101" pitchFamily="2" charset="-122"/>
+              <a:cs typeface="Times New Roman" panose="02020603050405020304" pitchFamily="18" charset="0"/>
+            </a:endParaRPr>
+          </a:p>
+          <a:p>
+            <a:pPr marL="457200" marR="0" algn="l">
+              <a:spcBef>
+                <a:spcPts val="0"/>
+              </a:spcBef>
+              <a:spcAft>
+                <a:spcPts val="0"/>
+              </a:spcAft>
+            </a:pPr>
+            <a:r>
+              <a:rPr lang="en-US" sz="1100" dirty="0">
+                <a:solidFill>
+                  <a:srgbClr val="000000"/>
+                </a:solidFill>
+                <a:effectLst/>
+                <a:latin typeface="Times New Roman" panose="02020603050405020304" pitchFamily="18" charset="0"/>
+                <a:ea typeface="Aptos" panose="020B0004020202020204" pitchFamily="34" charset="0"/>
+                <a:cs typeface="Times New Roman" panose="02020603050405020304" pitchFamily="18" charset="0"/>
+              </a:rPr>
+              <a:t>    "</a:t>
+            </a:r>
+            <a:r>
+              <a:rPr lang="en-US" sz="1100" dirty="0" err="1">
+                <a:solidFill>
+                  <a:srgbClr val="000000"/>
+                </a:solidFill>
+                <a:effectLst/>
+                <a:latin typeface="Times New Roman" panose="02020603050405020304" pitchFamily="18" charset="0"/>
+                <a:ea typeface="Aptos" panose="020B0004020202020204" pitchFamily="34" charset="0"/>
+                <a:cs typeface="Times New Roman" panose="02020603050405020304" pitchFamily="18" charset="0"/>
+              </a:rPr>
+              <a:t>SequenceData</a:t>
+            </a:r>
+            <a:r>
+              <a:rPr lang="en-US" sz="1100" dirty="0">
+                <a:solidFill>
+                  <a:srgbClr val="000000"/>
+                </a:solidFill>
+                <a:effectLst/>
+                <a:latin typeface="Times New Roman" panose="02020603050405020304" pitchFamily="18" charset="0"/>
+                <a:ea typeface="Aptos" panose="020B0004020202020204" pitchFamily="34" charset="0"/>
+                <a:cs typeface="Times New Roman" panose="02020603050405020304" pitchFamily="18" charset="0"/>
+              </a:rPr>
+              <a:t>": [8039, 8738, 9334, 9558, 9604, 9697, 9772, 9841, 9851, 9922, 9963, 10023, 10121, 10197, 10373, 10459, 10594, 10629, 10664, 11124]</a:t>
+            </a:r>
+            <a:endParaRPr lang="en-US" sz="1100" dirty="0">
+              <a:effectLst/>
+              <a:latin typeface="Times New Roman" panose="02020603050405020304" pitchFamily="18" charset="0"/>
+              <a:ea typeface="SimSun" panose="02010600030101010101" pitchFamily="2" charset="-122"/>
+              <a:cs typeface="Times New Roman" panose="02020603050405020304" pitchFamily="18" charset="0"/>
+            </a:endParaRPr>
+          </a:p>
+          <a:p>
+            <a:pPr marL="457200" marR="0" algn="l">
+              <a:spcBef>
+                <a:spcPts val="0"/>
+              </a:spcBef>
+              <a:spcAft>
+                <a:spcPts val="0"/>
+              </a:spcAft>
+            </a:pPr>
+            <a:r>
+              <a:rPr lang="en-US" sz="1100" dirty="0">
+                <a:solidFill>
+                  <a:srgbClr val="000000"/>
+                </a:solidFill>
+                <a:effectLst/>
+                <a:latin typeface="Times New Roman" panose="02020603050405020304" pitchFamily="18" charset="0"/>
+                <a:ea typeface="Aptos" panose="020B0004020202020204" pitchFamily="34" charset="0"/>
+                <a:cs typeface="Times New Roman" panose="02020603050405020304" pitchFamily="18" charset="0"/>
+              </a:rPr>
+              <a:t>  },</a:t>
+            </a:r>
+            <a:endParaRPr lang="en-US" sz="1100" dirty="0">
+              <a:effectLst/>
+              <a:latin typeface="Times New Roman" panose="02020603050405020304" pitchFamily="18" charset="0"/>
+              <a:ea typeface="SimSun" panose="02010600030101010101" pitchFamily="2" charset="-122"/>
+              <a:cs typeface="Times New Roman" panose="02020603050405020304" pitchFamily="18" charset="0"/>
+            </a:endParaRPr>
+          </a:p>
+          <a:p>
+            <a:pPr marL="457200" marR="0" algn="l">
+              <a:spcBef>
+                <a:spcPts val="0"/>
+              </a:spcBef>
+              <a:spcAft>
+                <a:spcPts val="0"/>
+              </a:spcAft>
+            </a:pPr>
+            <a:r>
+              <a:rPr lang="en-US" sz="1100" dirty="0">
+                <a:solidFill>
+                  <a:srgbClr val="000000"/>
+                </a:solidFill>
+                <a:effectLst/>
+                <a:latin typeface="Times New Roman" panose="02020603050405020304" pitchFamily="18" charset="0"/>
+                <a:ea typeface="Aptos" panose="020B0004020202020204" pitchFamily="34" charset="0"/>
+                <a:cs typeface="Times New Roman" panose="02020603050405020304" pitchFamily="18" charset="0"/>
+              </a:rPr>
+              <a:t>{</a:t>
+            </a:r>
+            <a:endParaRPr lang="en-US" sz="1100" dirty="0">
+              <a:effectLst/>
+              <a:latin typeface="Times New Roman" panose="02020603050405020304" pitchFamily="18" charset="0"/>
+              <a:ea typeface="SimSun" panose="02010600030101010101" pitchFamily="2" charset="-122"/>
+              <a:cs typeface="Times New Roman" panose="02020603050405020304" pitchFamily="18" charset="0"/>
+            </a:endParaRPr>
+          </a:p>
+          <a:p>
+            <a:pPr marL="457200" marR="0" algn="l">
+              <a:spcBef>
+                <a:spcPts val="0"/>
+              </a:spcBef>
+              <a:spcAft>
+                <a:spcPts val="0"/>
+              </a:spcAft>
+            </a:pPr>
+            <a:r>
+              <a:rPr lang="en-US" sz="1100" dirty="0">
+                <a:solidFill>
+                  <a:srgbClr val="000000"/>
+                </a:solidFill>
+                <a:effectLst/>
+                <a:latin typeface="Times New Roman" panose="02020603050405020304" pitchFamily="18" charset="0"/>
+                <a:ea typeface="Aptos" panose="020B0004020202020204" pitchFamily="34" charset="0"/>
+                <a:cs typeface="Times New Roman" panose="02020603050405020304" pitchFamily="18" charset="0"/>
+              </a:rPr>
+              <a:t>    "</a:t>
+            </a:r>
+            <a:r>
+              <a:rPr lang="en-US" sz="1100" dirty="0" err="1">
+                <a:solidFill>
+                  <a:srgbClr val="000000"/>
+                </a:solidFill>
+                <a:effectLst/>
+                <a:latin typeface="Times New Roman" panose="02020603050405020304" pitchFamily="18" charset="0"/>
+                <a:ea typeface="Aptos" panose="020B0004020202020204" pitchFamily="34" charset="0"/>
+                <a:cs typeface="Times New Roman" panose="02020603050405020304" pitchFamily="18" charset="0"/>
+              </a:rPr>
+              <a:t>SequenceName</a:t>
+            </a:r>
+            <a:r>
+              <a:rPr lang="en-US" sz="1100" dirty="0">
+                <a:solidFill>
+                  <a:srgbClr val="000000"/>
+                </a:solidFill>
+                <a:effectLst/>
+                <a:latin typeface="Times New Roman" panose="02020603050405020304" pitchFamily="18" charset="0"/>
+                <a:ea typeface="Aptos" panose="020B0004020202020204" pitchFamily="34" charset="0"/>
+                <a:cs typeface="Times New Roman" panose="02020603050405020304" pitchFamily="18" charset="0"/>
+              </a:rPr>
+              <a:t>": "S2",</a:t>
+            </a:r>
+            <a:endParaRPr lang="en-US" sz="1100" dirty="0">
+              <a:effectLst/>
+              <a:latin typeface="Times New Roman" panose="02020603050405020304" pitchFamily="18" charset="0"/>
+              <a:ea typeface="SimSun" panose="02010600030101010101" pitchFamily="2" charset="-122"/>
+              <a:cs typeface="Times New Roman" panose="02020603050405020304" pitchFamily="18" charset="0"/>
+            </a:endParaRPr>
+          </a:p>
+          <a:p>
+            <a:pPr marL="457200" marR="0" algn="l">
+              <a:spcBef>
+                <a:spcPts val="0"/>
+              </a:spcBef>
+              <a:spcAft>
+                <a:spcPts val="0"/>
+              </a:spcAft>
+            </a:pPr>
+            <a:r>
+              <a:rPr lang="en-US" sz="1100" dirty="0">
+                <a:solidFill>
+                  <a:srgbClr val="000000"/>
+                </a:solidFill>
+                <a:effectLst/>
+                <a:latin typeface="Times New Roman" panose="02020603050405020304" pitchFamily="18" charset="0"/>
+                <a:ea typeface="Aptos" panose="020B0004020202020204" pitchFamily="34" charset="0"/>
+                <a:cs typeface="Times New Roman" panose="02020603050405020304" pitchFamily="18" charset="0"/>
+              </a:rPr>
+              <a:t>    "</a:t>
+            </a:r>
+            <a:r>
+              <a:rPr lang="en-US" sz="1100" dirty="0" err="1">
+                <a:solidFill>
+                  <a:srgbClr val="000000"/>
+                </a:solidFill>
+                <a:effectLst/>
+                <a:latin typeface="Times New Roman" panose="02020603050405020304" pitchFamily="18" charset="0"/>
+                <a:ea typeface="Aptos" panose="020B0004020202020204" pitchFamily="34" charset="0"/>
+                <a:cs typeface="Times New Roman" panose="02020603050405020304" pitchFamily="18" charset="0"/>
+              </a:rPr>
+              <a:t>SequenceData</a:t>
+            </a:r>
+            <a:r>
+              <a:rPr lang="en-US" sz="1100" dirty="0">
+                <a:solidFill>
+                  <a:srgbClr val="000000"/>
+                </a:solidFill>
+                <a:effectLst/>
+                <a:latin typeface="Times New Roman" panose="02020603050405020304" pitchFamily="18" charset="0"/>
+                <a:ea typeface="Aptos" panose="020B0004020202020204" pitchFamily="34" charset="0"/>
+                <a:cs typeface="Times New Roman" panose="02020603050405020304" pitchFamily="18" charset="0"/>
+              </a:rPr>
+              <a:t>": [9051, 9075, 9133, 9178, 9365, 9448, 9481, 9599, 9635, 9740, 10032, 10224, 10281, 10762, 10778, 10934, 11143, 11306, 11494, 11763]</a:t>
+            </a:r>
+            <a:endParaRPr lang="en-US" sz="1100" dirty="0">
+              <a:effectLst/>
+              <a:latin typeface="Times New Roman" panose="02020603050405020304" pitchFamily="18" charset="0"/>
+              <a:ea typeface="SimSun" panose="02010600030101010101" pitchFamily="2" charset="-122"/>
+              <a:cs typeface="Times New Roman" panose="02020603050405020304" pitchFamily="18" charset="0"/>
+            </a:endParaRPr>
+          </a:p>
+          <a:p>
+            <a:pPr marL="457200" marR="0" algn="l">
+              <a:spcBef>
+                <a:spcPts val="0"/>
+              </a:spcBef>
+              <a:spcAft>
+                <a:spcPts val="0"/>
+              </a:spcAft>
+            </a:pPr>
+            <a:r>
+              <a:rPr lang="en-US" sz="1100" dirty="0">
+                <a:solidFill>
+                  <a:srgbClr val="000000"/>
+                </a:solidFill>
+                <a:effectLst/>
+                <a:latin typeface="Times New Roman" panose="02020603050405020304" pitchFamily="18" charset="0"/>
+                <a:ea typeface="Aptos" panose="020B0004020202020204" pitchFamily="34" charset="0"/>
+                <a:cs typeface="Times New Roman" panose="02020603050405020304" pitchFamily="18" charset="0"/>
+              </a:rPr>
+              <a:t>  },</a:t>
+            </a:r>
+            <a:endParaRPr lang="en-US" sz="1100" dirty="0">
+              <a:effectLst/>
+              <a:latin typeface="Times New Roman" panose="02020603050405020304" pitchFamily="18" charset="0"/>
+              <a:ea typeface="SimSun" panose="02010600030101010101" pitchFamily="2" charset="-122"/>
+              <a:cs typeface="Times New Roman" panose="02020603050405020304" pitchFamily="18" charset="0"/>
+            </a:endParaRPr>
+          </a:p>
+          <a:p>
+            <a:pPr marL="457200" marR="0" algn="l">
+              <a:spcBef>
+                <a:spcPts val="0"/>
+              </a:spcBef>
+              <a:spcAft>
+                <a:spcPts val="0"/>
+              </a:spcAft>
+            </a:pPr>
+            <a:r>
+              <a:rPr lang="en-US" sz="1100" dirty="0">
+                <a:solidFill>
+                  <a:srgbClr val="000000"/>
+                </a:solidFill>
+                <a:effectLst/>
+                <a:latin typeface="Times New Roman" panose="02020603050405020304" pitchFamily="18" charset="0"/>
+                <a:ea typeface="Aptos" panose="020B0004020202020204" pitchFamily="34" charset="0"/>
+                <a:cs typeface="Times New Roman" panose="02020603050405020304" pitchFamily="18" charset="0"/>
+              </a:rPr>
+              <a:t>{</a:t>
+            </a:r>
+            <a:endParaRPr lang="en-US" sz="1100" dirty="0">
+              <a:effectLst/>
+              <a:latin typeface="Times New Roman" panose="02020603050405020304" pitchFamily="18" charset="0"/>
+              <a:ea typeface="SimSun" panose="02010600030101010101" pitchFamily="2" charset="-122"/>
+              <a:cs typeface="Times New Roman" panose="02020603050405020304" pitchFamily="18" charset="0"/>
+            </a:endParaRPr>
+          </a:p>
+          <a:p>
+            <a:pPr marL="457200" marR="0" algn="l">
+              <a:spcBef>
+                <a:spcPts val="0"/>
+              </a:spcBef>
+              <a:spcAft>
+                <a:spcPts val="0"/>
+              </a:spcAft>
+            </a:pPr>
+            <a:r>
+              <a:rPr lang="en-US" sz="1100" dirty="0">
+                <a:solidFill>
+                  <a:srgbClr val="000000"/>
+                </a:solidFill>
+                <a:effectLst/>
+                <a:latin typeface="Times New Roman" panose="02020603050405020304" pitchFamily="18" charset="0"/>
+                <a:ea typeface="Aptos" panose="020B0004020202020204" pitchFamily="34" charset="0"/>
+                <a:cs typeface="Times New Roman" panose="02020603050405020304" pitchFamily="18" charset="0"/>
+              </a:rPr>
+              <a:t>    "</a:t>
+            </a:r>
+            <a:r>
+              <a:rPr lang="en-US" sz="1100" dirty="0" err="1">
+                <a:solidFill>
+                  <a:srgbClr val="000000"/>
+                </a:solidFill>
+                <a:effectLst/>
+                <a:latin typeface="Times New Roman" panose="02020603050405020304" pitchFamily="18" charset="0"/>
+                <a:ea typeface="Aptos" panose="020B0004020202020204" pitchFamily="34" charset="0"/>
+                <a:cs typeface="Times New Roman" panose="02020603050405020304" pitchFamily="18" charset="0"/>
+              </a:rPr>
+              <a:t>SequenceName</a:t>
+            </a:r>
+            <a:r>
+              <a:rPr lang="en-US" sz="1100" dirty="0">
+                <a:solidFill>
+                  <a:srgbClr val="000000"/>
+                </a:solidFill>
+                <a:effectLst/>
+                <a:latin typeface="Times New Roman" panose="02020603050405020304" pitchFamily="18" charset="0"/>
+                <a:ea typeface="Aptos" panose="020B0004020202020204" pitchFamily="34" charset="0"/>
+                <a:cs typeface="Times New Roman" panose="02020603050405020304" pitchFamily="18" charset="0"/>
+              </a:rPr>
+              <a:t>": "S3",</a:t>
+            </a:r>
+            <a:endParaRPr lang="en-US" sz="1100" dirty="0">
+              <a:effectLst/>
+              <a:latin typeface="Times New Roman" panose="02020603050405020304" pitchFamily="18" charset="0"/>
+              <a:ea typeface="SimSun" panose="02010600030101010101" pitchFamily="2" charset="-122"/>
+              <a:cs typeface="Times New Roman" panose="02020603050405020304" pitchFamily="18" charset="0"/>
+            </a:endParaRPr>
+          </a:p>
+          <a:p>
+            <a:pPr marL="457200" marR="0" algn="l">
+              <a:spcBef>
+                <a:spcPts val="0"/>
+              </a:spcBef>
+              <a:spcAft>
+                <a:spcPts val="0"/>
+              </a:spcAft>
+            </a:pPr>
+            <a:r>
+              <a:rPr lang="en-US" sz="1100" dirty="0">
+                <a:solidFill>
+                  <a:srgbClr val="000000"/>
+                </a:solidFill>
+                <a:effectLst/>
+                <a:latin typeface="Times New Roman" panose="02020603050405020304" pitchFamily="18" charset="0"/>
+                <a:ea typeface="Aptos" panose="020B0004020202020204" pitchFamily="34" charset="0"/>
+                <a:cs typeface="Times New Roman" panose="02020603050405020304" pitchFamily="18" charset="0"/>
+              </a:rPr>
+              <a:t>    "</a:t>
+            </a:r>
+            <a:r>
+              <a:rPr lang="en-US" sz="1100" dirty="0" err="1">
+                <a:solidFill>
+                  <a:srgbClr val="000000"/>
+                </a:solidFill>
+                <a:effectLst/>
+                <a:latin typeface="Times New Roman" panose="02020603050405020304" pitchFamily="18" charset="0"/>
+                <a:ea typeface="Aptos" panose="020B0004020202020204" pitchFamily="34" charset="0"/>
+                <a:cs typeface="Times New Roman" panose="02020603050405020304" pitchFamily="18" charset="0"/>
+              </a:rPr>
+              <a:t>SequenceData</a:t>
+            </a:r>
+            <a:r>
+              <a:rPr lang="en-US" sz="1100" dirty="0">
+                <a:solidFill>
+                  <a:srgbClr val="000000"/>
+                </a:solidFill>
+                <a:effectLst/>
+                <a:latin typeface="Times New Roman" panose="02020603050405020304" pitchFamily="18" charset="0"/>
+                <a:ea typeface="Aptos" panose="020B0004020202020204" pitchFamily="34" charset="0"/>
+                <a:cs typeface="Times New Roman" panose="02020603050405020304" pitchFamily="18" charset="0"/>
+              </a:rPr>
+              <a:t>": [10808, 10834, 11053, 11085, 11434, 11471, 11479, 11553, 11597, 11634, 11720, 11743, 11766, 11812, 11872, 11897, 11909, 12094, 12332, 12504]</a:t>
+            </a:r>
+            <a:endParaRPr lang="en-US" sz="1100" dirty="0">
+              <a:effectLst/>
+              <a:latin typeface="Times New Roman" panose="02020603050405020304" pitchFamily="18" charset="0"/>
+              <a:ea typeface="SimSun" panose="02010600030101010101" pitchFamily="2" charset="-122"/>
+              <a:cs typeface="Times New Roman" panose="02020603050405020304" pitchFamily="18" charset="0"/>
+            </a:endParaRPr>
+          </a:p>
+          <a:p>
+            <a:pPr marL="457200" marR="0" algn="l">
+              <a:spcBef>
+                <a:spcPts val="0"/>
+              </a:spcBef>
+              <a:spcAft>
+                <a:spcPts val="0"/>
+              </a:spcAft>
+            </a:pPr>
+            <a:r>
+              <a:rPr lang="en-US" sz="1100" dirty="0">
+                <a:solidFill>
+                  <a:srgbClr val="000000"/>
+                </a:solidFill>
+                <a:effectLst/>
+                <a:latin typeface="Times New Roman" panose="02020603050405020304" pitchFamily="18" charset="0"/>
+                <a:ea typeface="Aptos" panose="020B0004020202020204" pitchFamily="34" charset="0"/>
+                <a:cs typeface="Times New Roman" panose="02020603050405020304" pitchFamily="18" charset="0"/>
+              </a:rPr>
+              <a:t>  }, ...</a:t>
+            </a:r>
+            <a:endParaRPr lang="en-US" sz="1100" dirty="0">
+              <a:effectLst/>
+              <a:latin typeface="Times New Roman" panose="02020603050405020304" pitchFamily="18" charset="0"/>
+              <a:ea typeface="SimSun" panose="02010600030101010101" pitchFamily="2" charset="-122"/>
+              <a:cs typeface="Times New Roman" panose="02020603050405020304" pitchFamily="18" charset="0"/>
+            </a:endParaRPr>
+          </a:p>
+          <a:p>
+            <a:pPr marL="457200" marR="0" algn="l">
+              <a:spcBef>
+                <a:spcPts val="0"/>
+              </a:spcBef>
+              <a:spcAft>
+                <a:spcPts val="0"/>
+              </a:spcAft>
+            </a:pPr>
+            <a:r>
+              <a:rPr lang="en-US" sz="1100" dirty="0">
+                <a:solidFill>
+                  <a:srgbClr val="000000"/>
+                </a:solidFill>
+                <a:effectLst/>
+                <a:latin typeface="Times New Roman" panose="02020603050405020304" pitchFamily="18" charset="0"/>
+                <a:ea typeface="Aptos" panose="020B0004020202020204" pitchFamily="34" charset="0"/>
+                <a:cs typeface="Times New Roman" panose="02020603050405020304" pitchFamily="18" charset="0"/>
+              </a:rPr>
+              <a:t>]</a:t>
+            </a:r>
+            <a:endParaRPr lang="en-US" sz="1100" dirty="0">
+              <a:effectLst/>
+              <a:latin typeface="Times New Roman" panose="02020603050405020304" pitchFamily="18" charset="0"/>
+              <a:ea typeface="SimSun" panose="02010600030101010101" pitchFamily="2" charset="-122"/>
+              <a:cs typeface="Times New Roman" panose="02020603050405020304" pitchFamily="18" charset="0"/>
+            </a:endParaRPr>
+          </a:p>
+          <a:p>
+            <a:pPr marL="0" marR="0" algn="l">
+              <a:spcBef>
+                <a:spcPts val="0"/>
+              </a:spcBef>
+              <a:spcAft>
+                <a:spcPts val="0"/>
+              </a:spcAft>
+            </a:pPr>
+            <a:r>
+              <a:rPr lang="en-US" sz="1100" dirty="0">
+                <a:solidFill>
+                  <a:srgbClr val="000000"/>
+                </a:solidFill>
+                <a:effectLst/>
+                <a:latin typeface="Times New Roman" panose="02020603050405020304" pitchFamily="18" charset="0"/>
+                <a:ea typeface="Aptos" panose="020B0004020202020204" pitchFamily="34" charset="0"/>
+                <a:cs typeface="Times New Roman" panose="02020603050405020304" pitchFamily="18" charset="0"/>
+              </a:rPr>
+              <a:t> </a:t>
+            </a:r>
+            <a:endParaRPr lang="en-US" sz="1100" dirty="0">
+              <a:effectLst/>
+              <a:latin typeface="Times New Roman" panose="02020603050405020304" pitchFamily="18" charset="0"/>
+              <a:ea typeface="SimSun" panose="02010600030101010101" pitchFamily="2" charset="-122"/>
+              <a:cs typeface="Times New Roman" panose="02020603050405020304" pitchFamily="18" charset="0"/>
             </a:endParaRPr>
           </a:p>
         </p:txBody>
@@ -15339,8 +15386,8 @@
         </p:blipFill>
         <p:spPr>
           <a:xfrm>
-            <a:off x="579664" y="1504001"/>
-            <a:ext cx="3988556" cy="3136364"/>
+            <a:off x="655812" y="1563879"/>
+            <a:ext cx="3912407" cy="3076485"/>
           </a:xfrm>
           <a:prstGeom prst="rect">
             <a:avLst/>
@@ -15369,8 +15416,8 @@
         </p:blipFill>
         <p:spPr>
           <a:xfrm>
-            <a:off x="4657458" y="1504001"/>
-            <a:ext cx="4161802" cy="3136364"/>
+            <a:off x="4657458" y="1561961"/>
+            <a:ext cx="4084890" cy="3078403"/>
           </a:xfrm>
           <a:prstGeom prst="rect">
             <a:avLst/>

--- a/Myproject/Documentation/Investigate and Implement KNN Classifier_Global Variable-Project_presentation.pptx
+++ b/Myproject/Documentation/Investigate and Implement KNN Classifier_Global Variable-Project_presentation.pptx
@@ -5,7 +5,7 @@
     <p:sldMasterId id="2147483670" r:id="rId1"/>
   </p:sldMasterIdLst>
   <p:notesMasterIdLst>
-    <p:notesMasterId r:id="rId32"/>
+    <p:notesMasterId r:id="rId31"/>
   </p:notesMasterIdLst>
   <p:sldIdLst>
     <p:sldId id="256" r:id="rId2"/>
@@ -21,61 +21,60 @@
     <p:sldId id="302" r:id="rId12"/>
     <p:sldId id="303" r:id="rId13"/>
     <p:sldId id="268" r:id="rId14"/>
-    <p:sldId id="304" r:id="rId15"/>
-    <p:sldId id="305" r:id="rId16"/>
-    <p:sldId id="314" r:id="rId17"/>
-    <p:sldId id="316" r:id="rId18"/>
-    <p:sldId id="306" r:id="rId19"/>
-    <p:sldId id="317" r:id="rId20"/>
-    <p:sldId id="263" r:id="rId21"/>
-    <p:sldId id="308" r:id="rId22"/>
-    <p:sldId id="313" r:id="rId23"/>
-    <p:sldId id="309" r:id="rId24"/>
-    <p:sldId id="310" r:id="rId25"/>
-    <p:sldId id="311" r:id="rId26"/>
-    <p:sldId id="274" r:id="rId27"/>
-    <p:sldId id="312" r:id="rId28"/>
-    <p:sldId id="278" r:id="rId29"/>
-    <p:sldId id="318" r:id="rId30"/>
-    <p:sldId id="307" r:id="rId31"/>
+    <p:sldId id="305" r:id="rId15"/>
+    <p:sldId id="314" r:id="rId16"/>
+    <p:sldId id="316" r:id="rId17"/>
+    <p:sldId id="306" r:id="rId18"/>
+    <p:sldId id="317" r:id="rId19"/>
+    <p:sldId id="263" r:id="rId20"/>
+    <p:sldId id="308" r:id="rId21"/>
+    <p:sldId id="313" r:id="rId22"/>
+    <p:sldId id="309" r:id="rId23"/>
+    <p:sldId id="310" r:id="rId24"/>
+    <p:sldId id="311" r:id="rId25"/>
+    <p:sldId id="274" r:id="rId26"/>
+    <p:sldId id="312" r:id="rId27"/>
+    <p:sldId id="278" r:id="rId28"/>
+    <p:sldId id="318" r:id="rId29"/>
+    <p:sldId id="307" r:id="rId30"/>
   </p:sldIdLst>
   <p:sldSz cx="9144000" cy="5143500" type="screen16x9"/>
   <p:notesSz cx="6858000" cy="9144000"/>
   <p:embeddedFontLst>
     <p:embeddedFont>
       <p:font typeface="Alumni Sans" panose="020B0604020202020204" charset="0"/>
-      <p:regular r:id="rId33"/>
-      <p:bold r:id="rId34"/>
-      <p:italic r:id="rId35"/>
-      <p:boldItalic r:id="rId36"/>
+      <p:regular r:id="rId32"/>
+      <p:bold r:id="rId33"/>
+      <p:italic r:id="rId34"/>
+      <p:boldItalic r:id="rId35"/>
     </p:embeddedFont>
     <p:embeddedFont>
       <p:font typeface="Anaheim" panose="020B0604020202020204" charset="0"/>
-      <p:regular r:id="rId37"/>
+      <p:regular r:id="rId36"/>
     </p:embeddedFont>
     <p:embeddedFont>
       <p:font typeface="Assistant" pitchFamily="2" charset="-79"/>
-      <p:regular r:id="rId38"/>
-      <p:bold r:id="rId39"/>
+      <p:regular r:id="rId37"/>
+      <p:bold r:id="rId38"/>
     </p:embeddedFont>
     <p:embeddedFont>
       <p:font typeface="DM Sans" pitchFamily="2" charset="0"/>
-      <p:regular r:id="rId40"/>
-      <p:bold r:id="rId41"/>
-      <p:italic r:id="rId42"/>
-      <p:boldItalic r:id="rId43"/>
+      <p:regular r:id="rId39"/>
+      <p:bold r:id="rId40"/>
+      <p:italic r:id="rId41"/>
+      <p:boldItalic r:id="rId42"/>
     </p:embeddedFont>
     <p:embeddedFont>
       <p:font typeface="Lato" panose="020F0502020204030203" pitchFamily="34" charset="0"/>
-      <p:regular r:id="rId44"/>
-      <p:bold r:id="rId45"/>
-      <p:italic r:id="rId46"/>
-      <p:boldItalic r:id="rId47"/>
+      <p:regular r:id="rId43"/>
+      <p:bold r:id="rId44"/>
+      <p:italic r:id="rId45"/>
+      <p:boldItalic r:id="rId46"/>
     </p:embeddedFont>
     <p:embeddedFont>
       <p:font typeface="Nunito Light" pitchFamily="2" charset="0"/>
-      <p:regular r:id="rId48"/>
-      <p:italic r:id="rId49"/>
+      <p:regular r:id="rId47"/>
+      <p:italic r:id="rId48"/>
     </p:embeddedFont>
   </p:embeddedFontLst>
   <p:defaultTextStyle>
@@ -12953,94 +12952,6 @@
           <p:cNvPr id="2" name="Title 1">
             <a:extLst>
               <a:ext uri="{FF2B5EF4-FFF2-40B4-BE49-F238E27FC236}">
-                <a16:creationId xmlns:a16="http://schemas.microsoft.com/office/drawing/2014/main" id="{780529F3-6025-4258-9961-4E4677CDB4EB}"/>
-              </a:ext>
-            </a:extLst>
-          </p:cNvPr>
-          <p:cNvSpPr>
-            <a:spLocks noGrp="1"/>
-          </p:cNvSpPr>
-          <p:nvPr>
-            <p:ph type="title"/>
-          </p:nvPr>
-        </p:nvSpPr>
-        <p:spPr/>
-        <p:txBody>
-          <a:bodyPr/>
-          <a:lstStyle/>
-          <a:p>
-            <a:r>
-              <a:rPr lang="en-US" dirty="0"/>
-              <a:t>Process Diagram</a:t>
-            </a:r>
-          </a:p>
-        </p:txBody>
-      </p:sp>
-      <p:pic>
-        <p:nvPicPr>
-          <p:cNvPr id="4" name="Picture 3" descr="A diagram of a software system&#10;&#10;Description automatically generated">
-            <a:extLst>
-              <a:ext uri="{FF2B5EF4-FFF2-40B4-BE49-F238E27FC236}">
-                <a16:creationId xmlns:a16="http://schemas.microsoft.com/office/drawing/2014/main" id="{917A1B5C-9451-CDE4-6675-7440F65E2D63}"/>
-              </a:ext>
-            </a:extLst>
-          </p:cNvPr>
-          <p:cNvPicPr>
-            <a:picLocks noChangeAspect="1"/>
-          </p:cNvPicPr>
-          <p:nvPr/>
-        </p:nvPicPr>
-        <p:blipFill>
-          <a:blip r:embed="rId2"/>
-          <a:stretch>
-            <a:fillRect/>
-          </a:stretch>
-        </p:blipFill>
-        <p:spPr>
-          <a:xfrm>
-            <a:off x="857250" y="1323975"/>
-            <a:ext cx="7181850" cy="3260200"/>
-          </a:xfrm>
-          <a:prstGeom prst="rect">
-            <a:avLst/>
-          </a:prstGeom>
-        </p:spPr>
-      </p:pic>
-    </p:spTree>
-    <p:extLst>
-      <p:ext uri="{BB962C8B-B14F-4D97-AF65-F5344CB8AC3E}">
-        <p14:creationId xmlns:p14="http://schemas.microsoft.com/office/powerpoint/2010/main" val="2061805322"/>
-      </p:ext>
-    </p:extLst>
-  </p:cSld>
-  <p:clrMapOvr>
-    <a:masterClrMapping/>
-  </p:clrMapOvr>
-</p:sld>
-</file>
-
-<file path=ppt/slides/slide15.xml><?xml version="1.0" encoding="utf-8"?>
-<p:sld xmlns:a="http://schemas.openxmlformats.org/drawingml/2006/main" xmlns:r="http://schemas.openxmlformats.org/officeDocument/2006/relationships" xmlns:p="http://schemas.openxmlformats.org/presentationml/2006/main">
-  <p:cSld>
-    <p:spTree>
-      <p:nvGrpSpPr>
-        <p:cNvPr id="1" name=""/>
-        <p:cNvGrpSpPr/>
-        <p:nvPr/>
-      </p:nvGrpSpPr>
-      <p:grpSpPr>
-        <a:xfrm>
-          <a:off x="0" y="0"/>
-          <a:ext cx="0" cy="0"/>
-          <a:chOff x="0" y="0"/>
-          <a:chExt cx="0" cy="0"/>
-        </a:xfrm>
-      </p:grpSpPr>
-      <p:sp>
-        <p:nvSpPr>
-          <p:cNvPr id="2" name="Title 1">
-            <a:extLst>
-              <a:ext uri="{FF2B5EF4-FFF2-40B4-BE49-F238E27FC236}">
                 <a16:creationId xmlns:a16="http://schemas.microsoft.com/office/drawing/2014/main" id="{34E3CB48-4A7B-FD5F-114B-B12F7D51525C}"/>
               </a:ext>
             </a:extLst>
@@ -13174,6 +13085,583 @@
     <p:extLst>
       <p:ext uri="{BB962C8B-B14F-4D97-AF65-F5344CB8AC3E}">
         <p14:creationId xmlns:p14="http://schemas.microsoft.com/office/powerpoint/2010/main" val="2481149588"/>
+      </p:ext>
+    </p:extLst>
+  </p:cSld>
+  <p:clrMapOvr>
+    <a:masterClrMapping/>
+  </p:clrMapOvr>
+</p:sld>
+</file>
+
+<file path=ppt/slides/slide15.xml><?xml version="1.0" encoding="utf-8"?>
+<p:sld xmlns:a="http://schemas.openxmlformats.org/drawingml/2006/main" xmlns:r="http://schemas.openxmlformats.org/officeDocument/2006/relationships" xmlns:p="http://schemas.openxmlformats.org/presentationml/2006/main">
+  <p:cSld>
+    <p:spTree>
+      <p:nvGrpSpPr>
+        <p:cNvPr id="1" name="Shape 170"/>
+        <p:cNvGrpSpPr/>
+        <p:nvPr/>
+      </p:nvGrpSpPr>
+      <p:grpSpPr>
+        <a:xfrm>
+          <a:off x="0" y="0"/>
+          <a:ext cx="0" cy="0"/>
+          <a:chOff x="0" y="0"/>
+          <a:chExt cx="0" cy="0"/>
+        </a:xfrm>
+      </p:grpSpPr>
+      <p:sp>
+        <p:nvSpPr>
+          <p:cNvPr id="171" name="Google Shape;171;p30"/>
+          <p:cNvSpPr txBox="1">
+            <a:spLocks noGrp="1"/>
+          </p:cNvSpPr>
+          <p:nvPr>
+            <p:ph type="title"/>
+          </p:nvPr>
+        </p:nvSpPr>
+        <p:spPr>
+          <a:xfrm>
+            <a:off x="719999" y="621355"/>
+            <a:ext cx="5774805" cy="600694"/>
+          </a:xfrm>
+          <a:prstGeom prst="rect">
+            <a:avLst/>
+          </a:prstGeom>
+        </p:spPr>
+        <p:txBody>
+          <a:bodyPr spcFirstLastPara="1" wrap="square" lIns="91425" tIns="0" rIns="91425" bIns="91425" anchor="t" anchorCtr="0">
+            <a:noAutofit/>
+          </a:bodyPr>
+          <a:lstStyle/>
+          <a:p>
+            <a:pPr marL="0" lvl="0" indent="0" algn="l" rtl="0">
+              <a:spcBef>
+                <a:spcPts val="0"/>
+              </a:spcBef>
+              <a:spcAft>
+                <a:spcPts val="0"/>
+              </a:spcAft>
+              <a:buNone/>
+            </a:pPr>
+            <a:r>
+              <a:rPr lang="en-US" dirty="0"/>
+              <a:t>Approaches and Challenges  </a:t>
+            </a:r>
+          </a:p>
+        </p:txBody>
+      </p:sp>
+      <p:sp>
+        <p:nvSpPr>
+          <p:cNvPr id="172" name="Google Shape;172;p30"/>
+          <p:cNvSpPr txBox="1">
+            <a:spLocks noGrp="1"/>
+          </p:cNvSpPr>
+          <p:nvPr>
+            <p:ph type="subTitle" idx="1"/>
+          </p:nvPr>
+        </p:nvSpPr>
+        <p:spPr>
+          <a:xfrm>
+            <a:off x="640935" y="1410055"/>
+            <a:ext cx="7657032" cy="3493361"/>
+          </a:xfrm>
+          <a:prstGeom prst="rect">
+            <a:avLst/>
+          </a:prstGeom>
+        </p:spPr>
+        <p:txBody>
+          <a:bodyPr spcFirstLastPara="1" wrap="square" lIns="91425" tIns="91425" rIns="91425" bIns="91425" anchor="t" anchorCtr="0">
+            <a:noAutofit/>
+          </a:bodyPr>
+          <a:lstStyle/>
+          <a:p>
+            <a:pPr marL="139700" indent="0" algn="l">
+              <a:buNone/>
+            </a:pPr>
+            <a:r>
+              <a:rPr lang="en-US" sz="1800" b="0" i="0" dirty="0">
+                <a:solidFill>
+                  <a:srgbClr val="0D0D0D"/>
+                </a:solidFill>
+                <a:effectLst/>
+                <a:latin typeface="Alumni Sans" panose="020B0604020202020204" charset="0"/>
+              </a:rPr>
+              <a:t>1. Classification of numbers from 0 to 9 in a sequence based on Sparse Distributed Representations (SDRs)</a:t>
+            </a:r>
+          </a:p>
+          <a:p>
+            <a:pPr marL="139700" indent="0" algn="l">
+              <a:buNone/>
+            </a:pPr>
+            <a:endParaRPr lang="en-US" b="0" i="0" dirty="0">
+              <a:solidFill>
+                <a:srgbClr val="0D0D0D"/>
+              </a:solidFill>
+              <a:effectLst/>
+              <a:latin typeface="Söhne"/>
+            </a:endParaRPr>
+          </a:p>
+        </p:txBody>
+      </p:sp>
+      <p:sp>
+        <p:nvSpPr>
+          <p:cNvPr id="3" name="TextBox 2">
+            <a:extLst>
+              <a:ext uri="{FF2B5EF4-FFF2-40B4-BE49-F238E27FC236}">
+                <a16:creationId xmlns:a16="http://schemas.microsoft.com/office/drawing/2014/main" id="{00080F7F-FF58-6424-C2C1-459F21BDD0C4}"/>
+              </a:ext>
+            </a:extLst>
+          </p:cNvPr>
+          <p:cNvSpPr txBox="1"/>
+          <p:nvPr/>
+        </p:nvSpPr>
+        <p:spPr>
+          <a:xfrm>
+            <a:off x="1333144" y="2040823"/>
+            <a:ext cx="6135881" cy="2508379"/>
+          </a:xfrm>
+          <a:prstGeom prst="rect">
+            <a:avLst/>
+          </a:prstGeom>
+          <a:noFill/>
+        </p:spPr>
+        <p:txBody>
+          <a:bodyPr wrap="square">
+            <a:spAutoFit/>
+          </a:bodyPr>
+          <a:lstStyle/>
+          <a:p>
+            <a:pPr marL="914400" marR="0" algn="l">
+              <a:spcBef>
+                <a:spcPts val="0"/>
+              </a:spcBef>
+              <a:spcAft>
+                <a:spcPts val="0"/>
+              </a:spcAft>
+            </a:pPr>
+            <a:r>
+              <a:rPr lang="en-US" sz="1100" dirty="0">
+                <a:solidFill>
+                  <a:srgbClr val="000000"/>
+                </a:solidFill>
+                <a:effectLst/>
+                <a:latin typeface="Times New Roman" panose="02020603050405020304" pitchFamily="18" charset="0"/>
+                <a:ea typeface="Aptos" panose="020B0004020202020204" pitchFamily="34" charset="0"/>
+                <a:cs typeface="Times New Roman" panose="02020603050405020304" pitchFamily="18" charset="0"/>
+              </a:rPr>
+              <a:t>Classified data = [   </a:t>
+            </a:r>
+          </a:p>
+          <a:p>
+            <a:pPr marL="914400" marR="0" algn="l">
+              <a:spcBef>
+                <a:spcPts val="0"/>
+              </a:spcBef>
+              <a:spcAft>
+                <a:spcPts val="0"/>
+              </a:spcAft>
+            </a:pPr>
+            <a:r>
+              <a:rPr lang="en-US" sz="1100" dirty="0">
+                <a:latin typeface="Times New Roman" panose="02020603050405020304" pitchFamily="18" charset="0"/>
+                <a:ea typeface="Aptos" panose="020B0004020202020204" pitchFamily="34" charset="0"/>
+                <a:cs typeface="Times New Roman" panose="02020603050405020304" pitchFamily="18" charset="0"/>
+              </a:rPr>
+              <a:t>    </a:t>
+            </a:r>
+            <a:r>
+              <a:rPr lang="en-US" sz="1100" dirty="0">
+                <a:solidFill>
+                  <a:srgbClr val="000000"/>
+                </a:solidFill>
+                <a:effectLst/>
+                <a:latin typeface="Times New Roman" panose="02020603050405020304" pitchFamily="18" charset="0"/>
+                <a:ea typeface="Aptos" panose="020B0004020202020204" pitchFamily="34" charset="0"/>
+                <a:cs typeface="Times New Roman" panose="02020603050405020304" pitchFamily="18" charset="0"/>
+              </a:rPr>
+              <a:t>{ 7, 18, 24, 29,……, 1012, 0 };</a:t>
+            </a:r>
+            <a:endParaRPr lang="en-US" sz="1100" dirty="0">
+              <a:effectLst/>
+              <a:latin typeface="Times New Roman" panose="02020603050405020304" pitchFamily="18" charset="0"/>
+              <a:ea typeface="SimSun" panose="02010600030101010101" pitchFamily="2" charset="-122"/>
+              <a:cs typeface="Times New Roman" panose="02020603050405020304" pitchFamily="18" charset="0"/>
+            </a:endParaRPr>
+          </a:p>
+          <a:p>
+            <a:pPr marL="914400" marR="0" algn="l">
+              <a:spcBef>
+                <a:spcPts val="0"/>
+              </a:spcBef>
+              <a:spcAft>
+                <a:spcPts val="0"/>
+              </a:spcAft>
+            </a:pPr>
+            <a:r>
+              <a:rPr lang="en-US" sz="1100" dirty="0">
+                <a:solidFill>
+                  <a:srgbClr val="000000"/>
+                </a:solidFill>
+                <a:effectLst/>
+                <a:latin typeface="Times New Roman" panose="02020603050405020304" pitchFamily="18" charset="0"/>
+                <a:ea typeface="Aptos" panose="020B0004020202020204" pitchFamily="34" charset="0"/>
+                <a:cs typeface="Times New Roman" panose="02020603050405020304" pitchFamily="18" charset="0"/>
+              </a:rPr>
+              <a:t>    { 25, 31, 44, 48,…… ,188, 1 };</a:t>
+            </a:r>
+            <a:endParaRPr lang="en-US" sz="1100" dirty="0">
+              <a:effectLst/>
+              <a:latin typeface="Times New Roman" panose="02020603050405020304" pitchFamily="18" charset="0"/>
+              <a:ea typeface="SimSun" panose="02010600030101010101" pitchFamily="2" charset="-122"/>
+              <a:cs typeface="Times New Roman" panose="02020603050405020304" pitchFamily="18" charset="0"/>
+            </a:endParaRPr>
+          </a:p>
+          <a:p>
+            <a:pPr marL="914400" marR="0" algn="l">
+              <a:spcBef>
+                <a:spcPts val="0"/>
+              </a:spcBef>
+              <a:spcAft>
+                <a:spcPts val="0"/>
+              </a:spcAft>
+            </a:pPr>
+            <a:r>
+              <a:rPr lang="en-US" sz="1100" dirty="0">
+                <a:solidFill>
+                  <a:srgbClr val="000000"/>
+                </a:solidFill>
+                <a:effectLst/>
+                <a:latin typeface="Times New Roman" panose="02020603050405020304" pitchFamily="18" charset="0"/>
+                <a:ea typeface="Aptos" panose="020B0004020202020204" pitchFamily="34" charset="0"/>
+                <a:cs typeface="Times New Roman" panose="02020603050405020304" pitchFamily="18" charset="0"/>
+              </a:rPr>
+              <a:t>    { 118, 123, 127, 156,………, 340, 2 };</a:t>
+            </a:r>
+            <a:endParaRPr lang="en-US" sz="1100" dirty="0">
+              <a:effectLst/>
+              <a:latin typeface="Times New Roman" panose="02020603050405020304" pitchFamily="18" charset="0"/>
+              <a:ea typeface="SimSun" panose="02010600030101010101" pitchFamily="2" charset="-122"/>
+              <a:cs typeface="Times New Roman" panose="02020603050405020304" pitchFamily="18" charset="0"/>
+            </a:endParaRPr>
+          </a:p>
+          <a:p>
+            <a:pPr marL="914400" marR="0" algn="l">
+              <a:spcBef>
+                <a:spcPts val="0"/>
+              </a:spcBef>
+              <a:spcAft>
+                <a:spcPts val="0"/>
+              </a:spcAft>
+            </a:pPr>
+            <a:r>
+              <a:rPr lang="en-US" sz="1100" dirty="0">
+                <a:solidFill>
+                  <a:srgbClr val="000000"/>
+                </a:solidFill>
+                <a:effectLst/>
+                <a:latin typeface="Times New Roman" panose="02020603050405020304" pitchFamily="18" charset="0"/>
+                <a:ea typeface="Aptos" panose="020B0004020202020204" pitchFamily="34" charset="0"/>
+                <a:cs typeface="Times New Roman" panose="02020603050405020304" pitchFamily="18" charset="0"/>
+              </a:rPr>
+              <a:t>    { 240, 242, 257, 266,………., 444, 3 };</a:t>
+            </a:r>
+            <a:endParaRPr lang="en-US" sz="1100" dirty="0">
+              <a:effectLst/>
+              <a:latin typeface="Times New Roman" panose="02020603050405020304" pitchFamily="18" charset="0"/>
+              <a:ea typeface="SimSun" panose="02010600030101010101" pitchFamily="2" charset="-122"/>
+              <a:cs typeface="Times New Roman" panose="02020603050405020304" pitchFamily="18" charset="0"/>
+            </a:endParaRPr>
+          </a:p>
+          <a:p>
+            <a:pPr marL="914400" marR="0" algn="l">
+              <a:spcBef>
+                <a:spcPts val="0"/>
+              </a:spcBef>
+              <a:spcAft>
+                <a:spcPts val="0"/>
+              </a:spcAft>
+            </a:pPr>
+            <a:r>
+              <a:rPr lang="en-US" sz="1100" dirty="0">
+                <a:solidFill>
+                  <a:srgbClr val="000000"/>
+                </a:solidFill>
+                <a:effectLst/>
+                <a:latin typeface="Times New Roman" panose="02020603050405020304" pitchFamily="18" charset="0"/>
+                <a:ea typeface="Aptos" panose="020B0004020202020204" pitchFamily="34" charset="0"/>
+                <a:cs typeface="Times New Roman" panose="02020603050405020304" pitchFamily="18" charset="0"/>
+              </a:rPr>
+              <a:t>    { 302, 314, 324, 327,……., 518, 4 };</a:t>
+            </a:r>
+            <a:endParaRPr lang="en-US" sz="1100" dirty="0">
+              <a:effectLst/>
+              <a:latin typeface="Times New Roman" panose="02020603050405020304" pitchFamily="18" charset="0"/>
+              <a:ea typeface="SimSun" panose="02010600030101010101" pitchFamily="2" charset="-122"/>
+              <a:cs typeface="Times New Roman" panose="02020603050405020304" pitchFamily="18" charset="0"/>
+            </a:endParaRPr>
+          </a:p>
+          <a:p>
+            <a:pPr marL="914400" marR="0" algn="l">
+              <a:spcBef>
+                <a:spcPts val="0"/>
+              </a:spcBef>
+              <a:spcAft>
+                <a:spcPts val="0"/>
+              </a:spcAft>
+            </a:pPr>
+            <a:r>
+              <a:rPr lang="en-US" sz="1100" dirty="0">
+                <a:solidFill>
+                  <a:srgbClr val="000000"/>
+                </a:solidFill>
+                <a:effectLst/>
+                <a:latin typeface="Times New Roman" panose="02020603050405020304" pitchFamily="18" charset="0"/>
+                <a:ea typeface="Aptos" panose="020B0004020202020204" pitchFamily="34" charset="0"/>
+                <a:cs typeface="Times New Roman" panose="02020603050405020304" pitchFamily="18" charset="0"/>
+              </a:rPr>
+              <a:t>    { 393, 405, 428, 429,…….., 624, 5 };</a:t>
+            </a:r>
+            <a:endParaRPr lang="en-US" sz="1100" dirty="0">
+              <a:effectLst/>
+              <a:latin typeface="Times New Roman" panose="02020603050405020304" pitchFamily="18" charset="0"/>
+              <a:ea typeface="SimSun" panose="02010600030101010101" pitchFamily="2" charset="-122"/>
+              <a:cs typeface="Times New Roman" panose="02020603050405020304" pitchFamily="18" charset="0"/>
+            </a:endParaRPr>
+          </a:p>
+          <a:p>
+            <a:pPr marL="914400" marR="0" algn="l">
+              <a:spcBef>
+                <a:spcPts val="0"/>
+              </a:spcBef>
+              <a:spcAft>
+                <a:spcPts val="0"/>
+              </a:spcAft>
+            </a:pPr>
+            <a:r>
+              <a:rPr lang="en-US" sz="1100" dirty="0">
+                <a:solidFill>
+                  <a:srgbClr val="000000"/>
+                </a:solidFill>
+                <a:effectLst/>
+                <a:latin typeface="Times New Roman" panose="02020603050405020304" pitchFamily="18" charset="0"/>
+                <a:ea typeface="Aptos" panose="020B0004020202020204" pitchFamily="34" charset="0"/>
+                <a:cs typeface="Times New Roman" panose="02020603050405020304" pitchFamily="18" charset="0"/>
+              </a:rPr>
+              <a:t>    { 483, 487, 500, 509,………, 726, 6 };</a:t>
+            </a:r>
+            <a:endParaRPr lang="en-US" sz="1100" dirty="0">
+              <a:effectLst/>
+              <a:latin typeface="Times New Roman" panose="02020603050405020304" pitchFamily="18" charset="0"/>
+              <a:ea typeface="SimSun" panose="02010600030101010101" pitchFamily="2" charset="-122"/>
+              <a:cs typeface="Times New Roman" panose="02020603050405020304" pitchFamily="18" charset="0"/>
+            </a:endParaRPr>
+          </a:p>
+          <a:p>
+            <a:pPr marL="914400" marR="0" algn="l">
+              <a:spcBef>
+                <a:spcPts val="0"/>
+              </a:spcBef>
+              <a:spcAft>
+                <a:spcPts val="0"/>
+              </a:spcAft>
+            </a:pPr>
+            <a:r>
+              <a:rPr lang="en-US" sz="1100" dirty="0">
+                <a:solidFill>
+                  <a:srgbClr val="000000"/>
+                </a:solidFill>
+                <a:effectLst/>
+                <a:latin typeface="Times New Roman" panose="02020603050405020304" pitchFamily="18" charset="0"/>
+                <a:ea typeface="Aptos" panose="020B0004020202020204" pitchFamily="34" charset="0"/>
+                <a:cs typeface="Times New Roman" panose="02020603050405020304" pitchFamily="18" charset="0"/>
+              </a:rPr>
+              <a:t>    { 579, 587, 595, 607,…………, 814, 7 };</a:t>
+            </a:r>
+            <a:endParaRPr lang="en-US" sz="1100" dirty="0">
+              <a:effectLst/>
+              <a:latin typeface="Times New Roman" panose="02020603050405020304" pitchFamily="18" charset="0"/>
+              <a:ea typeface="SimSun" panose="02010600030101010101" pitchFamily="2" charset="-122"/>
+              <a:cs typeface="Times New Roman" panose="02020603050405020304" pitchFamily="18" charset="0"/>
+            </a:endParaRPr>
+          </a:p>
+          <a:p>
+            <a:pPr marL="914400" marR="0" algn="l">
+              <a:spcBef>
+                <a:spcPts val="0"/>
+              </a:spcBef>
+              <a:spcAft>
+                <a:spcPts val="0"/>
+              </a:spcAft>
+            </a:pPr>
+            <a:r>
+              <a:rPr lang="en-US" sz="1100" dirty="0">
+                <a:solidFill>
+                  <a:srgbClr val="000000"/>
+                </a:solidFill>
+                <a:effectLst/>
+                <a:latin typeface="Times New Roman" panose="02020603050405020304" pitchFamily="18" charset="0"/>
+                <a:ea typeface="Aptos" panose="020B0004020202020204" pitchFamily="34" charset="0"/>
+                <a:cs typeface="Times New Roman" panose="02020603050405020304" pitchFamily="18" charset="0"/>
+              </a:rPr>
+              <a:t>    { 676, 691, 700, 707,……… ,  916, 8 };</a:t>
+            </a:r>
+            <a:endParaRPr lang="en-US" sz="1100" dirty="0">
+              <a:effectLst/>
+              <a:latin typeface="Times New Roman" panose="02020603050405020304" pitchFamily="18" charset="0"/>
+              <a:ea typeface="SimSun" panose="02010600030101010101" pitchFamily="2" charset="-122"/>
+              <a:cs typeface="Times New Roman" panose="02020603050405020304" pitchFamily="18" charset="0"/>
+            </a:endParaRPr>
+          </a:p>
+          <a:p>
+            <a:pPr marL="914400" marR="0" algn="just">
+              <a:spcBef>
+                <a:spcPts val="0"/>
+              </a:spcBef>
+              <a:spcAft>
+                <a:spcPts val="0"/>
+              </a:spcAft>
+            </a:pPr>
+            <a:r>
+              <a:rPr lang="en-US" sz="1100" dirty="0">
+                <a:solidFill>
+                  <a:srgbClr val="000000"/>
+                </a:solidFill>
+                <a:effectLst/>
+                <a:latin typeface="Times New Roman" panose="02020603050405020304" pitchFamily="18" charset="0"/>
+                <a:ea typeface="Aptos" panose="020B0004020202020204" pitchFamily="34" charset="0"/>
+                <a:cs typeface="Times New Roman" panose="02020603050405020304" pitchFamily="18" charset="0"/>
+              </a:rPr>
+              <a:t>    { 772, 779, 780, 800,…………., 1007, 9 };</a:t>
+            </a:r>
+            <a:endParaRPr lang="en-US" sz="1100" dirty="0">
+              <a:effectLst/>
+              <a:latin typeface="Times New Roman" panose="02020603050405020304" pitchFamily="18" charset="0"/>
+              <a:ea typeface="SimSun" panose="02010600030101010101" pitchFamily="2" charset="-122"/>
+              <a:cs typeface="Times New Roman" panose="02020603050405020304" pitchFamily="18" charset="0"/>
+            </a:endParaRPr>
+          </a:p>
+          <a:p>
+            <a:pPr marL="914400" marR="0" algn="just">
+              <a:spcBef>
+                <a:spcPts val="0"/>
+              </a:spcBef>
+              <a:spcAft>
+                <a:spcPts val="0"/>
+              </a:spcAft>
+            </a:pPr>
+            <a:r>
+              <a:rPr lang="en-US" sz="1100" dirty="0">
+                <a:solidFill>
+                  <a:srgbClr val="000000"/>
+                </a:solidFill>
+                <a:effectLst/>
+                <a:latin typeface="Times New Roman" panose="02020603050405020304" pitchFamily="18" charset="0"/>
+                <a:ea typeface="Aptos" panose="020B0004020202020204" pitchFamily="34" charset="0"/>
+                <a:cs typeface="Times New Roman" panose="02020603050405020304" pitchFamily="18" charset="0"/>
+              </a:rPr>
+              <a:t> ]</a:t>
+            </a:r>
+            <a:endParaRPr lang="en-US" sz="1100" dirty="0">
+              <a:effectLst/>
+              <a:latin typeface="Times New Roman" panose="02020603050405020304" pitchFamily="18" charset="0"/>
+              <a:ea typeface="SimSun" panose="02010600030101010101" pitchFamily="2" charset="-122"/>
+              <a:cs typeface="Times New Roman" panose="02020603050405020304" pitchFamily="18" charset="0"/>
+            </a:endParaRPr>
+          </a:p>
+          <a:p>
+            <a:pPr marL="0" marR="0" algn="just">
+              <a:spcBef>
+                <a:spcPts val="0"/>
+              </a:spcBef>
+              <a:spcAft>
+                <a:spcPts val="0"/>
+              </a:spcAft>
+            </a:pPr>
+            <a:r>
+              <a:rPr lang="en-US" sz="1100" dirty="0">
+                <a:solidFill>
+                  <a:srgbClr val="000000"/>
+                </a:solidFill>
+                <a:effectLst/>
+                <a:latin typeface="Times New Roman" panose="02020603050405020304" pitchFamily="18" charset="0"/>
+                <a:ea typeface="Aptos" panose="020B0004020202020204" pitchFamily="34" charset="0"/>
+                <a:cs typeface="Times New Roman" panose="02020603050405020304" pitchFamily="18" charset="0"/>
+              </a:rPr>
+              <a:t> </a:t>
+            </a:r>
+            <a:endParaRPr lang="en-US" sz="1100" dirty="0">
+              <a:effectLst/>
+              <a:latin typeface="Times New Roman" panose="02020603050405020304" pitchFamily="18" charset="0"/>
+              <a:ea typeface="SimSun" panose="02010600030101010101" pitchFamily="2" charset="-122"/>
+              <a:cs typeface="Times New Roman" panose="02020603050405020304" pitchFamily="18" charset="0"/>
+            </a:endParaRPr>
+          </a:p>
+          <a:p>
+            <a:pPr marL="914400" marR="0" algn="just">
+              <a:spcBef>
+                <a:spcPts val="0"/>
+              </a:spcBef>
+              <a:spcAft>
+                <a:spcPts val="0"/>
+              </a:spcAft>
+            </a:pPr>
+            <a:r>
+              <a:rPr lang="en-US" sz="1100" dirty="0">
+                <a:solidFill>
+                  <a:srgbClr val="000000"/>
+                </a:solidFill>
+                <a:effectLst/>
+                <a:latin typeface="Times New Roman" panose="02020603050405020304" pitchFamily="18" charset="0"/>
+                <a:ea typeface="Aptos" panose="020B0004020202020204" pitchFamily="34" charset="0"/>
+                <a:cs typeface="Times New Roman" panose="02020603050405020304" pitchFamily="18" charset="0"/>
+              </a:rPr>
+              <a:t>Unclassified </a:t>
+            </a:r>
+            <a:r>
+              <a:rPr lang="en-US" sz="1100" dirty="0">
+                <a:latin typeface="Times New Roman" panose="02020603050405020304" pitchFamily="18" charset="0"/>
+                <a:ea typeface="Aptos" panose="020B0004020202020204" pitchFamily="34" charset="0"/>
+                <a:cs typeface="Times New Roman" panose="02020603050405020304" pitchFamily="18" charset="0"/>
+              </a:rPr>
+              <a:t>data </a:t>
+            </a:r>
+            <a:r>
+              <a:rPr lang="en-US" sz="1100" dirty="0">
+                <a:solidFill>
+                  <a:srgbClr val="000000"/>
+                </a:solidFill>
+                <a:effectLst/>
+                <a:latin typeface="Times New Roman" panose="02020603050405020304" pitchFamily="18" charset="0"/>
+                <a:ea typeface="Aptos" panose="020B0004020202020204" pitchFamily="34" charset="0"/>
+                <a:cs typeface="Times New Roman" panose="02020603050405020304" pitchFamily="18" charset="0"/>
+              </a:rPr>
+              <a:t>= {461, 495, 515, 501,…, 712 </a:t>
+            </a:r>
+            <a:r>
+              <a:rPr lang="en-US" dirty="0">
+                <a:solidFill>
+                  <a:srgbClr val="000000"/>
+                </a:solidFill>
+                <a:effectLst/>
+                <a:latin typeface="Times New Roman" panose="02020603050405020304" pitchFamily="18" charset="0"/>
+                <a:ea typeface="Aptos" panose="020B0004020202020204" pitchFamily="34" charset="0"/>
+                <a:cs typeface="Times New Roman" panose="02020603050405020304" pitchFamily="18" charset="0"/>
+              </a:rPr>
+              <a:t>}</a:t>
+            </a:r>
+            <a:endParaRPr lang="en-US" dirty="0">
+              <a:latin typeface="Times New Roman" panose="02020603050405020304" pitchFamily="18" charset="0"/>
+              <a:cs typeface="Times New Roman" panose="02020603050405020304" pitchFamily="18" charset="0"/>
+            </a:endParaRPr>
+          </a:p>
+        </p:txBody>
+      </p:sp>
+    </p:spTree>
+    <p:extLst>
+      <p:ext uri="{BB962C8B-B14F-4D97-AF65-F5344CB8AC3E}">
+        <p14:creationId xmlns:p14="http://schemas.microsoft.com/office/powerpoint/2010/main" val="2218351754"/>
       </p:ext>
     </p:extLst>
   </p:cSld>
@@ -13253,583 +13741,6 @@
         </p:nvSpPr>
         <p:spPr>
           <a:xfrm>
-            <a:off x="640935" y="1410055"/>
-            <a:ext cx="7657032" cy="3493361"/>
-          </a:xfrm>
-          <a:prstGeom prst="rect">
-            <a:avLst/>
-          </a:prstGeom>
-        </p:spPr>
-        <p:txBody>
-          <a:bodyPr spcFirstLastPara="1" wrap="square" lIns="91425" tIns="91425" rIns="91425" bIns="91425" anchor="t" anchorCtr="0">
-            <a:noAutofit/>
-          </a:bodyPr>
-          <a:lstStyle/>
-          <a:p>
-            <a:pPr marL="139700" indent="0" algn="l">
-              <a:buNone/>
-            </a:pPr>
-            <a:r>
-              <a:rPr lang="en-US" sz="1800" b="0" i="0" dirty="0">
-                <a:solidFill>
-                  <a:srgbClr val="0D0D0D"/>
-                </a:solidFill>
-                <a:effectLst/>
-                <a:latin typeface="Alumni Sans" panose="020B0604020202020204" charset="0"/>
-              </a:rPr>
-              <a:t>1. Classification of numbers from 0 to 9 in a sequence based on Sparse Distributed Representations (SDRs)</a:t>
-            </a:r>
-          </a:p>
-          <a:p>
-            <a:pPr marL="139700" indent="0" algn="l">
-              <a:buNone/>
-            </a:pPr>
-            <a:endParaRPr lang="en-US" b="0" i="0" dirty="0">
-              <a:solidFill>
-                <a:srgbClr val="0D0D0D"/>
-              </a:solidFill>
-              <a:effectLst/>
-              <a:latin typeface="Söhne"/>
-            </a:endParaRPr>
-          </a:p>
-        </p:txBody>
-      </p:sp>
-      <p:sp>
-        <p:nvSpPr>
-          <p:cNvPr id="3" name="TextBox 2">
-            <a:extLst>
-              <a:ext uri="{FF2B5EF4-FFF2-40B4-BE49-F238E27FC236}">
-                <a16:creationId xmlns:a16="http://schemas.microsoft.com/office/drawing/2014/main" id="{00080F7F-FF58-6424-C2C1-459F21BDD0C4}"/>
-              </a:ext>
-            </a:extLst>
-          </p:cNvPr>
-          <p:cNvSpPr txBox="1"/>
-          <p:nvPr/>
-        </p:nvSpPr>
-        <p:spPr>
-          <a:xfrm>
-            <a:off x="1333144" y="2040823"/>
-            <a:ext cx="6135881" cy="2508379"/>
-          </a:xfrm>
-          <a:prstGeom prst="rect">
-            <a:avLst/>
-          </a:prstGeom>
-          <a:noFill/>
-        </p:spPr>
-        <p:txBody>
-          <a:bodyPr wrap="square">
-            <a:spAutoFit/>
-          </a:bodyPr>
-          <a:lstStyle/>
-          <a:p>
-            <a:pPr marL="914400" marR="0" algn="l">
-              <a:spcBef>
-                <a:spcPts val="0"/>
-              </a:spcBef>
-              <a:spcAft>
-                <a:spcPts val="0"/>
-              </a:spcAft>
-            </a:pPr>
-            <a:r>
-              <a:rPr lang="en-US" sz="1100" dirty="0">
-                <a:solidFill>
-                  <a:srgbClr val="000000"/>
-                </a:solidFill>
-                <a:effectLst/>
-                <a:latin typeface="Times New Roman" panose="02020603050405020304" pitchFamily="18" charset="0"/>
-                <a:ea typeface="Aptos" panose="020B0004020202020204" pitchFamily="34" charset="0"/>
-                <a:cs typeface="Times New Roman" panose="02020603050405020304" pitchFamily="18" charset="0"/>
-              </a:rPr>
-              <a:t>Classified data = [   </a:t>
-            </a:r>
-          </a:p>
-          <a:p>
-            <a:pPr marL="914400" marR="0" algn="l">
-              <a:spcBef>
-                <a:spcPts val="0"/>
-              </a:spcBef>
-              <a:spcAft>
-                <a:spcPts val="0"/>
-              </a:spcAft>
-            </a:pPr>
-            <a:r>
-              <a:rPr lang="en-US" sz="1100" dirty="0">
-                <a:latin typeface="Times New Roman" panose="02020603050405020304" pitchFamily="18" charset="0"/>
-                <a:ea typeface="Aptos" panose="020B0004020202020204" pitchFamily="34" charset="0"/>
-                <a:cs typeface="Times New Roman" panose="02020603050405020304" pitchFamily="18" charset="0"/>
-              </a:rPr>
-              <a:t>    </a:t>
-            </a:r>
-            <a:r>
-              <a:rPr lang="en-US" sz="1100" dirty="0">
-                <a:solidFill>
-                  <a:srgbClr val="000000"/>
-                </a:solidFill>
-                <a:effectLst/>
-                <a:latin typeface="Times New Roman" panose="02020603050405020304" pitchFamily="18" charset="0"/>
-                <a:ea typeface="Aptos" panose="020B0004020202020204" pitchFamily="34" charset="0"/>
-                <a:cs typeface="Times New Roman" panose="02020603050405020304" pitchFamily="18" charset="0"/>
-              </a:rPr>
-              <a:t>{ 7, 18, 24, 29,……, 1012, 0 };</a:t>
-            </a:r>
-            <a:endParaRPr lang="en-US" sz="1100" dirty="0">
-              <a:effectLst/>
-              <a:latin typeface="Times New Roman" panose="02020603050405020304" pitchFamily="18" charset="0"/>
-              <a:ea typeface="SimSun" panose="02010600030101010101" pitchFamily="2" charset="-122"/>
-              <a:cs typeface="Times New Roman" panose="02020603050405020304" pitchFamily="18" charset="0"/>
-            </a:endParaRPr>
-          </a:p>
-          <a:p>
-            <a:pPr marL="914400" marR="0" algn="l">
-              <a:spcBef>
-                <a:spcPts val="0"/>
-              </a:spcBef>
-              <a:spcAft>
-                <a:spcPts val="0"/>
-              </a:spcAft>
-            </a:pPr>
-            <a:r>
-              <a:rPr lang="en-US" sz="1100" dirty="0">
-                <a:solidFill>
-                  <a:srgbClr val="000000"/>
-                </a:solidFill>
-                <a:effectLst/>
-                <a:latin typeface="Times New Roman" panose="02020603050405020304" pitchFamily="18" charset="0"/>
-                <a:ea typeface="Aptos" panose="020B0004020202020204" pitchFamily="34" charset="0"/>
-                <a:cs typeface="Times New Roman" panose="02020603050405020304" pitchFamily="18" charset="0"/>
-              </a:rPr>
-              <a:t>    { 25, 31, 44, 48,…… ,188, 1 };</a:t>
-            </a:r>
-            <a:endParaRPr lang="en-US" sz="1100" dirty="0">
-              <a:effectLst/>
-              <a:latin typeface="Times New Roman" panose="02020603050405020304" pitchFamily="18" charset="0"/>
-              <a:ea typeface="SimSun" panose="02010600030101010101" pitchFamily="2" charset="-122"/>
-              <a:cs typeface="Times New Roman" panose="02020603050405020304" pitchFamily="18" charset="0"/>
-            </a:endParaRPr>
-          </a:p>
-          <a:p>
-            <a:pPr marL="914400" marR="0" algn="l">
-              <a:spcBef>
-                <a:spcPts val="0"/>
-              </a:spcBef>
-              <a:spcAft>
-                <a:spcPts val="0"/>
-              </a:spcAft>
-            </a:pPr>
-            <a:r>
-              <a:rPr lang="en-US" sz="1100" dirty="0">
-                <a:solidFill>
-                  <a:srgbClr val="000000"/>
-                </a:solidFill>
-                <a:effectLst/>
-                <a:latin typeface="Times New Roman" panose="02020603050405020304" pitchFamily="18" charset="0"/>
-                <a:ea typeface="Aptos" panose="020B0004020202020204" pitchFamily="34" charset="0"/>
-                <a:cs typeface="Times New Roman" panose="02020603050405020304" pitchFamily="18" charset="0"/>
-              </a:rPr>
-              <a:t>    { 118, 123, 127, 156,………, 340, 2 };</a:t>
-            </a:r>
-            <a:endParaRPr lang="en-US" sz="1100" dirty="0">
-              <a:effectLst/>
-              <a:latin typeface="Times New Roman" panose="02020603050405020304" pitchFamily="18" charset="0"/>
-              <a:ea typeface="SimSun" panose="02010600030101010101" pitchFamily="2" charset="-122"/>
-              <a:cs typeface="Times New Roman" panose="02020603050405020304" pitchFamily="18" charset="0"/>
-            </a:endParaRPr>
-          </a:p>
-          <a:p>
-            <a:pPr marL="914400" marR="0" algn="l">
-              <a:spcBef>
-                <a:spcPts val="0"/>
-              </a:spcBef>
-              <a:spcAft>
-                <a:spcPts val="0"/>
-              </a:spcAft>
-            </a:pPr>
-            <a:r>
-              <a:rPr lang="en-US" sz="1100" dirty="0">
-                <a:solidFill>
-                  <a:srgbClr val="000000"/>
-                </a:solidFill>
-                <a:effectLst/>
-                <a:latin typeface="Times New Roman" panose="02020603050405020304" pitchFamily="18" charset="0"/>
-                <a:ea typeface="Aptos" panose="020B0004020202020204" pitchFamily="34" charset="0"/>
-                <a:cs typeface="Times New Roman" panose="02020603050405020304" pitchFamily="18" charset="0"/>
-              </a:rPr>
-              <a:t>    { 240, 242, 257, 266,………., 444, 3 };</a:t>
-            </a:r>
-            <a:endParaRPr lang="en-US" sz="1100" dirty="0">
-              <a:effectLst/>
-              <a:latin typeface="Times New Roman" panose="02020603050405020304" pitchFamily="18" charset="0"/>
-              <a:ea typeface="SimSun" panose="02010600030101010101" pitchFamily="2" charset="-122"/>
-              <a:cs typeface="Times New Roman" panose="02020603050405020304" pitchFamily="18" charset="0"/>
-            </a:endParaRPr>
-          </a:p>
-          <a:p>
-            <a:pPr marL="914400" marR="0" algn="l">
-              <a:spcBef>
-                <a:spcPts val="0"/>
-              </a:spcBef>
-              <a:spcAft>
-                <a:spcPts val="0"/>
-              </a:spcAft>
-            </a:pPr>
-            <a:r>
-              <a:rPr lang="en-US" sz="1100" dirty="0">
-                <a:solidFill>
-                  <a:srgbClr val="000000"/>
-                </a:solidFill>
-                <a:effectLst/>
-                <a:latin typeface="Times New Roman" panose="02020603050405020304" pitchFamily="18" charset="0"/>
-                <a:ea typeface="Aptos" panose="020B0004020202020204" pitchFamily="34" charset="0"/>
-                <a:cs typeface="Times New Roman" panose="02020603050405020304" pitchFamily="18" charset="0"/>
-              </a:rPr>
-              <a:t>    { 302, 314, 324, 327,……., 518, 4 };</a:t>
-            </a:r>
-            <a:endParaRPr lang="en-US" sz="1100" dirty="0">
-              <a:effectLst/>
-              <a:latin typeface="Times New Roman" panose="02020603050405020304" pitchFamily="18" charset="0"/>
-              <a:ea typeface="SimSun" panose="02010600030101010101" pitchFamily="2" charset="-122"/>
-              <a:cs typeface="Times New Roman" panose="02020603050405020304" pitchFamily="18" charset="0"/>
-            </a:endParaRPr>
-          </a:p>
-          <a:p>
-            <a:pPr marL="914400" marR="0" algn="l">
-              <a:spcBef>
-                <a:spcPts val="0"/>
-              </a:spcBef>
-              <a:spcAft>
-                <a:spcPts val="0"/>
-              </a:spcAft>
-            </a:pPr>
-            <a:r>
-              <a:rPr lang="en-US" sz="1100" dirty="0">
-                <a:solidFill>
-                  <a:srgbClr val="000000"/>
-                </a:solidFill>
-                <a:effectLst/>
-                <a:latin typeface="Times New Roman" panose="02020603050405020304" pitchFamily="18" charset="0"/>
-                <a:ea typeface="Aptos" panose="020B0004020202020204" pitchFamily="34" charset="0"/>
-                <a:cs typeface="Times New Roman" panose="02020603050405020304" pitchFamily="18" charset="0"/>
-              </a:rPr>
-              <a:t>    { 393, 405, 428, 429,…….., 624, 5 };</a:t>
-            </a:r>
-            <a:endParaRPr lang="en-US" sz="1100" dirty="0">
-              <a:effectLst/>
-              <a:latin typeface="Times New Roman" panose="02020603050405020304" pitchFamily="18" charset="0"/>
-              <a:ea typeface="SimSun" panose="02010600030101010101" pitchFamily="2" charset="-122"/>
-              <a:cs typeface="Times New Roman" panose="02020603050405020304" pitchFamily="18" charset="0"/>
-            </a:endParaRPr>
-          </a:p>
-          <a:p>
-            <a:pPr marL="914400" marR="0" algn="l">
-              <a:spcBef>
-                <a:spcPts val="0"/>
-              </a:spcBef>
-              <a:spcAft>
-                <a:spcPts val="0"/>
-              </a:spcAft>
-            </a:pPr>
-            <a:r>
-              <a:rPr lang="en-US" sz="1100" dirty="0">
-                <a:solidFill>
-                  <a:srgbClr val="000000"/>
-                </a:solidFill>
-                <a:effectLst/>
-                <a:latin typeface="Times New Roman" panose="02020603050405020304" pitchFamily="18" charset="0"/>
-                <a:ea typeface="Aptos" panose="020B0004020202020204" pitchFamily="34" charset="0"/>
-                <a:cs typeface="Times New Roman" panose="02020603050405020304" pitchFamily="18" charset="0"/>
-              </a:rPr>
-              <a:t>    { 483, 487, 500, 509,………, 726, 6 };</a:t>
-            </a:r>
-            <a:endParaRPr lang="en-US" sz="1100" dirty="0">
-              <a:effectLst/>
-              <a:latin typeface="Times New Roman" panose="02020603050405020304" pitchFamily="18" charset="0"/>
-              <a:ea typeface="SimSun" panose="02010600030101010101" pitchFamily="2" charset="-122"/>
-              <a:cs typeface="Times New Roman" panose="02020603050405020304" pitchFamily="18" charset="0"/>
-            </a:endParaRPr>
-          </a:p>
-          <a:p>
-            <a:pPr marL="914400" marR="0" algn="l">
-              <a:spcBef>
-                <a:spcPts val="0"/>
-              </a:spcBef>
-              <a:spcAft>
-                <a:spcPts val="0"/>
-              </a:spcAft>
-            </a:pPr>
-            <a:r>
-              <a:rPr lang="en-US" sz="1100" dirty="0">
-                <a:solidFill>
-                  <a:srgbClr val="000000"/>
-                </a:solidFill>
-                <a:effectLst/>
-                <a:latin typeface="Times New Roman" panose="02020603050405020304" pitchFamily="18" charset="0"/>
-                <a:ea typeface="Aptos" panose="020B0004020202020204" pitchFamily="34" charset="0"/>
-                <a:cs typeface="Times New Roman" panose="02020603050405020304" pitchFamily="18" charset="0"/>
-              </a:rPr>
-              <a:t>    { 579, 587, 595, 607,…………, 814, 7 };</a:t>
-            </a:r>
-            <a:endParaRPr lang="en-US" sz="1100" dirty="0">
-              <a:effectLst/>
-              <a:latin typeface="Times New Roman" panose="02020603050405020304" pitchFamily="18" charset="0"/>
-              <a:ea typeface="SimSun" panose="02010600030101010101" pitchFamily="2" charset="-122"/>
-              <a:cs typeface="Times New Roman" panose="02020603050405020304" pitchFamily="18" charset="0"/>
-            </a:endParaRPr>
-          </a:p>
-          <a:p>
-            <a:pPr marL="914400" marR="0" algn="l">
-              <a:spcBef>
-                <a:spcPts val="0"/>
-              </a:spcBef>
-              <a:spcAft>
-                <a:spcPts val="0"/>
-              </a:spcAft>
-            </a:pPr>
-            <a:r>
-              <a:rPr lang="en-US" sz="1100" dirty="0">
-                <a:solidFill>
-                  <a:srgbClr val="000000"/>
-                </a:solidFill>
-                <a:effectLst/>
-                <a:latin typeface="Times New Roman" panose="02020603050405020304" pitchFamily="18" charset="0"/>
-                <a:ea typeface="Aptos" panose="020B0004020202020204" pitchFamily="34" charset="0"/>
-                <a:cs typeface="Times New Roman" panose="02020603050405020304" pitchFamily="18" charset="0"/>
-              </a:rPr>
-              <a:t>    { 676, 691, 700, 707,……… ,  916, 8 };</a:t>
-            </a:r>
-            <a:endParaRPr lang="en-US" sz="1100" dirty="0">
-              <a:effectLst/>
-              <a:latin typeface="Times New Roman" panose="02020603050405020304" pitchFamily="18" charset="0"/>
-              <a:ea typeface="SimSun" panose="02010600030101010101" pitchFamily="2" charset="-122"/>
-              <a:cs typeface="Times New Roman" panose="02020603050405020304" pitchFamily="18" charset="0"/>
-            </a:endParaRPr>
-          </a:p>
-          <a:p>
-            <a:pPr marL="914400" marR="0" algn="just">
-              <a:spcBef>
-                <a:spcPts val="0"/>
-              </a:spcBef>
-              <a:spcAft>
-                <a:spcPts val="0"/>
-              </a:spcAft>
-            </a:pPr>
-            <a:r>
-              <a:rPr lang="en-US" sz="1100" dirty="0">
-                <a:solidFill>
-                  <a:srgbClr val="000000"/>
-                </a:solidFill>
-                <a:effectLst/>
-                <a:latin typeface="Times New Roman" panose="02020603050405020304" pitchFamily="18" charset="0"/>
-                <a:ea typeface="Aptos" panose="020B0004020202020204" pitchFamily="34" charset="0"/>
-                <a:cs typeface="Times New Roman" panose="02020603050405020304" pitchFamily="18" charset="0"/>
-              </a:rPr>
-              <a:t>    { 772, 779, 780, 800,…………., 1007, 9 };</a:t>
-            </a:r>
-            <a:endParaRPr lang="en-US" sz="1100" dirty="0">
-              <a:effectLst/>
-              <a:latin typeface="Times New Roman" panose="02020603050405020304" pitchFamily="18" charset="0"/>
-              <a:ea typeface="SimSun" panose="02010600030101010101" pitchFamily="2" charset="-122"/>
-              <a:cs typeface="Times New Roman" panose="02020603050405020304" pitchFamily="18" charset="0"/>
-            </a:endParaRPr>
-          </a:p>
-          <a:p>
-            <a:pPr marL="914400" marR="0" algn="just">
-              <a:spcBef>
-                <a:spcPts val="0"/>
-              </a:spcBef>
-              <a:spcAft>
-                <a:spcPts val="0"/>
-              </a:spcAft>
-            </a:pPr>
-            <a:r>
-              <a:rPr lang="en-US" sz="1100" dirty="0">
-                <a:solidFill>
-                  <a:srgbClr val="000000"/>
-                </a:solidFill>
-                <a:effectLst/>
-                <a:latin typeface="Times New Roman" panose="02020603050405020304" pitchFamily="18" charset="0"/>
-                <a:ea typeface="Aptos" panose="020B0004020202020204" pitchFamily="34" charset="0"/>
-                <a:cs typeface="Times New Roman" panose="02020603050405020304" pitchFamily="18" charset="0"/>
-              </a:rPr>
-              <a:t> ]</a:t>
-            </a:r>
-            <a:endParaRPr lang="en-US" sz="1100" dirty="0">
-              <a:effectLst/>
-              <a:latin typeface="Times New Roman" panose="02020603050405020304" pitchFamily="18" charset="0"/>
-              <a:ea typeface="SimSun" panose="02010600030101010101" pitchFamily="2" charset="-122"/>
-              <a:cs typeface="Times New Roman" panose="02020603050405020304" pitchFamily="18" charset="0"/>
-            </a:endParaRPr>
-          </a:p>
-          <a:p>
-            <a:pPr marL="0" marR="0" algn="just">
-              <a:spcBef>
-                <a:spcPts val="0"/>
-              </a:spcBef>
-              <a:spcAft>
-                <a:spcPts val="0"/>
-              </a:spcAft>
-            </a:pPr>
-            <a:r>
-              <a:rPr lang="en-US" sz="1100" dirty="0">
-                <a:solidFill>
-                  <a:srgbClr val="000000"/>
-                </a:solidFill>
-                <a:effectLst/>
-                <a:latin typeface="Times New Roman" panose="02020603050405020304" pitchFamily="18" charset="0"/>
-                <a:ea typeface="Aptos" panose="020B0004020202020204" pitchFamily="34" charset="0"/>
-                <a:cs typeface="Times New Roman" panose="02020603050405020304" pitchFamily="18" charset="0"/>
-              </a:rPr>
-              <a:t> </a:t>
-            </a:r>
-            <a:endParaRPr lang="en-US" sz="1100" dirty="0">
-              <a:effectLst/>
-              <a:latin typeface="Times New Roman" panose="02020603050405020304" pitchFamily="18" charset="0"/>
-              <a:ea typeface="SimSun" panose="02010600030101010101" pitchFamily="2" charset="-122"/>
-              <a:cs typeface="Times New Roman" panose="02020603050405020304" pitchFamily="18" charset="0"/>
-            </a:endParaRPr>
-          </a:p>
-          <a:p>
-            <a:pPr marL="914400" marR="0" algn="just">
-              <a:spcBef>
-                <a:spcPts val="0"/>
-              </a:spcBef>
-              <a:spcAft>
-                <a:spcPts val="0"/>
-              </a:spcAft>
-            </a:pPr>
-            <a:r>
-              <a:rPr lang="en-US" sz="1100" dirty="0">
-                <a:solidFill>
-                  <a:srgbClr val="000000"/>
-                </a:solidFill>
-                <a:effectLst/>
-                <a:latin typeface="Times New Roman" panose="02020603050405020304" pitchFamily="18" charset="0"/>
-                <a:ea typeface="Aptos" panose="020B0004020202020204" pitchFamily="34" charset="0"/>
-                <a:cs typeface="Times New Roman" panose="02020603050405020304" pitchFamily="18" charset="0"/>
-              </a:rPr>
-              <a:t>Unclassified </a:t>
-            </a:r>
-            <a:r>
-              <a:rPr lang="en-US" sz="1100" dirty="0">
-                <a:latin typeface="Times New Roman" panose="02020603050405020304" pitchFamily="18" charset="0"/>
-                <a:ea typeface="Aptos" panose="020B0004020202020204" pitchFamily="34" charset="0"/>
-                <a:cs typeface="Times New Roman" panose="02020603050405020304" pitchFamily="18" charset="0"/>
-              </a:rPr>
-              <a:t>data </a:t>
-            </a:r>
-            <a:r>
-              <a:rPr lang="en-US" sz="1100" dirty="0">
-                <a:solidFill>
-                  <a:srgbClr val="000000"/>
-                </a:solidFill>
-                <a:effectLst/>
-                <a:latin typeface="Times New Roman" panose="02020603050405020304" pitchFamily="18" charset="0"/>
-                <a:ea typeface="Aptos" panose="020B0004020202020204" pitchFamily="34" charset="0"/>
-                <a:cs typeface="Times New Roman" panose="02020603050405020304" pitchFamily="18" charset="0"/>
-              </a:rPr>
-              <a:t>= {461, 495, 515, 501,…, 712 </a:t>
-            </a:r>
-            <a:r>
-              <a:rPr lang="en-US" dirty="0">
-                <a:solidFill>
-                  <a:srgbClr val="000000"/>
-                </a:solidFill>
-                <a:effectLst/>
-                <a:latin typeface="Times New Roman" panose="02020603050405020304" pitchFamily="18" charset="0"/>
-                <a:ea typeface="Aptos" panose="020B0004020202020204" pitchFamily="34" charset="0"/>
-                <a:cs typeface="Times New Roman" panose="02020603050405020304" pitchFamily="18" charset="0"/>
-              </a:rPr>
-              <a:t>}</a:t>
-            </a:r>
-            <a:endParaRPr lang="en-US" dirty="0">
-              <a:latin typeface="Times New Roman" panose="02020603050405020304" pitchFamily="18" charset="0"/>
-              <a:cs typeface="Times New Roman" panose="02020603050405020304" pitchFamily="18" charset="0"/>
-            </a:endParaRPr>
-          </a:p>
-        </p:txBody>
-      </p:sp>
-    </p:spTree>
-    <p:extLst>
-      <p:ext uri="{BB962C8B-B14F-4D97-AF65-F5344CB8AC3E}">
-        <p14:creationId xmlns:p14="http://schemas.microsoft.com/office/powerpoint/2010/main" val="2218351754"/>
-      </p:ext>
-    </p:extLst>
-  </p:cSld>
-  <p:clrMapOvr>
-    <a:masterClrMapping/>
-  </p:clrMapOvr>
-</p:sld>
-</file>
-
-<file path=ppt/slides/slide17.xml><?xml version="1.0" encoding="utf-8"?>
-<p:sld xmlns:a="http://schemas.openxmlformats.org/drawingml/2006/main" xmlns:r="http://schemas.openxmlformats.org/officeDocument/2006/relationships" xmlns:p="http://schemas.openxmlformats.org/presentationml/2006/main">
-  <p:cSld>
-    <p:spTree>
-      <p:nvGrpSpPr>
-        <p:cNvPr id="1" name="Shape 170"/>
-        <p:cNvGrpSpPr/>
-        <p:nvPr/>
-      </p:nvGrpSpPr>
-      <p:grpSpPr>
-        <a:xfrm>
-          <a:off x="0" y="0"/>
-          <a:ext cx="0" cy="0"/>
-          <a:chOff x="0" y="0"/>
-          <a:chExt cx="0" cy="0"/>
-        </a:xfrm>
-      </p:grpSpPr>
-      <p:sp>
-        <p:nvSpPr>
-          <p:cNvPr id="171" name="Google Shape;171;p30"/>
-          <p:cNvSpPr txBox="1">
-            <a:spLocks noGrp="1"/>
-          </p:cNvSpPr>
-          <p:nvPr>
-            <p:ph type="title"/>
-          </p:nvPr>
-        </p:nvSpPr>
-        <p:spPr>
-          <a:xfrm>
-            <a:off x="719999" y="621355"/>
-            <a:ext cx="5774805" cy="600694"/>
-          </a:xfrm>
-          <a:prstGeom prst="rect">
-            <a:avLst/>
-          </a:prstGeom>
-        </p:spPr>
-        <p:txBody>
-          <a:bodyPr spcFirstLastPara="1" wrap="square" lIns="91425" tIns="0" rIns="91425" bIns="91425" anchor="t" anchorCtr="0">
-            <a:noAutofit/>
-          </a:bodyPr>
-          <a:lstStyle/>
-          <a:p>
-            <a:pPr marL="0" lvl="0" indent="0" algn="l" rtl="0">
-              <a:spcBef>
-                <a:spcPts val="0"/>
-              </a:spcBef>
-              <a:spcAft>
-                <a:spcPts val="0"/>
-              </a:spcAft>
-              <a:buNone/>
-            </a:pPr>
-            <a:r>
-              <a:rPr lang="en-US" dirty="0"/>
-              <a:t>Approaches and Challenges  </a:t>
-            </a:r>
-          </a:p>
-        </p:txBody>
-      </p:sp>
-      <p:sp>
-        <p:nvSpPr>
-          <p:cNvPr id="172" name="Google Shape;172;p30"/>
-          <p:cNvSpPr txBox="1">
-            <a:spLocks noGrp="1"/>
-          </p:cNvSpPr>
-          <p:nvPr>
-            <p:ph type="subTitle" idx="1"/>
-          </p:nvPr>
-        </p:nvSpPr>
-        <p:spPr>
-          <a:xfrm>
             <a:off x="811850" y="1392964"/>
             <a:ext cx="7657032" cy="3493361"/>
           </a:xfrm>
@@ -14508,7 +14419,7 @@
 </p:sld>
 </file>
 
-<file path=ppt/slides/slide18.xml><?xml version="1.0" encoding="utf-8"?>
+<file path=ppt/slides/slide17.xml><?xml version="1.0" encoding="utf-8"?>
 <p:sld xmlns:a="http://schemas.openxmlformats.org/drawingml/2006/main" xmlns:r="http://schemas.openxmlformats.org/officeDocument/2006/relationships" xmlns:p="http://schemas.openxmlformats.org/presentationml/2006/main">
   <p:cSld>
     <p:spTree>
@@ -14680,7 +14591,7 @@
 </p:sld>
 </file>
 
-<file path=ppt/slides/slide19.xml><?xml version="1.0" encoding="utf-8"?>
+<file path=ppt/slides/slide18.xml><?xml version="1.0" encoding="utf-8"?>
 <p:sld xmlns:a="http://schemas.openxmlformats.org/drawingml/2006/main" xmlns:r="http://schemas.openxmlformats.org/officeDocument/2006/relationships" xmlns:p="http://schemas.openxmlformats.org/presentationml/2006/main">
   <p:cSld>
     <p:spTree>
@@ -14827,6 +14738,151 @@
         <p14:creationId xmlns:p14="http://schemas.microsoft.com/office/powerpoint/2010/main" val="1876830465"/>
       </p:ext>
     </p:extLst>
+  </p:cSld>
+  <p:clrMapOvr>
+    <a:masterClrMapping/>
+  </p:clrMapOvr>
+</p:sld>
+</file>
+
+<file path=ppt/slides/slide19.xml><?xml version="1.0" encoding="utf-8"?>
+<p:sld xmlns:a="http://schemas.openxmlformats.org/drawingml/2006/main" xmlns:r="http://schemas.openxmlformats.org/officeDocument/2006/relationships" xmlns:p="http://schemas.openxmlformats.org/presentationml/2006/main">
+  <p:cSld>
+    <p:spTree>
+      <p:nvGrpSpPr>
+        <p:cNvPr id="1" name="Shape 194"/>
+        <p:cNvGrpSpPr/>
+        <p:nvPr/>
+      </p:nvGrpSpPr>
+      <p:grpSpPr>
+        <a:xfrm>
+          <a:off x="0" y="0"/>
+          <a:ext cx="0" cy="0"/>
+          <a:chOff x="0" y="0"/>
+          <a:chExt cx="0" cy="0"/>
+        </a:xfrm>
+      </p:grpSpPr>
+      <p:pic>
+        <p:nvPicPr>
+          <p:cNvPr id="5" name="Picture 4" descr="A table with numbers and text&#10;&#10;Description automatically generated">
+            <a:extLst>
+              <a:ext uri="{FF2B5EF4-FFF2-40B4-BE49-F238E27FC236}">
+                <a16:creationId xmlns:a16="http://schemas.microsoft.com/office/drawing/2014/main" id="{2FB0C70A-D691-5D84-7B45-363C277E98EB}"/>
+              </a:ext>
+            </a:extLst>
+          </p:cNvPr>
+          <p:cNvPicPr>
+            <a:picLocks noChangeAspect="1"/>
+          </p:cNvPicPr>
+          <p:nvPr/>
+        </p:nvPicPr>
+        <p:blipFill>
+          <a:blip r:embed="rId3"/>
+          <a:stretch>
+            <a:fillRect/>
+          </a:stretch>
+        </p:blipFill>
+        <p:spPr>
+          <a:xfrm>
+            <a:off x="1644198" y="2076485"/>
+            <a:ext cx="6043612" cy="2640023"/>
+          </a:xfrm>
+          <a:prstGeom prst="rect">
+            <a:avLst/>
+          </a:prstGeom>
+        </p:spPr>
+      </p:pic>
+      <p:sp>
+        <p:nvSpPr>
+          <p:cNvPr id="4" name="TextBox 3">
+            <a:extLst>
+              <a:ext uri="{FF2B5EF4-FFF2-40B4-BE49-F238E27FC236}">
+                <a16:creationId xmlns:a16="http://schemas.microsoft.com/office/drawing/2014/main" id="{F6A5B3E6-1CD8-53DA-305E-0DB9E0CD864F}"/>
+              </a:ext>
+            </a:extLst>
+          </p:cNvPr>
+          <p:cNvSpPr txBox="1"/>
+          <p:nvPr/>
+        </p:nvSpPr>
+        <p:spPr>
+          <a:xfrm>
+            <a:off x="944310" y="803241"/>
+            <a:ext cx="4572000" cy="738664"/>
+          </a:xfrm>
+          <a:prstGeom prst="rect">
+            <a:avLst/>
+          </a:prstGeom>
+          <a:noFill/>
+        </p:spPr>
+        <p:txBody>
+          <a:bodyPr wrap="square">
+            <a:spAutoFit/>
+          </a:bodyPr>
+          <a:lstStyle/>
+          <a:p>
+            <a:r>
+              <a:rPr lang="en-US" sz="4200" dirty="0">
+                <a:latin typeface="Alumni Sans" panose="020B0604020202020204" charset="0"/>
+              </a:rPr>
+              <a:t>Result</a:t>
+            </a:r>
+          </a:p>
+        </p:txBody>
+      </p:sp>
+      <p:sp>
+        <p:nvSpPr>
+          <p:cNvPr id="7" name="TextBox 6">
+            <a:extLst>
+              <a:ext uri="{FF2B5EF4-FFF2-40B4-BE49-F238E27FC236}">
+                <a16:creationId xmlns:a16="http://schemas.microsoft.com/office/drawing/2014/main" id="{2C431507-37AD-8C2D-A0D4-9575FA48DFD2}"/>
+              </a:ext>
+            </a:extLst>
+          </p:cNvPr>
+          <p:cNvSpPr txBox="1"/>
+          <p:nvPr/>
+        </p:nvSpPr>
+        <p:spPr>
+          <a:xfrm>
+            <a:off x="944310" y="1541905"/>
+            <a:ext cx="4572000" cy="369332"/>
+          </a:xfrm>
+          <a:prstGeom prst="rect">
+            <a:avLst/>
+          </a:prstGeom>
+          <a:noFill/>
+        </p:spPr>
+        <p:txBody>
+          <a:bodyPr wrap="square">
+            <a:spAutoFit/>
+          </a:bodyPr>
+          <a:lstStyle/>
+          <a:p>
+            <a:pPr marL="139700" indent="0">
+              <a:buNone/>
+            </a:pPr>
+            <a:r>
+              <a:rPr lang="en-US" sz="1800" dirty="0">
+                <a:solidFill>
+                  <a:srgbClr val="0D0D0D"/>
+                </a:solidFill>
+                <a:latin typeface="Alumni Sans" panose="020B0604020202020204" charset="0"/>
+              </a:rPr>
+              <a:t>2</a:t>
+            </a:r>
+            <a:r>
+              <a:rPr lang="en-US" sz="1800" b="0" i="0" dirty="0">
+                <a:solidFill>
+                  <a:srgbClr val="0D0D0D"/>
+                </a:solidFill>
+                <a:effectLst/>
+                <a:latin typeface="Alumni Sans" panose="020B0604020202020204" charset="0"/>
+              </a:rPr>
+              <a:t>. Classifying Sets of Numbers based on SDR’s Value</a:t>
+            </a:r>
+          </a:p>
+        </p:txBody>
+      </p:sp>
+    </p:spTree>
   </p:cSld>
   <p:clrMapOvr>
     <a:masterClrMapping/>
@@ -14998,7 +15054,7 @@
   <p:cSld>
     <p:spTree>
       <p:nvGrpSpPr>
-        <p:cNvPr id="1" name="Shape 194"/>
+        <p:cNvPr id="1" name=""/>
         <p:cNvGrpSpPr/>
         <p:nvPr/>
       </p:nvGrpSpPr>
@@ -15010,12 +15066,75 @@
           <a:chExt cx="0" cy="0"/>
         </a:xfrm>
       </p:grpSpPr>
+      <p:sp>
+        <p:nvSpPr>
+          <p:cNvPr id="2" name="Title 1">
+            <a:extLst>
+              <a:ext uri="{FF2B5EF4-FFF2-40B4-BE49-F238E27FC236}">
+                <a16:creationId xmlns:a16="http://schemas.microsoft.com/office/drawing/2014/main" id="{13FB7CFA-3B4F-86D6-488B-A0EF3664F177}"/>
+              </a:ext>
+            </a:extLst>
+          </p:cNvPr>
+          <p:cNvSpPr>
+            <a:spLocks noGrp="1"/>
+          </p:cNvSpPr>
+          <p:nvPr>
+            <p:ph type="title"/>
+          </p:nvPr>
+        </p:nvSpPr>
+        <p:spPr>
+          <a:xfrm>
+            <a:off x="854525" y="734025"/>
+            <a:ext cx="4887900" cy="532800"/>
+          </a:xfrm>
+        </p:spPr>
+        <p:txBody>
+          <a:bodyPr/>
+          <a:lstStyle/>
+          <a:p>
+            <a:r>
+              <a:rPr lang="en-US" dirty="0"/>
+              <a:t>Result </a:t>
+            </a:r>
+          </a:p>
+        </p:txBody>
+      </p:sp>
       <p:pic>
         <p:nvPicPr>
-          <p:cNvPr id="5" name="Picture 4" descr="A table with numbers and text&#10;&#10;Description automatically generated">
+          <p:cNvPr id="5" name="Picture 4" descr="A screenshot of a computer&#10;&#10;Description automatically generated">
             <a:extLst>
               <a:ext uri="{FF2B5EF4-FFF2-40B4-BE49-F238E27FC236}">
-                <a16:creationId xmlns:a16="http://schemas.microsoft.com/office/drawing/2014/main" id="{2FB0C70A-D691-5D84-7B45-363C277E98EB}"/>
+                <a16:creationId xmlns:a16="http://schemas.microsoft.com/office/drawing/2014/main" id="{B5A36F63-9ECE-339F-CC17-7987180985AE}"/>
+              </a:ext>
+            </a:extLst>
+          </p:cNvPr>
+          <p:cNvPicPr>
+            <a:picLocks noChangeAspect="1"/>
+          </p:cNvPicPr>
+          <p:nvPr/>
+        </p:nvPicPr>
+        <p:blipFill>
+          <a:blip r:embed="rId2"/>
+          <a:stretch>
+            <a:fillRect/>
+          </a:stretch>
+        </p:blipFill>
+        <p:spPr>
+          <a:xfrm>
+            <a:off x="649480" y="1504059"/>
+            <a:ext cx="3922520" cy="2965391"/>
+          </a:xfrm>
+          <a:prstGeom prst="rect">
+            <a:avLst/>
+          </a:prstGeom>
+        </p:spPr>
+      </p:pic>
+      <p:pic>
+        <p:nvPicPr>
+          <p:cNvPr id="8" name="Picture 7" descr="A screenshot of a computer program&#10;&#10;Description automatically generated">
+            <a:extLst>
+              <a:ext uri="{FF2B5EF4-FFF2-40B4-BE49-F238E27FC236}">
+                <a16:creationId xmlns:a16="http://schemas.microsoft.com/office/drawing/2014/main" id="{1597E474-B4E2-D264-16BD-82CD635088B9}"/>
               </a:ext>
             </a:extLst>
           </p:cNvPr>
@@ -15032,8 +15151,8 @@
         </p:blipFill>
         <p:spPr>
           <a:xfrm>
-            <a:off x="1644198" y="2076485"/>
-            <a:ext cx="6043612" cy="2640023"/>
+            <a:off x="4691641" y="1504059"/>
+            <a:ext cx="4127619" cy="2965391"/>
           </a:xfrm>
           <a:prstGeom prst="rect">
             <a:avLst/>
@@ -15042,10 +15161,10 @@
       </p:pic>
       <p:sp>
         <p:nvSpPr>
-          <p:cNvPr id="4" name="TextBox 3">
+          <p:cNvPr id="9" name="TextBox 8">
             <a:extLst>
               <a:ext uri="{FF2B5EF4-FFF2-40B4-BE49-F238E27FC236}">
-                <a16:creationId xmlns:a16="http://schemas.microsoft.com/office/drawing/2014/main" id="{F6A5B3E6-1CD8-53DA-305E-0DB9E0CD864F}"/>
+                <a16:creationId xmlns:a16="http://schemas.microsoft.com/office/drawing/2014/main" id="{05DA56CE-CEE8-1E21-A4E6-383E4CE66B34}"/>
               </a:ext>
             </a:extLst>
           </p:cNvPr>
@@ -15054,8 +15173,8 @@
         </p:nvSpPr>
         <p:spPr>
           <a:xfrm>
-            <a:off x="944310" y="803241"/>
-            <a:ext cx="4572000" cy="738664"/>
+            <a:off x="1110899" y="4527212"/>
+            <a:ext cx="7776727" cy="358944"/>
           </a:xfrm>
           <a:prstGeom prst="rect">
             <a:avLst/>
@@ -15063,74 +15182,42 @@
           <a:noFill/>
         </p:spPr>
         <p:txBody>
-          <a:bodyPr wrap="square">
+          <a:bodyPr wrap="square" rtlCol="0">
             <a:spAutoFit/>
           </a:bodyPr>
           <a:lstStyle/>
           <a:p>
-            <a:r>
-              <a:rPr lang="en-US" sz="4200" dirty="0">
-                <a:latin typeface="Alumni Sans" panose="020B0604020202020204" charset="0"/>
-              </a:rPr>
-              <a:t>Result</a:t>
-            </a:r>
-          </a:p>
-        </p:txBody>
-      </p:sp>
-      <p:sp>
-        <p:nvSpPr>
-          <p:cNvPr id="7" name="TextBox 6">
-            <a:extLst>
-              <a:ext uri="{FF2B5EF4-FFF2-40B4-BE49-F238E27FC236}">
-                <a16:creationId xmlns:a16="http://schemas.microsoft.com/office/drawing/2014/main" id="{2C431507-37AD-8C2D-A0D4-9575FA48DFD2}"/>
-              </a:ext>
-            </a:extLst>
-          </p:cNvPr>
-          <p:cNvSpPr txBox="1"/>
-          <p:nvPr/>
-        </p:nvSpPr>
-        <p:spPr>
-          <a:xfrm>
-            <a:off x="944310" y="1541905"/>
-            <a:ext cx="4572000" cy="369332"/>
-          </a:xfrm>
-          <a:prstGeom prst="rect">
-            <a:avLst/>
-          </a:prstGeom>
-          <a:noFill/>
-        </p:spPr>
-        <p:txBody>
-          <a:bodyPr wrap="square">
-            <a:spAutoFit/>
-          </a:bodyPr>
-          <a:lstStyle/>
-          <a:p>
-            <a:pPr marL="139700" indent="0">
-              <a:buNone/>
+            <a:pPr marL="0" marR="0" indent="0" algn="just">
+              <a:lnSpc>
+                <a:spcPct val="95000"/>
+              </a:lnSpc>
+              <a:spcBef>
+                <a:spcPts val="0"/>
+              </a:spcBef>
+              <a:spcAft>
+                <a:spcPts val="600"/>
+              </a:spcAft>
+              <a:tabLst>
+                <a:tab pos="182880" algn="l"/>
+              </a:tabLst>
             </a:pPr>
             <a:r>
-              <a:rPr lang="en-US" sz="1800" dirty="0">
-                <a:solidFill>
-                  <a:srgbClr val="0D0D0D"/>
-                </a:solidFill>
-                <a:latin typeface="Alumni Sans" panose="020B0604020202020204" charset="0"/>
-              </a:rPr>
-              <a:t>2</a:t>
-            </a:r>
-            <a:r>
-              <a:rPr lang="en-US" sz="1800" b="0" i="0" dirty="0">
-                <a:solidFill>
-                  <a:srgbClr val="0D0D0D"/>
-                </a:solidFill>
+              <a:rPr lang="en-US" sz="1800" spc="-5" dirty="0">
                 <a:effectLst/>
                 <a:latin typeface="Alumni Sans" panose="020B0604020202020204" charset="0"/>
+                <a:ea typeface="SimSun" panose="02010600030101010101" pitchFamily="2" charset="-122"/>
               </a:rPr>
-              <a:t>. Classifying Sets of Numbers based on SDR’s Value</a:t>
+              <a:t>Figure 8 and 9 Output Window presenting the predicted result for test data with accuracy around 90 %.</a:t>
             </a:r>
           </a:p>
         </p:txBody>
       </p:sp>
     </p:spTree>
+    <p:extLst>
+      <p:ext uri="{BB962C8B-B14F-4D97-AF65-F5344CB8AC3E}">
+        <p14:creationId xmlns:p14="http://schemas.microsoft.com/office/powerpoint/2010/main" val="2241644721"/>
+      </p:ext>
+    </p:extLst>
   </p:cSld>
   <p:clrMapOvr>
     <a:masterClrMapping/>
@@ -15183,182 +15270,6 @@
           <a:p>
             <a:r>
               <a:rPr lang="en-US" dirty="0"/>
-              <a:t>Result </a:t>
-            </a:r>
-          </a:p>
-        </p:txBody>
-      </p:sp>
-      <p:pic>
-        <p:nvPicPr>
-          <p:cNvPr id="5" name="Picture 4" descr="A screenshot of a computer&#10;&#10;Description automatically generated">
-            <a:extLst>
-              <a:ext uri="{FF2B5EF4-FFF2-40B4-BE49-F238E27FC236}">
-                <a16:creationId xmlns:a16="http://schemas.microsoft.com/office/drawing/2014/main" id="{B5A36F63-9ECE-339F-CC17-7987180985AE}"/>
-              </a:ext>
-            </a:extLst>
-          </p:cNvPr>
-          <p:cNvPicPr>
-            <a:picLocks noChangeAspect="1"/>
-          </p:cNvPicPr>
-          <p:nvPr/>
-        </p:nvPicPr>
-        <p:blipFill>
-          <a:blip r:embed="rId2"/>
-          <a:stretch>
-            <a:fillRect/>
-          </a:stretch>
-        </p:blipFill>
-        <p:spPr>
-          <a:xfrm>
-            <a:off x="649480" y="1504059"/>
-            <a:ext cx="3922520" cy="2965391"/>
-          </a:xfrm>
-          <a:prstGeom prst="rect">
-            <a:avLst/>
-          </a:prstGeom>
-        </p:spPr>
-      </p:pic>
-      <p:pic>
-        <p:nvPicPr>
-          <p:cNvPr id="8" name="Picture 7" descr="A screenshot of a computer program&#10;&#10;Description automatically generated">
-            <a:extLst>
-              <a:ext uri="{FF2B5EF4-FFF2-40B4-BE49-F238E27FC236}">
-                <a16:creationId xmlns:a16="http://schemas.microsoft.com/office/drawing/2014/main" id="{1597E474-B4E2-D264-16BD-82CD635088B9}"/>
-              </a:ext>
-            </a:extLst>
-          </p:cNvPr>
-          <p:cNvPicPr>
-            <a:picLocks noChangeAspect="1"/>
-          </p:cNvPicPr>
-          <p:nvPr/>
-        </p:nvPicPr>
-        <p:blipFill>
-          <a:blip r:embed="rId3"/>
-          <a:stretch>
-            <a:fillRect/>
-          </a:stretch>
-        </p:blipFill>
-        <p:spPr>
-          <a:xfrm>
-            <a:off x="4691641" y="1504059"/>
-            <a:ext cx="4127619" cy="2965391"/>
-          </a:xfrm>
-          <a:prstGeom prst="rect">
-            <a:avLst/>
-          </a:prstGeom>
-        </p:spPr>
-      </p:pic>
-      <p:sp>
-        <p:nvSpPr>
-          <p:cNvPr id="9" name="TextBox 8">
-            <a:extLst>
-              <a:ext uri="{FF2B5EF4-FFF2-40B4-BE49-F238E27FC236}">
-                <a16:creationId xmlns:a16="http://schemas.microsoft.com/office/drawing/2014/main" id="{05DA56CE-CEE8-1E21-A4E6-383E4CE66B34}"/>
-              </a:ext>
-            </a:extLst>
-          </p:cNvPr>
-          <p:cNvSpPr txBox="1"/>
-          <p:nvPr/>
-        </p:nvSpPr>
-        <p:spPr>
-          <a:xfrm>
-            <a:off x="1110899" y="4527212"/>
-            <a:ext cx="7776727" cy="358944"/>
-          </a:xfrm>
-          <a:prstGeom prst="rect">
-            <a:avLst/>
-          </a:prstGeom>
-          <a:noFill/>
-        </p:spPr>
-        <p:txBody>
-          <a:bodyPr wrap="square" rtlCol="0">
-            <a:spAutoFit/>
-          </a:bodyPr>
-          <a:lstStyle/>
-          <a:p>
-            <a:pPr marL="0" marR="0" indent="0" algn="just">
-              <a:lnSpc>
-                <a:spcPct val="95000"/>
-              </a:lnSpc>
-              <a:spcBef>
-                <a:spcPts val="0"/>
-              </a:spcBef>
-              <a:spcAft>
-                <a:spcPts val="600"/>
-              </a:spcAft>
-              <a:tabLst>
-                <a:tab pos="182880" algn="l"/>
-              </a:tabLst>
-            </a:pPr>
-            <a:r>
-              <a:rPr lang="en-US" sz="1800" spc="-5" dirty="0">
-                <a:effectLst/>
-                <a:latin typeface="Alumni Sans" panose="020B0604020202020204" charset="0"/>
-                <a:ea typeface="SimSun" panose="02010600030101010101" pitchFamily="2" charset="-122"/>
-              </a:rPr>
-              <a:t>Figure 8 and 9 Output Window presenting the predicted result for test data with accuracy around 90 %.</a:t>
-            </a:r>
-          </a:p>
-        </p:txBody>
-      </p:sp>
-    </p:spTree>
-    <p:extLst>
-      <p:ext uri="{BB962C8B-B14F-4D97-AF65-F5344CB8AC3E}">
-        <p14:creationId xmlns:p14="http://schemas.microsoft.com/office/powerpoint/2010/main" val="2241644721"/>
-      </p:ext>
-    </p:extLst>
-  </p:cSld>
-  <p:clrMapOvr>
-    <a:masterClrMapping/>
-  </p:clrMapOvr>
-</p:sld>
-</file>
-
-<file path=ppt/slides/slide22.xml><?xml version="1.0" encoding="utf-8"?>
-<p:sld xmlns:a="http://schemas.openxmlformats.org/drawingml/2006/main" xmlns:r="http://schemas.openxmlformats.org/officeDocument/2006/relationships" xmlns:p="http://schemas.openxmlformats.org/presentationml/2006/main">
-  <p:cSld>
-    <p:spTree>
-      <p:nvGrpSpPr>
-        <p:cNvPr id="1" name=""/>
-        <p:cNvGrpSpPr/>
-        <p:nvPr/>
-      </p:nvGrpSpPr>
-      <p:grpSpPr>
-        <a:xfrm>
-          <a:off x="0" y="0"/>
-          <a:ext cx="0" cy="0"/>
-          <a:chOff x="0" y="0"/>
-          <a:chExt cx="0" cy="0"/>
-        </a:xfrm>
-      </p:grpSpPr>
-      <p:sp>
-        <p:nvSpPr>
-          <p:cNvPr id="2" name="Title 1">
-            <a:extLst>
-              <a:ext uri="{FF2B5EF4-FFF2-40B4-BE49-F238E27FC236}">
-                <a16:creationId xmlns:a16="http://schemas.microsoft.com/office/drawing/2014/main" id="{13FB7CFA-3B4F-86D6-488B-A0EF3664F177}"/>
-              </a:ext>
-            </a:extLst>
-          </p:cNvPr>
-          <p:cNvSpPr>
-            <a:spLocks noGrp="1"/>
-          </p:cNvSpPr>
-          <p:nvPr>
-            <p:ph type="title"/>
-          </p:nvPr>
-        </p:nvSpPr>
-        <p:spPr>
-          <a:xfrm>
-            <a:off x="854525" y="734025"/>
-            <a:ext cx="4887900" cy="532800"/>
-          </a:xfrm>
-        </p:spPr>
-        <p:txBody>
-          <a:bodyPr/>
-          <a:lstStyle/>
-          <a:p>
-            <a:r>
-              <a:rPr lang="en-US" dirty="0"/>
               <a:t>Result  </a:t>
             </a:r>
           </a:p>
@@ -15490,7 +15401,7 @@
 </p:sld>
 </file>
 
-<file path=ppt/slides/slide23.xml><?xml version="1.0" encoding="utf-8"?>
+<file path=ppt/slides/slide22.xml><?xml version="1.0" encoding="utf-8"?>
 <p:sld xmlns:a="http://schemas.openxmlformats.org/drawingml/2006/main" xmlns:r="http://schemas.openxmlformats.org/officeDocument/2006/relationships" xmlns:p="http://schemas.openxmlformats.org/presentationml/2006/main">
   <p:cSld>
     <p:spTree>
@@ -15643,7 +15554,7 @@
 </p:sld>
 </file>
 
-<file path=ppt/slides/slide24.xml><?xml version="1.0" encoding="utf-8"?>
+<file path=ppt/slides/slide23.xml><?xml version="1.0" encoding="utf-8"?>
 <p:sld xmlns:a="http://schemas.openxmlformats.org/drawingml/2006/main" xmlns:r="http://schemas.openxmlformats.org/officeDocument/2006/relationships" xmlns:p="http://schemas.openxmlformats.org/presentationml/2006/main">
   <p:cSld>
     <p:spTree>
@@ -15723,6 +15634,43 @@
           </a:prstGeom>
         </p:spPr>
       </p:pic>
+      <p:sp>
+        <p:nvSpPr>
+          <p:cNvPr id="3" name="TextBox 2">
+            <a:extLst>
+              <a:ext uri="{FF2B5EF4-FFF2-40B4-BE49-F238E27FC236}">
+                <a16:creationId xmlns:a16="http://schemas.microsoft.com/office/drawing/2014/main" id="{3DA64DD0-416D-BA07-43A9-4D9FF7AA63D0}"/>
+              </a:ext>
+            </a:extLst>
+          </p:cNvPr>
+          <p:cNvSpPr txBox="1"/>
+          <p:nvPr/>
+        </p:nvSpPr>
+        <p:spPr>
+          <a:xfrm>
+            <a:off x="2666286" y="4725339"/>
+            <a:ext cx="6546079" cy="369332"/>
+          </a:xfrm>
+          <a:prstGeom prst="rect">
+            <a:avLst/>
+          </a:prstGeom>
+          <a:noFill/>
+        </p:spPr>
+        <p:txBody>
+          <a:bodyPr wrap="square" rtlCol="0">
+            <a:spAutoFit/>
+          </a:bodyPr>
+          <a:lstStyle/>
+          <a:p>
+            <a:r>
+              <a:rPr lang="en-US" sz="1800" dirty="0">
+                <a:latin typeface="Alumni Sans" panose="020B0604020202020204" charset="0"/>
+              </a:rPr>
+              <a:t>Figure 12: KNN Unit Test &amp; Exception Handling</a:t>
+            </a:r>
+          </a:p>
+        </p:txBody>
+      </p:sp>
     </p:spTree>
     <p:extLst>
       <p:ext uri="{BB962C8B-B14F-4D97-AF65-F5344CB8AC3E}">
@@ -15736,7 +15684,7 @@
 </p:sld>
 </file>
 
-<file path=ppt/slides/slide25.xml><?xml version="1.0" encoding="utf-8"?>
+<file path=ppt/slides/slide24.xml><?xml version="1.0" encoding="utf-8"?>
 <p:sld xmlns:a="http://schemas.openxmlformats.org/drawingml/2006/main" xmlns:r="http://schemas.openxmlformats.org/officeDocument/2006/relationships" xmlns:p="http://schemas.openxmlformats.org/presentationml/2006/main">
   <p:cSld>
     <p:spTree>
@@ -15898,7 +15846,7 @@
 </p:sld>
 </file>
 
-<file path=ppt/slides/slide26.xml><?xml version="1.0" encoding="utf-8"?>
+<file path=ppt/slides/slide25.xml><?xml version="1.0" encoding="utf-8"?>
 <p:sld xmlns:a="http://schemas.openxmlformats.org/drawingml/2006/main" xmlns:r="http://schemas.openxmlformats.org/officeDocument/2006/relationships" xmlns:p="http://schemas.openxmlformats.org/presentationml/2006/main">
   <p:cSld>
     <p:spTree>
@@ -16376,7 +16324,7 @@
 </p:sld>
 </file>
 
-<file path=ppt/slides/slide27.xml><?xml version="1.0" encoding="utf-8"?>
+<file path=ppt/slides/slide26.xml><?xml version="1.0" encoding="utf-8"?>
 <p:sld xmlns:a="http://schemas.openxmlformats.org/drawingml/2006/main" xmlns:r="http://schemas.openxmlformats.org/officeDocument/2006/relationships" xmlns:p="http://schemas.openxmlformats.org/presentationml/2006/main">
   <p:cSld>
     <p:spTree>
@@ -16534,6 +16482,285 @@
 </p:sld>
 </file>
 
+<file path=ppt/slides/slide27.xml><?xml version="1.0" encoding="utf-8"?>
+<p:sld xmlns:a="http://schemas.openxmlformats.org/drawingml/2006/main" xmlns:r="http://schemas.openxmlformats.org/officeDocument/2006/relationships" xmlns:p="http://schemas.openxmlformats.org/presentationml/2006/main">
+  <p:cSld>
+    <p:spTree>
+      <p:nvGrpSpPr>
+        <p:cNvPr id="1" name="Shape 716"/>
+        <p:cNvGrpSpPr/>
+        <p:nvPr/>
+      </p:nvGrpSpPr>
+      <p:grpSpPr>
+        <a:xfrm>
+          <a:off x="0" y="0"/>
+          <a:ext cx="0" cy="0"/>
+          <a:chOff x="0" y="0"/>
+          <a:chExt cx="0" cy="0"/>
+        </a:xfrm>
+      </p:grpSpPr>
+      <p:sp>
+        <p:nvSpPr>
+          <p:cNvPr id="717" name="Google Shape;717;p47"/>
+          <p:cNvSpPr txBox="1">
+            <a:spLocks noGrp="1"/>
+          </p:cNvSpPr>
+          <p:nvPr>
+            <p:ph type="title"/>
+          </p:nvPr>
+        </p:nvSpPr>
+        <p:spPr>
+          <a:xfrm>
+            <a:off x="720000" y="445025"/>
+            <a:ext cx="7704000" cy="572700"/>
+          </a:xfrm>
+          <a:prstGeom prst="rect">
+            <a:avLst/>
+          </a:prstGeom>
+        </p:spPr>
+        <p:txBody>
+          <a:bodyPr spcFirstLastPara="1" wrap="square" lIns="91425" tIns="0" rIns="91425" bIns="91425" anchor="t" anchorCtr="0">
+            <a:noAutofit/>
+          </a:bodyPr>
+          <a:lstStyle/>
+          <a:p>
+            <a:pPr marL="0" lvl="0" indent="0" algn="l" rtl="0">
+              <a:spcBef>
+                <a:spcPts val="0"/>
+              </a:spcBef>
+              <a:spcAft>
+                <a:spcPts val="0"/>
+              </a:spcAft>
+              <a:buNone/>
+            </a:pPr>
+            <a:r>
+              <a:rPr lang="en" dirty="0"/>
+              <a:t>References</a:t>
+            </a:r>
+            <a:endParaRPr dirty="0"/>
+          </a:p>
+        </p:txBody>
+      </p:sp>
+      <p:sp>
+        <p:nvSpPr>
+          <p:cNvPr id="718" name="Google Shape;718;p47"/>
+          <p:cNvSpPr txBox="1">
+            <a:spLocks noGrp="1"/>
+          </p:cNvSpPr>
+          <p:nvPr>
+            <p:ph type="body" idx="1"/>
+          </p:nvPr>
+        </p:nvSpPr>
+        <p:spPr>
+          <a:xfrm>
+            <a:off x="720000" y="881464"/>
+            <a:ext cx="7538175" cy="3817011"/>
+          </a:xfrm>
+          <a:prstGeom prst="rect">
+            <a:avLst/>
+          </a:prstGeom>
+        </p:spPr>
+        <p:txBody>
+          <a:bodyPr spcFirstLastPara="1" wrap="square" lIns="91425" tIns="91425" rIns="91425" bIns="91425" anchor="t" anchorCtr="0">
+            <a:noAutofit/>
+          </a:bodyPr>
+          <a:lstStyle/>
+          <a:p>
+            <a:pPr eaLnBrk="1" hangingPunct="1"/>
+            <a:endParaRPr lang="en-US" dirty="0">
+              <a:latin typeface="Alumni Sans" panose="020B0604020202020204" charset="0"/>
+            </a:endParaRPr>
+          </a:p>
+          <a:p>
+            <a:pPr eaLnBrk="1" hangingPunct="1"/>
+            <a:r>
+              <a:rPr lang="en-US" dirty="0">
+                <a:latin typeface="Alumni Sans" panose="020B0604020202020204" charset="0"/>
+              </a:rPr>
+              <a:t>[1] N. F. F. E. B. S. L. P. d. L. Marcelo Beckmann, "A KNN </a:t>
+            </a:r>
+            <a:r>
+              <a:rPr lang="en-US" dirty="0" err="1">
+                <a:latin typeface="Alumni Sans" panose="020B0604020202020204" charset="0"/>
+              </a:rPr>
+              <a:t>Undersampling</a:t>
+            </a:r>
+            <a:r>
+              <a:rPr lang="en-US" dirty="0">
+                <a:latin typeface="Alumni Sans" panose="020B0604020202020204" charset="0"/>
+              </a:rPr>
+              <a:t> Approach for Data Balancing," Journal of Intelligent Learning Systems and Applications, vol. Vol.7 No.4, November 11, 2015.</a:t>
+            </a:r>
+          </a:p>
+          <a:p>
+            <a:pPr eaLnBrk="1" hangingPunct="1"/>
+            <a:r>
+              <a:rPr lang="en-US" dirty="0">
+                <a:latin typeface="Alumni Sans" panose="020B0604020202020204" charset="0"/>
+              </a:rPr>
+              <a:t> [2] T. &amp;. H. P. Cover, "Nearest neighbor pattern classification.," IEEE transactions on information theory, 13(1), 21-27., 1967.</a:t>
+            </a:r>
+          </a:p>
+          <a:p>
+            <a:pPr eaLnBrk="1" hangingPunct="1"/>
+            <a:r>
+              <a:rPr lang="en-US" dirty="0">
+                <a:latin typeface="Alumni Sans" panose="020B0604020202020204" charset="0"/>
+              </a:rPr>
+              <a:t> [3] K. G. K. V. Han EH.., "“Text Categorization Using Weight Adjusted k-Nearest </a:t>
+            </a:r>
+            <a:r>
+              <a:rPr lang="en-US" dirty="0" err="1">
+                <a:latin typeface="Alumni Sans" panose="020B0604020202020204" charset="0"/>
+              </a:rPr>
+              <a:t>Neighbour</a:t>
+            </a:r>
+            <a:r>
+              <a:rPr lang="en-US" dirty="0">
+                <a:latin typeface="Alumni Sans" panose="020B0604020202020204" charset="0"/>
+              </a:rPr>
+              <a:t> Classification”.," In: Cheung D., Williams G.J., Li Q. (eds) Advances in Knowledge Discovery and Data Mining. PAKDD 2001. Lecture Notes in Computer Sci, 2001. </a:t>
+            </a:r>
+          </a:p>
+          <a:p>
+            <a:pPr eaLnBrk="1" hangingPunct="1"/>
+            <a:r>
+              <a:rPr lang="en-US" dirty="0">
+                <a:latin typeface="Alumni Sans" panose="020B0604020202020204" charset="0"/>
+              </a:rPr>
+              <a:t>[4] Z. Z., " Introduction to machine learning: k-nearest neighbors.," Ann </a:t>
+            </a:r>
+            <a:r>
+              <a:rPr lang="en-US" dirty="0" err="1">
+                <a:latin typeface="Alumni Sans" panose="020B0604020202020204" charset="0"/>
+              </a:rPr>
+              <a:t>Transl</a:t>
+            </a:r>
+            <a:r>
+              <a:rPr lang="en-US" dirty="0">
+                <a:latin typeface="Alumni Sans" panose="020B0604020202020204" charset="0"/>
+              </a:rPr>
+              <a:t> Med. 2016 Jun;4(11):218., no. </a:t>
+            </a:r>
+            <a:r>
+              <a:rPr lang="en-US" dirty="0" err="1">
+                <a:latin typeface="Alumni Sans" panose="020B0604020202020204" charset="0"/>
+              </a:rPr>
+              <a:t>doi</a:t>
+            </a:r>
+            <a:r>
+              <a:rPr lang="en-US" dirty="0">
+                <a:latin typeface="Alumni Sans" panose="020B0604020202020204" charset="0"/>
+              </a:rPr>
+              <a:t>: 10.21037/atm.2016.03.37. PMID: 27386492; PMCID: PMC4916348.. </a:t>
+            </a:r>
+          </a:p>
+          <a:p>
+            <a:pPr eaLnBrk="1" hangingPunct="1"/>
+            <a:r>
+              <a:rPr lang="en-US" dirty="0">
+                <a:latin typeface="Alumni Sans" panose="020B0604020202020204" charset="0"/>
+              </a:rPr>
+              <a:t>[5] J. H. D. Z. H. Z. a. C. L. G. Song Yang, " “KNN: Informative </a:t>
+            </a:r>
+            <a:r>
+              <a:rPr lang="en-US" dirty="0" err="1">
+                <a:latin typeface="Alumni Sans" panose="020B0604020202020204" charset="0"/>
+              </a:rPr>
+              <a:t>knearest</a:t>
+            </a:r>
+            <a:r>
+              <a:rPr lang="en-US" dirty="0">
+                <a:latin typeface="Alumni Sans" panose="020B0604020202020204" charset="0"/>
+              </a:rPr>
+              <a:t> </a:t>
+            </a:r>
+            <a:r>
+              <a:rPr lang="en-US" dirty="0" err="1">
+                <a:latin typeface="Alumni Sans" panose="020B0604020202020204" charset="0"/>
+              </a:rPr>
+              <a:t>neighbour</a:t>
+            </a:r>
+            <a:r>
+              <a:rPr lang="en-US" dirty="0">
+                <a:latin typeface="Alumni Sans" panose="020B0604020202020204" charset="0"/>
+              </a:rPr>
+              <a:t> pattern classification,”," Knowledge Discovery in Databases, , p. Pg. 248– 264., 2007. </a:t>
+            </a:r>
+          </a:p>
+          <a:p>
+            <a:pPr eaLnBrk="1" hangingPunct="1"/>
+            <a:r>
+              <a:rPr lang="en-US" dirty="0">
+                <a:latin typeface="Alumni Sans" panose="020B0604020202020204" charset="0"/>
+              </a:rPr>
+              <a:t>[6] N. A. M. G. R. M. J. </a:t>
+            </a:r>
+            <a:r>
+              <a:rPr lang="en-US" dirty="0" err="1">
+                <a:latin typeface="Alumni Sans" panose="020B0604020202020204" charset="0"/>
+              </a:rPr>
+              <a:t>Norsyela</a:t>
+            </a:r>
+            <a:r>
+              <a:rPr lang="en-US" dirty="0">
+                <a:latin typeface="Alumni Sans" panose="020B0604020202020204" charset="0"/>
+              </a:rPr>
+              <a:t> Muhammad Noor </a:t>
+            </a:r>
+            <a:r>
+              <a:rPr lang="en-US" dirty="0" err="1">
+                <a:latin typeface="Alumni Sans" panose="020B0604020202020204" charset="0"/>
+              </a:rPr>
+              <a:t>Mathivanan</a:t>
+            </a:r>
+            <a:r>
+              <a:rPr lang="en-US" dirty="0">
+                <a:latin typeface="Alumni Sans" panose="020B0604020202020204" charset="0"/>
+              </a:rPr>
+              <a:t>, "A comparative study on dimensionality reduction between principal component analysis and k-means clustering," Indonesian Journal of Electrical Engineering and Computer Science 16(2):752 , Vols. 10.11591/ijeecs.v16.i2.pp752-758, November 2019. [7]</a:t>
+            </a:r>
+          </a:p>
+          <a:p>
+            <a:pPr eaLnBrk="1" hangingPunct="1"/>
+            <a:r>
+              <a:rPr lang="en-US" dirty="0">
+                <a:latin typeface="Alumni Sans" panose="020B0604020202020204" charset="0"/>
+              </a:rPr>
+              <a:t> "Euclidean Distance, https://byjus.com/maths/euclidean-distance/". </a:t>
+            </a:r>
+          </a:p>
+          <a:p>
+            <a:pPr eaLnBrk="1" hangingPunct="1"/>
+            <a:r>
+              <a:rPr lang="en-US" dirty="0">
+                <a:latin typeface="Alumni Sans" panose="020B0604020202020204" charset="0"/>
+              </a:rPr>
+              <a:t>[8] L. &amp;. L. C. &amp;. M. N. &amp;. M. A. </a:t>
+            </a:r>
+            <a:r>
+              <a:rPr lang="en-US" dirty="0" err="1">
+                <a:latin typeface="Alumni Sans" panose="020B0604020202020204" charset="0"/>
+              </a:rPr>
+              <a:t>Liberti</a:t>
+            </a:r>
+            <a:r>
+              <a:rPr lang="en-US" dirty="0">
+                <a:latin typeface="Alumni Sans" panose="020B0604020202020204" charset="0"/>
+              </a:rPr>
+              <a:t>, "Euclidean Distance Geometry and Applications," vol. SIAM Review. 56. 10.1137/120875909., 2012.</a:t>
+            </a:r>
+          </a:p>
+        </p:txBody>
+      </p:sp>
+    </p:spTree>
+  </p:cSld>
+  <p:clrMapOvr>
+    <a:masterClrMapping/>
+  </p:clrMapOvr>
+</p:sld>
+</file>
+
 <file path=ppt/slides/slide28.xml><?xml version="1.0" encoding="utf-8"?>
 <p:sld xmlns:a="http://schemas.openxmlformats.org/drawingml/2006/main" xmlns:r="http://schemas.openxmlformats.org/officeDocument/2006/relationships" xmlns:p="http://schemas.openxmlformats.org/presentationml/2006/main">
   <p:cSld>
@@ -16605,7 +16832,7 @@
         </p:nvSpPr>
         <p:spPr>
           <a:xfrm>
-            <a:off x="720000" y="881464"/>
+            <a:off x="720000" y="1222824"/>
             <a:ext cx="7538175" cy="3817011"/>
           </a:xfrm>
           <a:prstGeom prst="rect">
@@ -16619,29 +16846,23 @@
           <a:lstStyle/>
           <a:p>
             <a:pPr eaLnBrk="1" hangingPunct="1"/>
-            <a:endParaRPr lang="en-US" dirty="0">
-              <a:latin typeface="Alumni Sans" panose="020B0604020202020204" charset="0"/>
-            </a:endParaRPr>
-          </a:p>
-          <a:p>
-            <a:pPr eaLnBrk="1" hangingPunct="1"/>
             <a:r>
               <a:rPr lang="en-US" dirty="0">
                 <a:latin typeface="Alumni Sans" panose="020B0604020202020204" charset="0"/>
               </a:rPr>
-              <a:t>[1] N. F. F. E. B. S. L. P. d. L. Marcelo Beckmann, "A KNN </a:t>
+              <a:t> [9] R. &amp;. S. Z. &amp;. Z. E. </a:t>
             </a:r>
             <a:r>
               <a:rPr lang="en-US" dirty="0" err="1">
                 <a:latin typeface="Alumni Sans" panose="020B0604020202020204" charset="0"/>
               </a:rPr>
-              <a:t>Undersampling</a:t>
+              <a:t>Suwanda</a:t>
             </a:r>
             <a:r>
               <a:rPr lang="en-US" dirty="0">
                 <a:latin typeface="Alumni Sans" panose="020B0604020202020204" charset="0"/>
               </a:rPr>
-              <a:t> Approach for Data Balancing," Journal of Intelligent Learning Systems and Applications, vol. Vol.7 No.4, November 11, 2015.</a:t>
+              <a:t>, "Analysis of Euclidean Distance and Manhattan Distance in the K-Means Algorithm for Variations Number of Centroid K. Journal of Physics: Conference Series. 1566. 012058. 10.1088/1742-6596/1566/," 2020. </a:t>
             </a:r>
           </a:p>
           <a:p>
@@ -16650,7 +16871,7 @@
               <a:rPr lang="en-US" dirty="0">
                 <a:latin typeface="Alumni Sans" panose="020B0604020202020204" charset="0"/>
               </a:rPr>
-              <a:t> [2] T. &amp;. H. P. Cover, "Nearest neighbor pattern classification.," IEEE transactions on information theory, 13(1), 21-27., 1967.</a:t>
+              <a:t>[10] "How to Decide the Perfect Distance Metric For Your Machine Learning Model,," https://www.turing.com/kb/how-to-decide-perfectdistance- metric-for-machine-learning-model.</a:t>
             </a:r>
           </a:p>
           <a:p>
@@ -16659,19 +16880,19 @@
               <a:rPr lang="en-US" dirty="0">
                 <a:latin typeface="Alumni Sans" panose="020B0604020202020204" charset="0"/>
               </a:rPr>
-              <a:t> [3] K. G. K. V. Han EH.., "“Text Categorization Using Weight Adjusted k-Nearest </a:t>
+              <a:t> [11] B. &amp;. C. M. &amp;. B. C. &amp;. H. P. Lu, "The </a:t>
             </a:r>
             <a:r>
               <a:rPr lang="en-US" dirty="0" err="1">
                 <a:latin typeface="Alumni Sans" panose="020B0604020202020204" charset="0"/>
               </a:rPr>
-              <a:t>Neighbour</a:t>
+              <a:t>Minkowski</a:t>
             </a:r>
             <a:r>
               <a:rPr lang="en-US" dirty="0">
                 <a:latin typeface="Alumni Sans" panose="020B0604020202020204" charset="0"/>
               </a:rPr>
-              <a:t> Classification”.," In: Cheung D., Williams G.J., Li Q. (eds) Advances in Knowledge Discovery and Data Mining. PAKDD 2001. Lecture Notes in Computer Sci, 2001. </a:t>
+              <a:t> approach for choosing the distance metric in geographically weighted regression.," International Journal of Geographical Information Science. , Vols. 30. 1-18. 10.1080/13658816.20, 2015. </a:t>
             </a:r>
           </a:p>
           <a:p>
@@ -16680,31 +16901,58 @@
               <a:rPr lang="en-US" dirty="0">
                 <a:latin typeface="Alumni Sans" panose="020B0604020202020204" charset="0"/>
               </a:rPr>
-              <a:t>[4] Z. Z., " Introduction to machine learning: k-nearest neighbors.," Ann </a:t>
+              <a:t>[12] A. &amp;. K. V. &amp;. R. T. Bookstein, "Generalized Hamming Distance.," vol. Information Retrieval. 5. 10.1023/A:1020499411651., 2002. </a:t>
+            </a:r>
+          </a:p>
+          <a:p>
+            <a:pPr eaLnBrk="1" hangingPunct="1"/>
+            <a:r>
+              <a:rPr lang="en-US" dirty="0">
+                <a:latin typeface="Alumni Sans" panose="020B0604020202020204" charset="0"/>
+              </a:rPr>
+              <a:t>[13] K. Bala Priya C, "Distance Metrics: Euclidean, Manhattan, </a:t>
             </a:r>
             <a:r>
               <a:rPr lang="en-US" dirty="0" err="1">
                 <a:latin typeface="Alumni Sans" panose="020B0604020202020204" charset="0"/>
               </a:rPr>
-              <a:t>Transl</a:t>
+              <a:t>Minkowski</a:t>
             </a:r>
             <a:r>
               <a:rPr lang="en-US" dirty="0">
                 <a:latin typeface="Alumni Sans" panose="020B0604020202020204" charset="0"/>
               </a:rPr>
-              <a:t> Med. 2016 Jun;4(11):218., no. </a:t>
+              <a:t>,," https://www.kdnuggets.com/2023/03/distance-metricseuclidean-manhattan-minkowski-oh.html. </a:t>
+            </a:r>
+          </a:p>
+          <a:p>
+            <a:pPr eaLnBrk="1" hangingPunct="1"/>
+            <a:r>
+              <a:rPr lang="en-US" dirty="0">
+                <a:latin typeface="Alumni Sans" panose="020B0604020202020204" charset="0"/>
+              </a:rPr>
+              <a:t>[14] "What is the k-nearest neighbors (KNN) algorithm?," https://www.ibm.com/topics/knn. </a:t>
+            </a:r>
+          </a:p>
+          <a:p>
+            <a:pPr eaLnBrk="1" hangingPunct="1"/>
+            <a:r>
+              <a:rPr lang="en-US" dirty="0">
+                <a:latin typeface="Alumni Sans" panose="020B0604020202020204" charset="0"/>
+              </a:rPr>
+              <a:t>[15] J. R. S. H. G. S. R. Goldberger, "</a:t>
             </a:r>
             <a:r>
               <a:rPr lang="en-US" dirty="0" err="1">
                 <a:latin typeface="Alumni Sans" panose="020B0604020202020204" charset="0"/>
               </a:rPr>
-              <a:t>doi</a:t>
+              <a:t>Neighbourhood</a:t>
             </a:r>
             <a:r>
               <a:rPr lang="en-US" dirty="0">
                 <a:latin typeface="Alumni Sans" panose="020B0604020202020204" charset="0"/>
               </a:rPr>
-              <a:t>: 10.21037/atm.2016.03.37. PMID: 27386492; PMCID: PMC4916348.. </a:t>
+              <a:t> components analysis.," NIPS (2004).</a:t>
             </a:r>
           </a:p>
           <a:p>
@@ -16713,99 +16961,41 @@
               <a:rPr lang="en-US" dirty="0">
                 <a:latin typeface="Alumni Sans" panose="020B0604020202020204" charset="0"/>
               </a:rPr>
-              <a:t>[5] J. H. D. Z. H. Z. a. C. L. G. Song Yang, " “KNN: Informative </a:t>
-            </a:r>
-            <a:r>
-              <a:rPr lang="en-US" dirty="0" err="1">
-                <a:latin typeface="Alumni Sans" panose="020B0604020202020204" charset="0"/>
-              </a:rPr>
-              <a:t>knearest</a:t>
-            </a:r>
+              <a:t> [16] Y. J. D. &amp;. C. D. Cai, "A KNN Research Paper Classification Method Based on Shared Nearest Neighbor.," NTCIR Conference on Evaluation of Information Access Technologies., 2010. </a:t>
+            </a:r>
+          </a:p>
+          <a:p>
+            <a:pPr eaLnBrk="1" hangingPunct="1"/>
             <a:r>
               <a:rPr lang="en-US" dirty="0">
                 <a:latin typeface="Alumni Sans" panose="020B0604020202020204" charset="0"/>
               </a:rPr>
-              <a:t> </a:t>
-            </a:r>
-            <a:r>
-              <a:rPr lang="en-US" dirty="0" err="1">
-                <a:latin typeface="Alumni Sans" panose="020B0604020202020204" charset="0"/>
-              </a:rPr>
-              <a:t>neighbour</a:t>
-            </a:r>
+              <a:t>……..</a:t>
+            </a:r>
+          </a:p>
+          <a:p>
+            <a:pPr marL="139700" indent="0" eaLnBrk="1" hangingPunct="1">
+              <a:buNone/>
+            </a:pPr>
             <a:r>
               <a:rPr lang="en-US" dirty="0">
                 <a:latin typeface="Alumni Sans" panose="020B0604020202020204" charset="0"/>
               </a:rPr>
-              <a:t> pattern classification,”," Knowledge Discovery in Databases, , p. Pg. 248– 264., 2007. </a:t>
-            </a:r>
-          </a:p>
-          <a:p>
-            <a:pPr eaLnBrk="1" hangingPunct="1"/>
-            <a:r>
-              <a:rPr lang="en-US" dirty="0">
-                <a:latin typeface="Alumni Sans" panose="020B0604020202020204" charset="0"/>
-              </a:rPr>
-              <a:t>[6] N. A. M. G. R. M. J. </a:t>
-            </a:r>
-            <a:r>
-              <a:rPr lang="en-US" dirty="0" err="1">
-                <a:latin typeface="Alumni Sans" panose="020B0604020202020204" charset="0"/>
-              </a:rPr>
-              <a:t>Norsyela</a:t>
-            </a:r>
-            <a:r>
-              <a:rPr lang="en-US" dirty="0">
-                <a:latin typeface="Alumni Sans" panose="020B0604020202020204" charset="0"/>
-              </a:rPr>
-              <a:t> Muhammad Noor </a:t>
-            </a:r>
-            <a:r>
-              <a:rPr lang="en-US" dirty="0" err="1">
-                <a:latin typeface="Alumni Sans" panose="020B0604020202020204" charset="0"/>
-              </a:rPr>
-              <a:t>Mathivanan</a:t>
-            </a:r>
-            <a:r>
-              <a:rPr lang="en-US" dirty="0">
-                <a:latin typeface="Alumni Sans" panose="020B0604020202020204" charset="0"/>
-              </a:rPr>
-              <a:t>, "A comparative study on dimensionality reduction between principal component analysis and k-means clustering," Indonesian Journal of Electrical Engineering and Computer Science 16(2):752 , Vols. 10.11591/ijeecs.v16.i2.pp752-758, November 2019. [7]</a:t>
-            </a:r>
-          </a:p>
-          <a:p>
-            <a:pPr eaLnBrk="1" hangingPunct="1"/>
-            <a:r>
-              <a:rPr lang="en-US" dirty="0">
-                <a:latin typeface="Alumni Sans" panose="020B0604020202020204" charset="0"/>
-              </a:rPr>
-              <a:t> "Euclidean Distance, https://byjus.com/maths/euclidean-distance/". </a:t>
-            </a:r>
-          </a:p>
-          <a:p>
-            <a:pPr eaLnBrk="1" hangingPunct="1"/>
-            <a:r>
-              <a:rPr lang="en-US" dirty="0">
-                <a:latin typeface="Alumni Sans" panose="020B0604020202020204" charset="0"/>
-              </a:rPr>
-              <a:t>[8] L. &amp;. L. C. &amp;. M. N. &amp;. M. A. </a:t>
-            </a:r>
-            <a:r>
-              <a:rPr lang="en-US" dirty="0" err="1">
-                <a:latin typeface="Alumni Sans" panose="020B0604020202020204" charset="0"/>
-              </a:rPr>
-              <a:t>Liberti</a:t>
-            </a:r>
-            <a:r>
-              <a:rPr lang="en-US" dirty="0">
-                <a:latin typeface="Alumni Sans" panose="020B0604020202020204" charset="0"/>
-              </a:rPr>
-              <a:t>, "Euclidean Distance Geometry and Applications," vol. SIAM Review. 56. 10.1137/120875909., 2012.</a:t>
-            </a:r>
+              <a:t>.</a:t>
+            </a:r>
+            <a:endParaRPr lang="en-US" dirty="0">
+              <a:latin typeface="Alumni Sans" panose="020B0604020202020204" charset="0"/>
+              <a:sym typeface="Assistant"/>
+            </a:endParaRPr>
           </a:p>
         </p:txBody>
       </p:sp>
     </p:spTree>
+    <p:extLst>
+      <p:ext uri="{BB962C8B-B14F-4D97-AF65-F5344CB8AC3E}">
+        <p14:creationId xmlns:p14="http://schemas.microsoft.com/office/powerpoint/2010/main" val="3886711660"/>
+      </p:ext>
+    </p:extLst>
   </p:cSld>
   <p:clrMapOvr>
     <a:masterClrMapping/>
@@ -16818,7 +17008,7 @@
   <p:cSld>
     <p:spTree>
       <p:nvGrpSpPr>
-        <p:cNvPr id="1" name="Shape 716"/>
+        <p:cNvPr id="1" name=""/>
         <p:cNvGrpSpPr/>
         <p:nvPr/>
       </p:nvGrpSpPr>
@@ -16832,8 +17022,14 @@
       </p:grpSpPr>
       <p:sp>
         <p:nvSpPr>
-          <p:cNvPr id="717" name="Google Shape;717;p47"/>
-          <p:cNvSpPr txBox="1">
+          <p:cNvPr id="2" name="Title 1">
+            <a:extLst>
+              <a:ext uri="{FF2B5EF4-FFF2-40B4-BE49-F238E27FC236}">
+                <a16:creationId xmlns:a16="http://schemas.microsoft.com/office/drawing/2014/main" id="{3BF16D10-A5B8-DCA6-4185-6DF708EA37FE}"/>
+              </a:ext>
+            </a:extLst>
+          </p:cNvPr>
+          <p:cNvSpPr>
             <a:spLocks noGrp="1"/>
           </p:cNvSpPr>
           <p:nvPr>
@@ -16842,210 +17038,26 @@
         </p:nvSpPr>
         <p:spPr>
           <a:xfrm>
-            <a:off x="720000" y="445025"/>
+            <a:off x="558075" y="1713900"/>
             <a:ext cx="7704000" cy="572700"/>
           </a:xfrm>
-          <a:prstGeom prst="rect">
-            <a:avLst/>
-          </a:prstGeom>
         </p:spPr>
         <p:txBody>
-          <a:bodyPr spcFirstLastPara="1" wrap="square" lIns="91425" tIns="0" rIns="91425" bIns="91425" anchor="t" anchorCtr="0">
-            <a:noAutofit/>
-          </a:bodyPr>
+          <a:bodyPr/>
           <a:lstStyle/>
           <a:p>
-            <a:pPr marL="0" lvl="0" indent="0" algn="l" rtl="0">
-              <a:spcBef>
-                <a:spcPts val="0"/>
-              </a:spcBef>
-              <a:spcAft>
-                <a:spcPts val="0"/>
-              </a:spcAft>
-              <a:buNone/>
-            </a:pPr>
-            <a:r>
-              <a:rPr lang="en" dirty="0"/>
-              <a:t>References</a:t>
-            </a:r>
-            <a:endParaRPr dirty="0"/>
-          </a:p>
-        </p:txBody>
-      </p:sp>
-      <p:sp>
-        <p:nvSpPr>
-          <p:cNvPr id="718" name="Google Shape;718;p47"/>
-          <p:cNvSpPr txBox="1">
-            <a:spLocks noGrp="1"/>
-          </p:cNvSpPr>
-          <p:nvPr>
-            <p:ph type="body" idx="1"/>
-          </p:nvPr>
-        </p:nvSpPr>
-        <p:spPr>
-          <a:xfrm>
-            <a:off x="720000" y="1222824"/>
-            <a:ext cx="7538175" cy="3817011"/>
-          </a:xfrm>
-          <a:prstGeom prst="rect">
-            <a:avLst/>
-          </a:prstGeom>
-        </p:spPr>
-        <p:txBody>
-          <a:bodyPr spcFirstLastPara="1" wrap="square" lIns="91425" tIns="91425" rIns="91425" bIns="91425" anchor="t" anchorCtr="0">
-            <a:noAutofit/>
-          </a:bodyPr>
-          <a:lstStyle/>
-          <a:p>
-            <a:pPr eaLnBrk="1" hangingPunct="1"/>
-            <a:r>
-              <a:rPr lang="en-US" dirty="0">
-                <a:latin typeface="Alumni Sans" panose="020B0604020202020204" charset="0"/>
-              </a:rPr>
-              <a:t> [9] R. &amp;. S. Z. &amp;. Z. E. </a:t>
-            </a:r>
-            <a:r>
-              <a:rPr lang="en-US" dirty="0" err="1">
-                <a:latin typeface="Alumni Sans" panose="020B0604020202020204" charset="0"/>
-              </a:rPr>
-              <a:t>Suwanda</a:t>
-            </a:r>
-            <a:r>
-              <a:rPr lang="en-US" dirty="0">
-                <a:latin typeface="Alumni Sans" panose="020B0604020202020204" charset="0"/>
-              </a:rPr>
-              <a:t>, "Analysis of Euclidean Distance and Manhattan Distance in the K-Means Algorithm for Variations Number of Centroid K. Journal of Physics: Conference Series. 1566. 012058. 10.1088/1742-6596/1566/," 2020. </a:t>
-            </a:r>
-          </a:p>
-          <a:p>
-            <a:pPr eaLnBrk="1" hangingPunct="1"/>
-            <a:r>
-              <a:rPr lang="en-US" dirty="0">
-                <a:latin typeface="Alumni Sans" panose="020B0604020202020204" charset="0"/>
-              </a:rPr>
-              <a:t>[10] "How to Decide the Perfect Distance Metric For Your Machine Learning Model,," https://www.turing.com/kb/how-to-decide-perfectdistance- metric-for-machine-learning-model.</a:t>
-            </a:r>
-          </a:p>
-          <a:p>
-            <a:pPr eaLnBrk="1" hangingPunct="1"/>
-            <a:r>
-              <a:rPr lang="en-US" dirty="0">
-                <a:latin typeface="Alumni Sans" panose="020B0604020202020204" charset="0"/>
-              </a:rPr>
-              <a:t> [11] B. &amp;. C. M. &amp;. B. C. &amp;. H. P. Lu, "The </a:t>
-            </a:r>
-            <a:r>
-              <a:rPr lang="en-US" dirty="0" err="1">
-                <a:latin typeface="Alumni Sans" panose="020B0604020202020204" charset="0"/>
-              </a:rPr>
-              <a:t>Minkowski</a:t>
-            </a:r>
-            <a:r>
-              <a:rPr lang="en-US" dirty="0">
-                <a:latin typeface="Alumni Sans" panose="020B0604020202020204" charset="0"/>
-              </a:rPr>
-              <a:t> approach for choosing the distance metric in geographically weighted regression.," International Journal of Geographical Information Science. , Vols. 30. 1-18. 10.1080/13658816.20, 2015. </a:t>
-            </a:r>
-          </a:p>
-          <a:p>
-            <a:pPr eaLnBrk="1" hangingPunct="1"/>
-            <a:r>
-              <a:rPr lang="en-US" dirty="0">
-                <a:latin typeface="Alumni Sans" panose="020B0604020202020204" charset="0"/>
-              </a:rPr>
-              <a:t>[12] A. &amp;. K. V. &amp;. R. T. Bookstein, "Generalized Hamming Distance.," vol. Information Retrieval. 5. 10.1023/A:1020499411651., 2002. </a:t>
-            </a:r>
-          </a:p>
-          <a:p>
-            <a:pPr eaLnBrk="1" hangingPunct="1"/>
-            <a:r>
-              <a:rPr lang="en-US" dirty="0">
-                <a:latin typeface="Alumni Sans" panose="020B0604020202020204" charset="0"/>
-              </a:rPr>
-              <a:t>[13] K. Bala Priya C, "Distance Metrics: Euclidean, Manhattan, </a:t>
-            </a:r>
-            <a:r>
-              <a:rPr lang="en-US" dirty="0" err="1">
-                <a:latin typeface="Alumni Sans" panose="020B0604020202020204" charset="0"/>
-              </a:rPr>
-              <a:t>Minkowski</a:t>
-            </a:r>
-            <a:r>
-              <a:rPr lang="en-US" dirty="0">
-                <a:latin typeface="Alumni Sans" panose="020B0604020202020204" charset="0"/>
-              </a:rPr>
-              <a:t>,," https://www.kdnuggets.com/2023/03/distance-metricseuclidean-manhattan-minkowski-oh.html. </a:t>
-            </a:r>
-          </a:p>
-          <a:p>
-            <a:pPr eaLnBrk="1" hangingPunct="1"/>
-            <a:r>
-              <a:rPr lang="en-US" dirty="0">
-                <a:latin typeface="Alumni Sans" panose="020B0604020202020204" charset="0"/>
-              </a:rPr>
-              <a:t>[14] "What is the k-nearest neighbors (KNN) algorithm?," https://www.ibm.com/topics/knn. </a:t>
-            </a:r>
-          </a:p>
-          <a:p>
-            <a:pPr eaLnBrk="1" hangingPunct="1"/>
-            <a:r>
-              <a:rPr lang="en-US" dirty="0">
-                <a:latin typeface="Alumni Sans" panose="020B0604020202020204" charset="0"/>
-              </a:rPr>
-              <a:t>[15] J. R. S. H. G. S. R. Goldberger, "</a:t>
-            </a:r>
-            <a:r>
-              <a:rPr lang="en-US" dirty="0" err="1">
-                <a:latin typeface="Alumni Sans" panose="020B0604020202020204" charset="0"/>
-              </a:rPr>
-              <a:t>Neighbourhood</a:t>
-            </a:r>
-            <a:r>
-              <a:rPr lang="en-US" dirty="0">
-                <a:latin typeface="Alumni Sans" panose="020B0604020202020204" charset="0"/>
-              </a:rPr>
-              <a:t> components analysis.," NIPS (2004).</a:t>
-            </a:r>
-          </a:p>
-          <a:p>
-            <a:pPr eaLnBrk="1" hangingPunct="1"/>
-            <a:r>
-              <a:rPr lang="en-US" dirty="0">
-                <a:latin typeface="Alumni Sans" panose="020B0604020202020204" charset="0"/>
-              </a:rPr>
-              <a:t> [16] Y. J. D. &amp;. C. D. Cai, "A KNN Research Paper Classification Method Based on Shared Nearest Neighbor.," NTCIR Conference on Evaluation of Information Access Technologies., 2010. </a:t>
-            </a:r>
-          </a:p>
-          <a:p>
-            <a:pPr eaLnBrk="1" hangingPunct="1"/>
-            <a:r>
-              <a:rPr lang="en-US" dirty="0">
-                <a:latin typeface="Alumni Sans" panose="020B0604020202020204" charset="0"/>
-              </a:rPr>
-              <a:t>……..</a:t>
-            </a:r>
-          </a:p>
-          <a:p>
-            <a:pPr marL="139700" indent="0" eaLnBrk="1" hangingPunct="1">
-              <a:buNone/>
-            </a:pPr>
-            <a:r>
-              <a:rPr lang="en-US" dirty="0">
-                <a:latin typeface="Alumni Sans" panose="020B0604020202020204" charset="0"/>
-              </a:rPr>
-              <a:t>.</a:t>
-            </a:r>
-            <a:endParaRPr lang="en-US" dirty="0">
-              <a:latin typeface="Alumni Sans" panose="020B0604020202020204" charset="0"/>
-              <a:sym typeface="Assistant"/>
-            </a:endParaRPr>
+            <a:pPr algn="ctr"/>
+            <a:r>
+              <a:rPr lang="en-US" sz="6600" dirty="0"/>
+              <a:t>Thank You!</a:t>
+            </a:r>
           </a:p>
         </p:txBody>
       </p:sp>
     </p:spTree>
     <p:extLst>
       <p:ext uri="{BB962C8B-B14F-4D97-AF65-F5344CB8AC3E}">
-        <p14:creationId xmlns:p14="http://schemas.microsoft.com/office/powerpoint/2010/main" val="3886711660"/>
+        <p14:creationId xmlns:p14="http://schemas.microsoft.com/office/powerpoint/2010/main" val="2596086119"/>
       </p:ext>
     </p:extLst>
   </p:cSld>
@@ -17635,70 +17647,6 @@
         </p:txBody>
       </p:sp>
     </p:spTree>
-  </p:cSld>
-  <p:clrMapOvr>
-    <a:masterClrMapping/>
-  </p:clrMapOvr>
-</p:sld>
-</file>
-
-<file path=ppt/slides/slide30.xml><?xml version="1.0" encoding="utf-8"?>
-<p:sld xmlns:a="http://schemas.openxmlformats.org/drawingml/2006/main" xmlns:r="http://schemas.openxmlformats.org/officeDocument/2006/relationships" xmlns:p="http://schemas.openxmlformats.org/presentationml/2006/main">
-  <p:cSld>
-    <p:spTree>
-      <p:nvGrpSpPr>
-        <p:cNvPr id="1" name=""/>
-        <p:cNvGrpSpPr/>
-        <p:nvPr/>
-      </p:nvGrpSpPr>
-      <p:grpSpPr>
-        <a:xfrm>
-          <a:off x="0" y="0"/>
-          <a:ext cx="0" cy="0"/>
-          <a:chOff x="0" y="0"/>
-          <a:chExt cx="0" cy="0"/>
-        </a:xfrm>
-      </p:grpSpPr>
-      <p:sp>
-        <p:nvSpPr>
-          <p:cNvPr id="2" name="Title 1">
-            <a:extLst>
-              <a:ext uri="{FF2B5EF4-FFF2-40B4-BE49-F238E27FC236}">
-                <a16:creationId xmlns:a16="http://schemas.microsoft.com/office/drawing/2014/main" id="{3BF16D10-A5B8-DCA6-4185-6DF708EA37FE}"/>
-              </a:ext>
-            </a:extLst>
-          </p:cNvPr>
-          <p:cNvSpPr>
-            <a:spLocks noGrp="1"/>
-          </p:cNvSpPr>
-          <p:nvPr>
-            <p:ph type="title"/>
-          </p:nvPr>
-        </p:nvSpPr>
-        <p:spPr>
-          <a:xfrm>
-            <a:off x="558075" y="1713900"/>
-            <a:ext cx="7704000" cy="572700"/>
-          </a:xfrm>
-        </p:spPr>
-        <p:txBody>
-          <a:bodyPr/>
-          <a:lstStyle/>
-          <a:p>
-            <a:pPr algn="ctr"/>
-            <a:r>
-              <a:rPr lang="en-US" sz="6600" dirty="0"/>
-              <a:t>Thank You!</a:t>
-            </a:r>
-          </a:p>
-        </p:txBody>
-      </p:sp>
-    </p:spTree>
-    <p:extLst>
-      <p:ext uri="{BB962C8B-B14F-4D97-AF65-F5344CB8AC3E}">
-        <p14:creationId xmlns:p14="http://schemas.microsoft.com/office/powerpoint/2010/main" val="2596086119"/>
-      </p:ext>
-    </p:extLst>
   </p:cSld>
   <p:clrMapOvr>
     <a:masterClrMapping/>

--- a/Myproject/Documentation/Investigate and Implement KNN Classifier_Global Variable-Project_presentation.pptx
+++ b/Myproject/Documentation/Investigate and Implement KNN Classifier_Global Variable-Project_presentation.pptx
@@ -14990,7 +14990,7 @@
               <a:rPr lang="en-US" sz="1800" dirty="0">
                 <a:latin typeface="Alumni Sans" panose="020B0604020202020204" charset="0"/>
               </a:rPr>
-              <a:t>KNN Implementation with SP generated SDR’s.</a:t>
+              <a:t>KNN Implementation with Spatial pooler generated SDR’s.</a:t>
             </a:r>
           </a:p>
           <a:p>
@@ -15004,7 +15004,7 @@
               <a:rPr lang="en-US" sz="1800" dirty="0">
                 <a:latin typeface="Alumni Sans" panose="020B0604020202020204" charset="0"/>
               </a:rPr>
-              <a:t>KNN Implementation with TM generated SDR’s and Unit Test of the experiment.</a:t>
+              <a:t>KNN Implementation with Temporal Memory generated SDR’s and Unit Test of the experiment.</a:t>
             </a:r>
           </a:p>
           <a:p>
@@ -15018,7 +15018,7 @@
               <a:rPr lang="en-US" sz="1800" dirty="0">
                 <a:latin typeface="Alumni Sans" panose="020B0604020202020204" charset="0"/>
               </a:rPr>
-              <a:t>Replace the HTMClassifier with your KNN Classifier</a:t>
+              <a:t>Replace the HTMClassifier with our KNN Classifier</a:t>
             </a:r>
           </a:p>
           <a:p>
